--- a/paper_work/paper_autumn2018/pps2019/Blees slides v1.pptx
+++ b/paper_work/paper_autumn2018/pps2019/Blees slides v1.pptx
@@ -224,7 +224,7 @@
           <a:p>
             <a:fld id="{C4D01A31-372F-4432-8331-076F161EBDEB}" type="datetimeFigureOut">
               <a:rPr lang="ru-RU" smtClean="0"/>
-              <a:t>22.01.2019</a:t>
+              <a:t>03.02.2019</a:t>
             </a:fld>
             <a:endParaRPr lang="ru-RU"/>
           </a:p>
@@ -638,7 +638,7 @@
           <a:p>
             <a:fld id="{19D2390A-A5D2-4140-8F21-08567DF53EAB}" type="datetime1">
               <a:rPr lang="en-US" smtClean="0"/>
-              <a:t>1/22/2019</a:t>
+              <a:t>2/3/2019</a:t>
             </a:fld>
             <a:endParaRPr lang="en-US" dirty="0"/>
           </a:p>
@@ -837,7 +837,7 @@
           <a:p>
             <a:fld id="{6E63BCFE-F92C-4B2A-A483-FE84CB0E1669}" type="datetime1">
               <a:rPr lang="en-US" smtClean="0"/>
-              <a:t>1/22/2019</a:t>
+              <a:t>2/3/2019</a:t>
             </a:fld>
             <a:endParaRPr lang="en-US" dirty="0"/>
           </a:p>
@@ -1046,7 +1046,7 @@
           <a:p>
             <a:fld id="{BAB0F15E-5DFE-4BC3-8986-F1BF5ED54566}" type="datetime1">
               <a:rPr lang="en-US" smtClean="0"/>
-              <a:t>1/22/2019</a:t>
+              <a:t>2/3/2019</a:t>
             </a:fld>
             <a:endParaRPr lang="en-US" dirty="0"/>
           </a:p>
@@ -1245,7 +1245,7 @@
           <a:p>
             <a:fld id="{F9FAC6D1-1EDC-4D10-98E2-89D9AAF4A5E6}" type="datetime1">
               <a:rPr lang="en-US" smtClean="0"/>
-              <a:t>1/22/2019</a:t>
+              <a:t>2/3/2019</a:t>
             </a:fld>
             <a:endParaRPr lang="en-US" dirty="0"/>
           </a:p>
@@ -1521,7 +1521,7 @@
           <a:p>
             <a:fld id="{FCBF944F-FEB6-4D1A-81C2-3C3224084020}" type="datetime1">
               <a:rPr lang="en-US" smtClean="0"/>
-              <a:t>1/22/2019</a:t>
+              <a:t>2/3/2019</a:t>
             </a:fld>
             <a:endParaRPr lang="en-US" dirty="0"/>
           </a:p>
@@ -1787,7 +1787,7 @@
           <a:p>
             <a:fld id="{058E3EE1-7D3F-482B-8AEE-CB17E5ADB268}" type="datetime1">
               <a:rPr lang="en-US" smtClean="0"/>
-              <a:t>1/22/2019</a:t>
+              <a:t>2/3/2019</a:t>
             </a:fld>
             <a:endParaRPr lang="en-US" dirty="0"/>
           </a:p>
@@ -2200,7 +2200,7 @@
           <a:p>
             <a:fld id="{D1C63658-56E0-40E1-A24D-D4C44915BD3D}" type="datetime1">
               <a:rPr lang="en-US" smtClean="0"/>
-              <a:t>1/22/2019</a:t>
+              <a:t>2/3/2019</a:t>
             </a:fld>
             <a:endParaRPr lang="en-US" dirty="0"/>
           </a:p>
@@ -2342,7 +2342,7 @@
           <a:p>
             <a:fld id="{6E274C21-3F3E-4697-9719-4BC17160D3DF}" type="datetime1">
               <a:rPr lang="en-US" smtClean="0"/>
-              <a:t>1/22/2019</a:t>
+              <a:t>2/3/2019</a:t>
             </a:fld>
             <a:endParaRPr lang="en-US" dirty="0"/>
           </a:p>
@@ -2456,7 +2456,7 @@
           <a:p>
             <a:fld id="{BF1976F3-F950-4D0A-99B6-FF5DCB9E4419}" type="datetime1">
               <a:rPr lang="en-US" smtClean="0"/>
-              <a:t>1/22/2019</a:t>
+              <a:t>2/3/2019</a:t>
             </a:fld>
             <a:endParaRPr lang="en-US" dirty="0"/>
           </a:p>
@@ -2768,7 +2768,7 @@
           <a:p>
             <a:fld id="{EFAEF839-28FA-4FEC-BF4F-954DFA7E089C}" type="datetime1">
               <a:rPr lang="en-US" smtClean="0"/>
-              <a:t>1/22/2019</a:t>
+              <a:t>2/3/2019</a:t>
             </a:fld>
             <a:endParaRPr lang="en-US" dirty="0"/>
           </a:p>
@@ -3057,7 +3057,7 @@
           <a:p>
             <a:fld id="{C9D6C57F-7EFF-44BA-9C56-A8B6F4201204}" type="datetime1">
               <a:rPr lang="en-US" smtClean="0"/>
-              <a:t>1/22/2019</a:t>
+              <a:t>2/3/2019</a:t>
             </a:fld>
             <a:endParaRPr lang="en-US" dirty="0"/>
           </a:p>
@@ -3299,7 +3299,7 @@
           <a:p>
             <a:fld id="{FA61D330-8BC0-4F34-9977-4E7F57069C50}" type="datetime1">
               <a:rPr lang="en-US" smtClean="0"/>
-              <a:t>1/22/2019</a:t>
+              <a:t>2/3/2019</a:t>
             </a:fld>
             <a:endParaRPr lang="en-US" dirty="0"/>
           </a:p>
@@ -4688,7 +4688,7 @@
         </p:spPr>
         <p:txBody>
           <a:bodyPr>
-            <a:normAutofit/>
+            <a:normAutofit fontScale="90000"/>
           </a:bodyPr>
           <a:lstStyle/>
           <a:p>
@@ -4697,7 +4697,7 @@
                 <a:latin typeface="Microsoft JhengHei UI Light" panose="020B0304030504040204" pitchFamily="34" charset="-120"/>
                 <a:ea typeface="Microsoft JhengHei UI Light" panose="020B0304030504040204" pitchFamily="34" charset="-120"/>
               </a:rPr>
-              <a:t>Независимость числовых критериев</a:t>
+              <a:t>Исследование независимости числовых критериев</a:t>
             </a:r>
           </a:p>
         </p:txBody>
@@ -4777,7 +4777,7 @@
                 <a:latin typeface="Microsoft JhengHei UI Light" panose="020B0304030504040204" pitchFamily="34" charset="-120"/>
                 <a:ea typeface="Microsoft JhengHei UI Light" panose="020B0304030504040204" pitchFamily="34" charset="-120"/>
               </a:rPr>
-              <a:t>Полученная матрица ковариации:</a:t>
+              <a:t>Полученная матрица корреляций:</a:t>
             </a:r>
           </a:p>
           <a:p>
@@ -4849,7 +4849,7 @@
           <a:graphicData uri="http://schemas.openxmlformats.org/presentationml/2006/ole">
             <mc:AlternateContent xmlns:mc="http://schemas.openxmlformats.org/markup-compatibility/2006">
               <mc:Choice xmlns:v="urn:schemas-microsoft-com:vml" Requires="v">
-                <p:oleObj spid="_x0000_s1051" name="Equation" r:id="rId3" imgW="2311400" imgH="533400" progId="Equation.DSMT4">
+                <p:oleObj spid="_x0000_s1087" name="Equation" r:id="rId3" imgW="2311400" imgH="533400" progId="Equation.DSMT4">
                   <p:embed/>
                 </p:oleObj>
               </mc:Choice>
@@ -4922,7 +4922,7 @@
           <a:graphicData uri="http://schemas.openxmlformats.org/presentationml/2006/ole">
             <mc:AlternateContent xmlns:mc="http://schemas.openxmlformats.org/markup-compatibility/2006">
               <mc:Choice xmlns:v="urn:schemas-microsoft-com:vml" Requires="v">
-                <p:oleObj spid="_x0000_s1052" name="Equation" r:id="rId5" imgW="1447800" imgH="711200" progId="Equation.DSMT4">
+                <p:oleObj spid="_x0000_s1088" name="Equation" r:id="rId5" imgW="1447800" imgH="711200" progId="Equation.DSMT4">
                   <p:embed/>
                 </p:oleObj>
               </mc:Choice>
@@ -5181,8 +5181,8 @@
           </a:p>
         </p:txBody>
       </p:sp>
-      <mc:AlternateContent xmlns:mc="http://schemas.openxmlformats.org/markup-compatibility/2006">
-        <mc:Choice xmlns:a14="http://schemas.microsoft.com/office/drawing/2010/main" Requires="a14">
+      <mc:AlternateContent xmlns:mc="http://schemas.openxmlformats.org/markup-compatibility/2006" xmlns:a14="http://schemas.microsoft.com/office/drawing/2010/main">
+        <mc:Choice Requires="a14">
           <p:graphicFrame>
             <p:nvGraphicFramePr>
               <p:cNvPr id="19" name="Table 18">
@@ -5486,7 +5486,7 @@
             </a:graphic>
           </p:graphicFrame>
         </mc:Choice>
-        <mc:Fallback>
+        <mc:Fallback xmlns="">
           <p:graphicFrame>
             <p:nvGraphicFramePr>
               <p:cNvPr id="19" name="Table 18">
@@ -5787,8 +5787,8 @@
           </a:p>
         </p:txBody>
       </p:sp>
-      <mc:AlternateContent xmlns:mc="http://schemas.openxmlformats.org/markup-compatibility/2006">
-        <mc:Choice xmlns:a14="http://schemas.microsoft.com/office/drawing/2010/main" Requires="a14">
+      <mc:AlternateContent xmlns:mc="http://schemas.openxmlformats.org/markup-compatibility/2006" xmlns:a14="http://schemas.microsoft.com/office/drawing/2010/main">
+        <mc:Choice Requires="a14">
           <p:graphicFrame>
             <p:nvGraphicFramePr>
               <p:cNvPr id="11" name="Table 10">
@@ -5804,7 +5804,7 @@
               <p:nvPr>
                 <p:extLst>
                   <p:ext uri="{D42A27DB-BD31-4B8C-83A1-F6EECF244321}">
-                    <p14:modId xmlns:p14="http://schemas.microsoft.com/office/powerpoint/2010/main" val="3940499839"/>
+                    <p14:modId xmlns:p14="http://schemas.microsoft.com/office/powerpoint/2010/main" val="1899836035"/>
                   </p:ext>
                 </p:extLst>
               </p:nvPr>
@@ -5900,7 +5900,44 @@
                           </a:endParaRPr>
                         </a:p>
                       </a:txBody>
-                      <a:tcPr marL="68580" marR="68580" marT="0" marB="0" anchor="ctr"/>
+                      <a:tcPr marL="68580" marR="68580" marT="0" marB="0" anchor="ctr">
+                        <a:lnL w="12700" cap="flat" cmpd="sng" algn="ctr">
+                          <a:solidFill>
+                            <a:schemeClr val="tx1"/>
+                          </a:solidFill>
+                          <a:prstDash val="solid"/>
+                          <a:round/>
+                          <a:headEnd type="none" w="med" len="med"/>
+                          <a:tailEnd type="none" w="med" len="med"/>
+                        </a:lnL>
+                        <a:lnR w="12700" cap="flat" cmpd="sng" algn="ctr">
+                          <a:solidFill>
+                            <a:schemeClr val="tx1"/>
+                          </a:solidFill>
+                          <a:prstDash val="solid"/>
+                          <a:round/>
+                          <a:headEnd type="none" w="med" len="med"/>
+                          <a:tailEnd type="none" w="med" len="med"/>
+                        </a:lnR>
+                        <a:lnT w="12700" cap="flat" cmpd="sng" algn="ctr">
+                          <a:solidFill>
+                            <a:schemeClr val="tx1"/>
+                          </a:solidFill>
+                          <a:prstDash val="solid"/>
+                          <a:round/>
+                          <a:headEnd type="none" w="med" len="med"/>
+                          <a:tailEnd type="none" w="med" len="med"/>
+                        </a:lnT>
+                        <a:lnB w="12700" cap="flat" cmpd="sng" algn="ctr">
+                          <a:solidFill>
+                            <a:schemeClr val="tx1"/>
+                          </a:solidFill>
+                          <a:prstDash val="solid"/>
+                          <a:round/>
+                          <a:headEnd type="none" w="med" len="med"/>
+                          <a:tailEnd type="none" w="med" len="med"/>
+                        </a:lnB>
+                      </a:tcPr>
                     </a:tc>
                     <a:tc>
                       <a:txBody>
@@ -5937,7 +5974,44 @@
                           </a:endParaRPr>
                         </a:p>
                       </a:txBody>
-                      <a:tcPr anchor="ctr"/>
+                      <a:tcPr anchor="ctr">
+                        <a:lnL w="12700" cap="flat" cmpd="sng" algn="ctr">
+                          <a:solidFill>
+                            <a:schemeClr val="tx1"/>
+                          </a:solidFill>
+                          <a:prstDash val="solid"/>
+                          <a:round/>
+                          <a:headEnd type="none" w="med" len="med"/>
+                          <a:tailEnd type="none" w="med" len="med"/>
+                        </a:lnL>
+                        <a:lnR w="12700" cap="flat" cmpd="sng" algn="ctr">
+                          <a:solidFill>
+                            <a:schemeClr val="tx1"/>
+                          </a:solidFill>
+                          <a:prstDash val="solid"/>
+                          <a:round/>
+                          <a:headEnd type="none" w="med" len="med"/>
+                          <a:tailEnd type="none" w="med" len="med"/>
+                        </a:lnR>
+                        <a:lnT w="12700" cap="flat" cmpd="sng" algn="ctr">
+                          <a:solidFill>
+                            <a:schemeClr val="tx1"/>
+                          </a:solidFill>
+                          <a:prstDash val="solid"/>
+                          <a:round/>
+                          <a:headEnd type="none" w="med" len="med"/>
+                          <a:tailEnd type="none" w="med" len="med"/>
+                        </a:lnT>
+                        <a:lnB w="12700" cap="flat" cmpd="sng" algn="ctr">
+                          <a:solidFill>
+                            <a:schemeClr val="tx1"/>
+                          </a:solidFill>
+                          <a:prstDash val="solid"/>
+                          <a:round/>
+                          <a:headEnd type="none" w="med" len="med"/>
+                          <a:tailEnd type="none" w="med" len="med"/>
+                        </a:lnB>
+                      </a:tcPr>
                     </a:tc>
                     <a:tc>
                       <a:txBody>
@@ -5974,7 +6048,9 @@
                                 <m:t>α</m:t>
                               </m:r>
                               <m:r>
-                                <a:rPr lang="en-US" sz="1800" smtClean="0"/>
+                                <a:rPr lang="en-US" sz="1800" smtClean="0">
+                                  <a:latin typeface="Cambria Math" panose="02040503050406030204" pitchFamily="18" charset="0"/>
+                                </a:rPr>
                                 <m:t>∈</m:t>
                               </m:r>
                             </m:oMath>
@@ -6016,7 +6092,44 @@
                           </a:r>
                         </a:p>
                       </a:txBody>
-                      <a:tcPr anchor="ctr"/>
+                      <a:tcPr anchor="ctr">
+                        <a:lnL w="12700" cap="flat" cmpd="sng" algn="ctr">
+                          <a:solidFill>
+                            <a:schemeClr val="tx1"/>
+                          </a:solidFill>
+                          <a:prstDash val="solid"/>
+                          <a:round/>
+                          <a:headEnd type="none" w="med" len="med"/>
+                          <a:tailEnd type="none" w="med" len="med"/>
+                        </a:lnL>
+                        <a:lnR w="12700" cap="flat" cmpd="sng" algn="ctr">
+                          <a:solidFill>
+                            <a:schemeClr val="tx1"/>
+                          </a:solidFill>
+                          <a:prstDash val="solid"/>
+                          <a:round/>
+                          <a:headEnd type="none" w="med" len="med"/>
+                          <a:tailEnd type="none" w="med" len="med"/>
+                        </a:lnR>
+                        <a:lnT w="12700" cap="flat" cmpd="sng" algn="ctr">
+                          <a:solidFill>
+                            <a:schemeClr val="tx1"/>
+                          </a:solidFill>
+                          <a:prstDash val="solid"/>
+                          <a:round/>
+                          <a:headEnd type="none" w="med" len="med"/>
+                          <a:tailEnd type="none" w="med" len="med"/>
+                        </a:lnT>
+                        <a:lnB w="12700" cap="flat" cmpd="sng" algn="ctr">
+                          <a:solidFill>
+                            <a:schemeClr val="tx1"/>
+                          </a:solidFill>
+                          <a:prstDash val="solid"/>
+                          <a:round/>
+                          <a:headEnd type="none" w="med" len="med"/>
+                          <a:tailEnd type="none" w="med" len="med"/>
+                        </a:lnB>
+                      </a:tcPr>
                     </a:tc>
                     <a:tc>
                       <a:txBody>
@@ -6053,7 +6166,44 @@
                           </a:endParaRPr>
                         </a:p>
                       </a:txBody>
-                      <a:tcPr anchor="ctr"/>
+                      <a:tcPr anchor="ctr">
+                        <a:lnL w="12700" cap="flat" cmpd="sng" algn="ctr">
+                          <a:solidFill>
+                            <a:schemeClr val="tx1"/>
+                          </a:solidFill>
+                          <a:prstDash val="solid"/>
+                          <a:round/>
+                          <a:headEnd type="none" w="med" len="med"/>
+                          <a:tailEnd type="none" w="med" len="med"/>
+                        </a:lnL>
+                        <a:lnR w="12700" cap="flat" cmpd="sng" algn="ctr">
+                          <a:solidFill>
+                            <a:schemeClr val="tx1"/>
+                          </a:solidFill>
+                          <a:prstDash val="solid"/>
+                          <a:round/>
+                          <a:headEnd type="none" w="med" len="med"/>
+                          <a:tailEnd type="none" w="med" len="med"/>
+                        </a:lnR>
+                        <a:lnT w="12700" cap="flat" cmpd="sng" algn="ctr">
+                          <a:solidFill>
+                            <a:schemeClr val="tx1"/>
+                          </a:solidFill>
+                          <a:prstDash val="solid"/>
+                          <a:round/>
+                          <a:headEnd type="none" w="med" len="med"/>
+                          <a:tailEnd type="none" w="med" len="med"/>
+                        </a:lnT>
+                        <a:lnB w="12700" cap="flat" cmpd="sng" algn="ctr">
+                          <a:solidFill>
+                            <a:schemeClr val="tx1"/>
+                          </a:solidFill>
+                          <a:prstDash val="solid"/>
+                          <a:round/>
+                          <a:headEnd type="none" w="med" len="med"/>
+                          <a:tailEnd type="none" w="med" len="med"/>
+                        </a:lnB>
+                      </a:tcPr>
                     </a:tc>
                     <a:tc>
                       <a:txBody>
@@ -6070,11 +6220,15 @@
                           <a14:m>
                             <m:oMath xmlns:m="http://schemas.openxmlformats.org/officeDocument/2006/math">
                               <m:r>
-                                <a:rPr lang="ru-RU" sz="1800" smtClean="0"/>
+                                <a:rPr lang="ru-RU" sz="1800" smtClean="0">
+                                  <a:latin typeface="Cambria Math" panose="02040503050406030204" pitchFamily="18" charset="0"/>
+                                </a:rPr>
                                 <m:t> </m:t>
                               </m:r>
                               <m:r>
-                                <a:rPr lang="en-US" sz="1800" smtClean="0"/>
+                                <a:rPr lang="en-US" sz="1800" smtClean="0">
+                                  <a:latin typeface="Cambria Math" panose="02040503050406030204" pitchFamily="18" charset="0"/>
+                                </a:rPr>
                                 <m:t>∈</m:t>
                               </m:r>
                             </m:oMath>
@@ -6116,7 +6270,44 @@
                           </a:r>
                         </a:p>
                       </a:txBody>
-                      <a:tcPr anchor="ctr"/>
+                      <a:tcPr anchor="ctr">
+                        <a:lnL w="12700" cap="flat" cmpd="sng" algn="ctr">
+                          <a:solidFill>
+                            <a:schemeClr val="tx1"/>
+                          </a:solidFill>
+                          <a:prstDash val="solid"/>
+                          <a:round/>
+                          <a:headEnd type="none" w="med" len="med"/>
+                          <a:tailEnd type="none" w="med" len="med"/>
+                        </a:lnL>
+                        <a:lnR w="12700" cap="flat" cmpd="sng" algn="ctr">
+                          <a:solidFill>
+                            <a:schemeClr val="tx1"/>
+                          </a:solidFill>
+                          <a:prstDash val="solid"/>
+                          <a:round/>
+                          <a:headEnd type="none" w="med" len="med"/>
+                          <a:tailEnd type="none" w="med" len="med"/>
+                        </a:lnR>
+                        <a:lnT w="12700" cap="flat" cmpd="sng" algn="ctr">
+                          <a:solidFill>
+                            <a:schemeClr val="tx1"/>
+                          </a:solidFill>
+                          <a:prstDash val="solid"/>
+                          <a:round/>
+                          <a:headEnd type="none" w="med" len="med"/>
+                          <a:tailEnd type="none" w="med" len="med"/>
+                        </a:lnT>
+                        <a:lnB w="12700" cap="flat" cmpd="sng" algn="ctr">
+                          <a:solidFill>
+                            <a:schemeClr val="tx1"/>
+                          </a:solidFill>
+                          <a:prstDash val="solid"/>
+                          <a:round/>
+                          <a:headEnd type="none" w="med" len="med"/>
+                          <a:tailEnd type="none" w="med" len="med"/>
+                        </a:lnB>
+                      </a:tcPr>
                     </a:tc>
                     <a:tc>
                       <a:txBody>
@@ -6153,7 +6344,44 @@
                           </a:endParaRPr>
                         </a:p>
                       </a:txBody>
-                      <a:tcPr anchor="ctr"/>
+                      <a:tcPr anchor="ctr">
+                        <a:lnL w="12700" cap="flat" cmpd="sng" algn="ctr">
+                          <a:solidFill>
+                            <a:schemeClr val="tx1"/>
+                          </a:solidFill>
+                          <a:prstDash val="solid"/>
+                          <a:round/>
+                          <a:headEnd type="none" w="med" len="med"/>
+                          <a:tailEnd type="none" w="med" len="med"/>
+                        </a:lnL>
+                        <a:lnR w="12700" cap="flat" cmpd="sng" algn="ctr">
+                          <a:solidFill>
+                            <a:schemeClr val="tx1"/>
+                          </a:solidFill>
+                          <a:prstDash val="solid"/>
+                          <a:round/>
+                          <a:headEnd type="none" w="med" len="med"/>
+                          <a:tailEnd type="none" w="med" len="med"/>
+                        </a:lnR>
+                        <a:lnT w="12700" cap="flat" cmpd="sng" algn="ctr">
+                          <a:solidFill>
+                            <a:schemeClr val="tx1"/>
+                          </a:solidFill>
+                          <a:prstDash val="solid"/>
+                          <a:round/>
+                          <a:headEnd type="none" w="med" len="med"/>
+                          <a:tailEnd type="none" w="med" len="med"/>
+                        </a:lnT>
+                        <a:lnB w="12700" cap="flat" cmpd="sng" algn="ctr">
+                          <a:solidFill>
+                            <a:schemeClr val="tx1"/>
+                          </a:solidFill>
+                          <a:prstDash val="solid"/>
+                          <a:round/>
+                          <a:headEnd type="none" w="med" len="med"/>
+                          <a:tailEnd type="none" w="med" len="med"/>
+                        </a:lnB>
+                      </a:tcPr>
                     </a:tc>
                     <a:tc>
                       <a:txBody>
@@ -6173,7 +6401,9 @@
                                 <m:t>λ</m:t>
                               </m:r>
                               <m:r>
-                                <a:rPr lang="en-US" sz="1800" smtClean="0"/>
+                                <a:rPr lang="en-US" sz="1800" smtClean="0">
+                                  <a:latin typeface="Cambria Math" panose="02040503050406030204" pitchFamily="18" charset="0"/>
+                                </a:rPr>
                                 <m:t>∈</m:t>
                               </m:r>
                             </m:oMath>
@@ -6215,7 +6445,44 @@
                           </a:r>
                         </a:p>
                       </a:txBody>
-                      <a:tcPr anchor="ctr"/>
+                      <a:tcPr anchor="ctr">
+                        <a:lnL w="12700" cap="flat" cmpd="sng" algn="ctr">
+                          <a:solidFill>
+                            <a:schemeClr val="tx1"/>
+                          </a:solidFill>
+                          <a:prstDash val="solid"/>
+                          <a:round/>
+                          <a:headEnd type="none" w="med" len="med"/>
+                          <a:tailEnd type="none" w="med" len="med"/>
+                        </a:lnL>
+                        <a:lnR w="12700" cap="flat" cmpd="sng" algn="ctr">
+                          <a:solidFill>
+                            <a:schemeClr val="tx1"/>
+                          </a:solidFill>
+                          <a:prstDash val="solid"/>
+                          <a:round/>
+                          <a:headEnd type="none" w="med" len="med"/>
+                          <a:tailEnd type="none" w="med" len="med"/>
+                        </a:lnR>
+                        <a:lnT w="12700" cap="flat" cmpd="sng" algn="ctr">
+                          <a:solidFill>
+                            <a:schemeClr val="tx1"/>
+                          </a:solidFill>
+                          <a:prstDash val="solid"/>
+                          <a:round/>
+                          <a:headEnd type="none" w="med" len="med"/>
+                          <a:tailEnd type="none" w="med" len="med"/>
+                        </a:lnT>
+                        <a:lnB w="12700" cap="flat" cmpd="sng" algn="ctr">
+                          <a:solidFill>
+                            <a:schemeClr val="tx1"/>
+                          </a:solidFill>
+                          <a:prstDash val="solid"/>
+                          <a:round/>
+                          <a:headEnd type="none" w="med" len="med"/>
+                          <a:tailEnd type="none" w="med" len="med"/>
+                        </a:lnB>
+                      </a:tcPr>
                     </a:tc>
                     <a:extLst>
                       <a:ext uri="{0D108BD9-81ED-4DB2-BD59-A6C34878D82A}">
@@ -6253,7 +6520,44 @@
                           </a:endParaRPr>
                         </a:p>
                       </a:txBody>
-                      <a:tcPr marL="68580" marR="68580" marT="0" marB="0" anchor="ctr"/>
+                      <a:tcPr marL="68580" marR="68580" marT="0" marB="0" anchor="ctr">
+                        <a:lnL w="12700" cap="flat" cmpd="sng" algn="ctr">
+                          <a:solidFill>
+                            <a:schemeClr val="tx1"/>
+                          </a:solidFill>
+                          <a:prstDash val="solid"/>
+                          <a:round/>
+                          <a:headEnd type="none" w="med" len="med"/>
+                          <a:tailEnd type="none" w="med" len="med"/>
+                        </a:lnL>
+                        <a:lnR w="12700" cap="flat" cmpd="sng" algn="ctr">
+                          <a:solidFill>
+                            <a:schemeClr val="tx1"/>
+                          </a:solidFill>
+                          <a:prstDash val="solid"/>
+                          <a:round/>
+                          <a:headEnd type="none" w="med" len="med"/>
+                          <a:tailEnd type="none" w="med" len="med"/>
+                        </a:lnR>
+                        <a:lnT w="12700" cap="flat" cmpd="sng" algn="ctr">
+                          <a:solidFill>
+                            <a:schemeClr val="tx1"/>
+                          </a:solidFill>
+                          <a:prstDash val="solid"/>
+                          <a:round/>
+                          <a:headEnd type="none" w="med" len="med"/>
+                          <a:tailEnd type="none" w="med" len="med"/>
+                        </a:lnT>
+                        <a:lnB w="12700" cap="flat" cmpd="sng" algn="ctr">
+                          <a:solidFill>
+                            <a:schemeClr val="tx1"/>
+                          </a:solidFill>
+                          <a:prstDash val="solid"/>
+                          <a:round/>
+                          <a:headEnd type="none" w="med" len="med"/>
+                          <a:tailEnd type="none" w="med" len="med"/>
+                        </a:lnB>
+                      </a:tcPr>
                     </a:tc>
                     <a:tc>
                       <a:txBody>
@@ -6284,7 +6588,44 @@
                           </a:endParaRPr>
                         </a:p>
                       </a:txBody>
-                      <a:tcPr marL="68580" marR="68580" marT="0" marB="0" anchor="ctr"/>
+                      <a:tcPr marL="68580" marR="68580" marT="0" marB="0" anchor="ctr">
+                        <a:lnL w="12700" cap="flat" cmpd="sng" algn="ctr">
+                          <a:solidFill>
+                            <a:schemeClr val="tx1"/>
+                          </a:solidFill>
+                          <a:prstDash val="solid"/>
+                          <a:round/>
+                          <a:headEnd type="none" w="med" len="med"/>
+                          <a:tailEnd type="none" w="med" len="med"/>
+                        </a:lnL>
+                        <a:lnR w="12700" cap="flat" cmpd="sng" algn="ctr">
+                          <a:solidFill>
+                            <a:schemeClr val="tx1"/>
+                          </a:solidFill>
+                          <a:prstDash val="solid"/>
+                          <a:round/>
+                          <a:headEnd type="none" w="med" len="med"/>
+                          <a:tailEnd type="none" w="med" len="med"/>
+                        </a:lnR>
+                        <a:lnT w="12700" cap="flat" cmpd="sng" algn="ctr">
+                          <a:solidFill>
+                            <a:schemeClr val="tx1"/>
+                          </a:solidFill>
+                          <a:prstDash val="solid"/>
+                          <a:round/>
+                          <a:headEnd type="none" w="med" len="med"/>
+                          <a:tailEnd type="none" w="med" len="med"/>
+                        </a:lnT>
+                        <a:lnB w="12700" cap="flat" cmpd="sng" algn="ctr">
+                          <a:solidFill>
+                            <a:schemeClr val="tx1"/>
+                          </a:solidFill>
+                          <a:prstDash val="solid"/>
+                          <a:round/>
+                          <a:headEnd type="none" w="med" len="med"/>
+                          <a:tailEnd type="none" w="med" len="med"/>
+                        </a:lnB>
+                      </a:tcPr>
                     </a:tc>
                     <a:tc>
                       <a:txBody>
@@ -6316,6 +6657,42 @@
                         </a:p>
                       </a:txBody>
                       <a:tcPr marL="68580" marR="68580" marT="0" marB="0" anchor="ctr">
+                        <a:lnL w="12700" cap="flat" cmpd="sng" algn="ctr">
+                          <a:solidFill>
+                            <a:schemeClr val="tx1"/>
+                          </a:solidFill>
+                          <a:prstDash val="solid"/>
+                          <a:round/>
+                          <a:headEnd type="none" w="med" len="med"/>
+                          <a:tailEnd type="none" w="med" len="med"/>
+                        </a:lnL>
+                        <a:lnR w="12700" cap="flat" cmpd="sng" algn="ctr">
+                          <a:solidFill>
+                            <a:schemeClr val="tx1"/>
+                          </a:solidFill>
+                          <a:prstDash val="solid"/>
+                          <a:round/>
+                          <a:headEnd type="none" w="med" len="med"/>
+                          <a:tailEnd type="none" w="med" len="med"/>
+                        </a:lnR>
+                        <a:lnT w="12700" cap="flat" cmpd="sng" algn="ctr">
+                          <a:solidFill>
+                            <a:schemeClr val="tx1"/>
+                          </a:solidFill>
+                          <a:prstDash val="solid"/>
+                          <a:round/>
+                          <a:headEnd type="none" w="med" len="med"/>
+                          <a:tailEnd type="none" w="med" len="med"/>
+                        </a:lnT>
+                        <a:lnB w="12700" cap="flat" cmpd="sng" algn="ctr">
+                          <a:solidFill>
+                            <a:schemeClr val="tx1"/>
+                          </a:solidFill>
+                          <a:prstDash val="solid"/>
+                          <a:round/>
+                          <a:headEnd type="none" w="med" len="med"/>
+                          <a:tailEnd type="none" w="med" len="med"/>
+                        </a:lnB>
                         <a:solidFill>
                           <a:srgbClr val="92D050"/>
                         </a:solidFill>
@@ -6350,7 +6727,44 @@
                           </a:endParaRPr>
                         </a:p>
                       </a:txBody>
-                      <a:tcPr marL="68580" marR="68580" marT="0" marB="0" anchor="ctr"/>
+                      <a:tcPr marL="68580" marR="68580" marT="0" marB="0" anchor="ctr">
+                        <a:lnL w="12700" cap="flat" cmpd="sng" algn="ctr">
+                          <a:solidFill>
+                            <a:schemeClr val="tx1"/>
+                          </a:solidFill>
+                          <a:prstDash val="solid"/>
+                          <a:round/>
+                          <a:headEnd type="none" w="med" len="med"/>
+                          <a:tailEnd type="none" w="med" len="med"/>
+                        </a:lnL>
+                        <a:lnR w="12700" cap="flat" cmpd="sng" algn="ctr">
+                          <a:solidFill>
+                            <a:schemeClr val="tx1"/>
+                          </a:solidFill>
+                          <a:prstDash val="solid"/>
+                          <a:round/>
+                          <a:headEnd type="none" w="med" len="med"/>
+                          <a:tailEnd type="none" w="med" len="med"/>
+                        </a:lnR>
+                        <a:lnT w="12700" cap="flat" cmpd="sng" algn="ctr">
+                          <a:solidFill>
+                            <a:schemeClr val="tx1"/>
+                          </a:solidFill>
+                          <a:prstDash val="solid"/>
+                          <a:round/>
+                          <a:headEnd type="none" w="med" len="med"/>
+                          <a:tailEnd type="none" w="med" len="med"/>
+                        </a:lnT>
+                        <a:lnB w="12700" cap="flat" cmpd="sng" algn="ctr">
+                          <a:solidFill>
+                            <a:schemeClr val="tx1"/>
+                          </a:solidFill>
+                          <a:prstDash val="solid"/>
+                          <a:round/>
+                          <a:headEnd type="none" w="med" len="med"/>
+                          <a:tailEnd type="none" w="med" len="med"/>
+                        </a:lnB>
+                      </a:tcPr>
                     </a:tc>
                     <a:tc>
                       <a:txBody>
@@ -6382,6 +6796,42 @@
                         </a:p>
                       </a:txBody>
                       <a:tcPr marL="68580" marR="68580" marT="0" marB="0" anchor="ctr">
+                        <a:lnL w="12700" cap="flat" cmpd="sng" algn="ctr">
+                          <a:solidFill>
+                            <a:schemeClr val="tx1"/>
+                          </a:solidFill>
+                          <a:prstDash val="solid"/>
+                          <a:round/>
+                          <a:headEnd type="none" w="med" len="med"/>
+                          <a:tailEnd type="none" w="med" len="med"/>
+                        </a:lnL>
+                        <a:lnR w="12700" cap="flat" cmpd="sng" algn="ctr">
+                          <a:solidFill>
+                            <a:schemeClr val="tx1"/>
+                          </a:solidFill>
+                          <a:prstDash val="solid"/>
+                          <a:round/>
+                          <a:headEnd type="none" w="med" len="med"/>
+                          <a:tailEnd type="none" w="med" len="med"/>
+                        </a:lnR>
+                        <a:lnT w="12700" cap="flat" cmpd="sng" algn="ctr">
+                          <a:solidFill>
+                            <a:schemeClr val="tx1"/>
+                          </a:solidFill>
+                          <a:prstDash val="solid"/>
+                          <a:round/>
+                          <a:headEnd type="none" w="med" len="med"/>
+                          <a:tailEnd type="none" w="med" len="med"/>
+                        </a:lnT>
+                        <a:lnB w="12700" cap="flat" cmpd="sng" algn="ctr">
+                          <a:solidFill>
+                            <a:schemeClr val="tx1"/>
+                          </a:solidFill>
+                          <a:prstDash val="solid"/>
+                          <a:round/>
+                          <a:headEnd type="none" w="med" len="med"/>
+                          <a:tailEnd type="none" w="med" len="med"/>
+                        </a:lnB>
                         <a:solidFill>
                           <a:srgbClr val="92D050"/>
                         </a:solidFill>
@@ -6416,7 +6866,44 @@
                           </a:endParaRPr>
                         </a:p>
                       </a:txBody>
-                      <a:tcPr marL="68580" marR="68580" marT="0" marB="0" anchor="ctr"/>
+                      <a:tcPr marL="68580" marR="68580" marT="0" marB="0" anchor="ctr">
+                        <a:lnL w="12700" cap="flat" cmpd="sng" algn="ctr">
+                          <a:solidFill>
+                            <a:schemeClr val="tx1"/>
+                          </a:solidFill>
+                          <a:prstDash val="solid"/>
+                          <a:round/>
+                          <a:headEnd type="none" w="med" len="med"/>
+                          <a:tailEnd type="none" w="med" len="med"/>
+                        </a:lnL>
+                        <a:lnR w="12700" cap="flat" cmpd="sng" algn="ctr">
+                          <a:solidFill>
+                            <a:schemeClr val="tx1"/>
+                          </a:solidFill>
+                          <a:prstDash val="solid"/>
+                          <a:round/>
+                          <a:headEnd type="none" w="med" len="med"/>
+                          <a:tailEnd type="none" w="med" len="med"/>
+                        </a:lnR>
+                        <a:lnT w="12700" cap="flat" cmpd="sng" algn="ctr">
+                          <a:solidFill>
+                            <a:schemeClr val="tx1"/>
+                          </a:solidFill>
+                          <a:prstDash val="solid"/>
+                          <a:round/>
+                          <a:headEnd type="none" w="med" len="med"/>
+                          <a:tailEnd type="none" w="med" len="med"/>
+                        </a:lnT>
+                        <a:lnB w="12700" cap="flat" cmpd="sng" algn="ctr">
+                          <a:solidFill>
+                            <a:schemeClr val="tx1"/>
+                          </a:solidFill>
+                          <a:prstDash val="solid"/>
+                          <a:round/>
+                          <a:headEnd type="none" w="med" len="med"/>
+                          <a:tailEnd type="none" w="med" len="med"/>
+                        </a:lnB>
+                      </a:tcPr>
                     </a:tc>
                     <a:tc>
                       <a:txBody>
@@ -6448,6 +6935,42 @@
                         </a:p>
                       </a:txBody>
                       <a:tcPr marL="68580" marR="68580" marT="0" marB="0" anchor="ctr">
+                        <a:lnL w="12700" cap="flat" cmpd="sng" algn="ctr">
+                          <a:solidFill>
+                            <a:schemeClr val="tx1"/>
+                          </a:solidFill>
+                          <a:prstDash val="solid"/>
+                          <a:round/>
+                          <a:headEnd type="none" w="med" len="med"/>
+                          <a:tailEnd type="none" w="med" len="med"/>
+                        </a:lnL>
+                        <a:lnR w="12700" cap="flat" cmpd="sng" algn="ctr">
+                          <a:solidFill>
+                            <a:schemeClr val="tx1"/>
+                          </a:solidFill>
+                          <a:prstDash val="solid"/>
+                          <a:round/>
+                          <a:headEnd type="none" w="med" len="med"/>
+                          <a:tailEnd type="none" w="med" len="med"/>
+                        </a:lnR>
+                        <a:lnT w="12700" cap="flat" cmpd="sng" algn="ctr">
+                          <a:solidFill>
+                            <a:schemeClr val="tx1"/>
+                          </a:solidFill>
+                          <a:prstDash val="solid"/>
+                          <a:round/>
+                          <a:headEnd type="none" w="med" len="med"/>
+                          <a:tailEnd type="none" w="med" len="med"/>
+                        </a:lnT>
+                        <a:lnB w="12700" cap="flat" cmpd="sng" algn="ctr">
+                          <a:solidFill>
+                            <a:schemeClr val="tx1"/>
+                          </a:solidFill>
+                          <a:prstDash val="solid"/>
+                          <a:round/>
+                          <a:headEnd type="none" w="med" len="med"/>
+                          <a:tailEnd type="none" w="med" len="med"/>
+                        </a:lnB>
                         <a:solidFill>
                           <a:srgbClr val="92D050"/>
                         </a:solidFill>
@@ -6489,7 +7012,44 @@
                           </a:endParaRPr>
                         </a:p>
                       </a:txBody>
-                      <a:tcPr marL="68580" marR="68580" marT="0" marB="0" anchor="ctr"/>
+                      <a:tcPr marL="68580" marR="68580" marT="0" marB="0" anchor="ctr">
+                        <a:lnL w="12700" cap="flat" cmpd="sng" algn="ctr">
+                          <a:solidFill>
+                            <a:schemeClr val="tx1"/>
+                          </a:solidFill>
+                          <a:prstDash val="solid"/>
+                          <a:round/>
+                          <a:headEnd type="none" w="med" len="med"/>
+                          <a:tailEnd type="none" w="med" len="med"/>
+                        </a:lnL>
+                        <a:lnR w="12700" cap="flat" cmpd="sng" algn="ctr">
+                          <a:solidFill>
+                            <a:schemeClr val="tx1"/>
+                          </a:solidFill>
+                          <a:prstDash val="solid"/>
+                          <a:round/>
+                          <a:headEnd type="none" w="med" len="med"/>
+                          <a:tailEnd type="none" w="med" len="med"/>
+                        </a:lnR>
+                        <a:lnT w="12700" cap="flat" cmpd="sng" algn="ctr">
+                          <a:solidFill>
+                            <a:schemeClr val="tx1"/>
+                          </a:solidFill>
+                          <a:prstDash val="solid"/>
+                          <a:round/>
+                          <a:headEnd type="none" w="med" len="med"/>
+                          <a:tailEnd type="none" w="med" len="med"/>
+                        </a:lnT>
+                        <a:lnB w="12700" cap="flat" cmpd="sng" algn="ctr">
+                          <a:solidFill>
+                            <a:schemeClr val="tx1"/>
+                          </a:solidFill>
+                          <a:prstDash val="solid"/>
+                          <a:round/>
+                          <a:headEnd type="none" w="med" len="med"/>
+                          <a:tailEnd type="none" w="med" len="med"/>
+                        </a:lnB>
+                      </a:tcPr>
                     </a:tc>
                     <a:tc>
                       <a:txBody>
@@ -6520,7 +7080,180 @@
                           </a:endParaRPr>
                         </a:p>
                       </a:txBody>
-                      <a:tcPr marL="68580" marR="68580" marT="0" marB="0" anchor="ctr"/>
+                      <a:tcPr marL="68580" marR="68580" marT="0" marB="0" anchor="ctr">
+                        <a:lnL w="12700" cap="flat" cmpd="sng" algn="ctr">
+                          <a:solidFill>
+                            <a:schemeClr val="tx1"/>
+                          </a:solidFill>
+                          <a:prstDash val="solid"/>
+                          <a:round/>
+                          <a:headEnd type="none" w="med" len="med"/>
+                          <a:tailEnd type="none" w="med" len="med"/>
+                        </a:lnL>
+                        <a:lnR w="12700" cap="flat" cmpd="sng" algn="ctr">
+                          <a:solidFill>
+                            <a:schemeClr val="tx1"/>
+                          </a:solidFill>
+                          <a:prstDash val="solid"/>
+                          <a:round/>
+                          <a:headEnd type="none" w="med" len="med"/>
+                          <a:tailEnd type="none" w="med" len="med"/>
+                        </a:lnR>
+                        <a:lnT w="12700" cap="flat" cmpd="sng" algn="ctr">
+                          <a:solidFill>
+                            <a:schemeClr val="tx1"/>
+                          </a:solidFill>
+                          <a:prstDash val="solid"/>
+                          <a:round/>
+                          <a:headEnd type="none" w="med" len="med"/>
+                          <a:tailEnd type="none" w="med" len="med"/>
+                        </a:lnT>
+                        <a:lnB w="12700" cap="flat" cmpd="sng" algn="ctr">
+                          <a:solidFill>
+                            <a:schemeClr val="tx1"/>
+                          </a:solidFill>
+                          <a:prstDash val="solid"/>
+                          <a:round/>
+                          <a:headEnd type="none" w="med" len="med"/>
+                          <a:tailEnd type="none" w="med" len="med"/>
+                        </a:lnB>
+                      </a:tcPr>
+                    </a:tc>
+                    <a:tc>
+                      <a:txBody>
+                        <a:bodyPr/>
+                        <a:lstStyle/>
+                        <a:p>
+                          <a:pPr algn="just">
+                            <a:lnSpc>
+                              <a:spcPts val="1425"/>
+                            </a:lnSpc>
+                            <a:spcAft>
+                              <a:spcPts val="0"/>
+                            </a:spcAft>
+                          </a:pPr>
+                          <a:r>
+                            <a:rPr lang="ru-RU" sz="2400" dirty="0">
+                              <a:effectLst/>
+                              <a:latin typeface="Microsoft JhengHei UI Light" panose="020B0304030504040204" pitchFamily="34" charset="-120"/>
+                              <a:ea typeface="Microsoft JhengHei UI Light" panose="020B0304030504040204" pitchFamily="34" charset="-120"/>
+                            </a:rPr>
+                            <a:t>Нет</a:t>
+                          </a:r>
+                          <a:endParaRPr lang="en-US" sz="2400" dirty="0">
+                            <a:effectLst/>
+                            <a:latin typeface="Microsoft JhengHei UI Light" panose="020B0304030504040204" pitchFamily="34" charset="-120"/>
+                            <a:ea typeface="Microsoft JhengHei UI Light" panose="020B0304030504040204" pitchFamily="34" charset="-120"/>
+                            <a:cs typeface="Times New Roman" panose="02020603050405020304" pitchFamily="18" charset="0"/>
+                          </a:endParaRPr>
+                        </a:p>
+                      </a:txBody>
+                      <a:tcPr marL="68580" marR="68580" marT="0" marB="0" anchor="ctr">
+                        <a:lnL w="12700" cap="flat" cmpd="sng" algn="ctr">
+                          <a:solidFill>
+                            <a:schemeClr val="tx1"/>
+                          </a:solidFill>
+                          <a:prstDash val="solid"/>
+                          <a:round/>
+                          <a:headEnd type="none" w="med" len="med"/>
+                          <a:tailEnd type="none" w="med" len="med"/>
+                        </a:lnL>
+                        <a:lnR w="12700" cap="flat" cmpd="sng" algn="ctr">
+                          <a:solidFill>
+                            <a:schemeClr val="tx1"/>
+                          </a:solidFill>
+                          <a:prstDash val="solid"/>
+                          <a:round/>
+                          <a:headEnd type="none" w="med" len="med"/>
+                          <a:tailEnd type="none" w="med" len="med"/>
+                        </a:lnR>
+                        <a:lnT w="12700" cap="flat" cmpd="sng" algn="ctr">
+                          <a:solidFill>
+                            <a:schemeClr val="tx1"/>
+                          </a:solidFill>
+                          <a:prstDash val="solid"/>
+                          <a:round/>
+                          <a:headEnd type="none" w="med" len="med"/>
+                          <a:tailEnd type="none" w="med" len="med"/>
+                        </a:lnT>
+                        <a:lnB w="12700" cap="flat" cmpd="sng" algn="ctr">
+                          <a:solidFill>
+                            <a:schemeClr val="tx1"/>
+                          </a:solidFill>
+                          <a:prstDash val="solid"/>
+                          <a:round/>
+                          <a:headEnd type="none" w="med" len="med"/>
+                          <a:tailEnd type="none" w="med" len="med"/>
+                        </a:lnB>
+                      </a:tcPr>
+                    </a:tc>
+                    <a:tc>
+                      <a:txBody>
+                        <a:bodyPr/>
+                        <a:lstStyle/>
+                        <a:p>
+                          <a:pPr algn="just">
+                            <a:lnSpc>
+                              <a:spcPts val="1425"/>
+                            </a:lnSpc>
+                            <a:spcAft>
+                              <a:spcPts val="0"/>
+                            </a:spcAft>
+                          </a:pPr>
+                          <a:r>
+                            <a:rPr lang="ru-RU" sz="1600">
+                              <a:effectLst/>
+                              <a:latin typeface="Microsoft JhengHei UI Light" panose="020B0304030504040204" pitchFamily="34" charset="-120"/>
+                              <a:ea typeface="Microsoft JhengHei UI Light" panose="020B0304030504040204" pitchFamily="34" charset="-120"/>
+                            </a:rPr>
+                            <a:t>31.68</a:t>
+                          </a:r>
+                          <a:endParaRPr lang="en-US" sz="1600">
+                            <a:effectLst/>
+                            <a:latin typeface="Microsoft JhengHei UI Light" panose="020B0304030504040204" pitchFamily="34" charset="-120"/>
+                            <a:ea typeface="Microsoft JhengHei UI Light" panose="020B0304030504040204" pitchFamily="34" charset="-120"/>
+                            <a:cs typeface="Times New Roman" panose="02020603050405020304" pitchFamily="18" charset="0"/>
+                          </a:endParaRPr>
+                        </a:p>
+                      </a:txBody>
+                      <a:tcPr marL="68580" marR="68580" marT="0" marB="0" anchor="ctr">
+                        <a:lnL w="12700" cap="flat" cmpd="sng" algn="ctr">
+                          <a:solidFill>
+                            <a:schemeClr val="tx1"/>
+                          </a:solidFill>
+                          <a:prstDash val="solid"/>
+                          <a:round/>
+                          <a:headEnd type="none" w="med" len="med"/>
+                          <a:tailEnd type="none" w="med" len="med"/>
+                        </a:lnL>
+                        <a:lnR w="12700" cap="flat" cmpd="sng" algn="ctr">
+                          <a:solidFill>
+                            <a:schemeClr val="tx1"/>
+                          </a:solidFill>
+                          <a:prstDash val="solid"/>
+                          <a:round/>
+                          <a:headEnd type="none" w="med" len="med"/>
+                          <a:tailEnd type="none" w="med" len="med"/>
+                        </a:lnR>
+                        <a:lnT w="12700" cap="flat" cmpd="sng" algn="ctr">
+                          <a:solidFill>
+                            <a:schemeClr val="tx1"/>
+                          </a:solidFill>
+                          <a:prstDash val="solid"/>
+                          <a:round/>
+                          <a:headEnd type="none" w="med" len="med"/>
+                          <a:tailEnd type="none" w="med" len="med"/>
+                        </a:lnT>
+                        <a:lnB w="12700" cap="flat" cmpd="sng" algn="ctr">
+                          <a:solidFill>
+                            <a:schemeClr val="tx1"/>
+                          </a:solidFill>
+                          <a:prstDash val="solid"/>
+                          <a:round/>
+                          <a:headEnd type="none" w="med" len="med"/>
+                          <a:tailEnd type="none" w="med" len="med"/>
+                        </a:lnB>
+                      </a:tcPr>
                     </a:tc>
                     <a:tc>
                       <a:txBody>
@@ -6551,69 +7284,44 @@
                           </a:endParaRPr>
                         </a:p>
                       </a:txBody>
-                      <a:tcPr marL="68580" marR="68580" marT="0" marB="0" anchor="ctr"/>
-                    </a:tc>
-                    <a:tc>
-                      <a:txBody>
-                        <a:bodyPr/>
-                        <a:lstStyle/>
-                        <a:p>
-                          <a:pPr algn="just">
-                            <a:lnSpc>
-                              <a:spcPts val="1425"/>
-                            </a:lnSpc>
-                            <a:spcAft>
-                              <a:spcPts val="0"/>
-                            </a:spcAft>
-                          </a:pPr>
-                          <a:r>
-                            <a:rPr lang="ru-RU" sz="1600">
-                              <a:effectLst/>
-                              <a:latin typeface="Microsoft JhengHei UI Light" panose="020B0304030504040204" pitchFamily="34" charset="-120"/>
-                              <a:ea typeface="Microsoft JhengHei UI Light" panose="020B0304030504040204" pitchFamily="34" charset="-120"/>
-                            </a:rPr>
-                            <a:t>31.68</a:t>
-                          </a:r>
-                          <a:endParaRPr lang="en-US" sz="1600">
-                            <a:effectLst/>
-                            <a:latin typeface="Microsoft JhengHei UI Light" panose="020B0304030504040204" pitchFamily="34" charset="-120"/>
-                            <a:ea typeface="Microsoft JhengHei UI Light" panose="020B0304030504040204" pitchFamily="34" charset="-120"/>
-                            <a:cs typeface="Times New Roman" panose="02020603050405020304" pitchFamily="18" charset="0"/>
-                          </a:endParaRPr>
-                        </a:p>
-                      </a:txBody>
-                      <a:tcPr marL="68580" marR="68580" marT="0" marB="0" anchor="ctr"/>
-                    </a:tc>
-                    <a:tc>
-                      <a:txBody>
-                        <a:bodyPr/>
-                        <a:lstStyle/>
-                        <a:p>
-                          <a:pPr algn="just">
-                            <a:lnSpc>
-                              <a:spcPts val="1425"/>
-                            </a:lnSpc>
-                            <a:spcAft>
-                              <a:spcPts val="0"/>
-                            </a:spcAft>
-                          </a:pPr>
-                          <a:r>
-                            <a:rPr lang="ru-RU" sz="2400">
-                              <a:effectLst/>
-                              <a:latin typeface="Microsoft JhengHei UI Light" panose="020B0304030504040204" pitchFamily="34" charset="-120"/>
-                              <a:ea typeface="Microsoft JhengHei UI Light" panose="020B0304030504040204" pitchFamily="34" charset="-120"/>
-                            </a:rPr>
-                            <a:t>Нет</a:t>
-                          </a:r>
-                          <a:endParaRPr lang="en-US" sz="2400">
-                            <a:effectLst/>
-                            <a:latin typeface="Microsoft JhengHei UI Light" panose="020B0304030504040204" pitchFamily="34" charset="-120"/>
-                            <a:ea typeface="Microsoft JhengHei UI Light" panose="020B0304030504040204" pitchFamily="34" charset="-120"/>
-                            <a:cs typeface="Times New Roman" panose="02020603050405020304" pitchFamily="18" charset="0"/>
-                          </a:endParaRPr>
-                        </a:p>
-                      </a:txBody>
-                      <a:tcPr marL="68580" marR="68580" marT="0" marB="0" anchor="ctr"/>
+                      <a:tcPr marL="68580" marR="68580" marT="0" marB="0" anchor="ctr">
+                        <a:lnL w="12700" cap="flat" cmpd="sng" algn="ctr">
+                          <a:solidFill>
+                            <a:schemeClr val="tx1"/>
+                          </a:solidFill>
+                          <a:prstDash val="solid"/>
+                          <a:round/>
+                          <a:headEnd type="none" w="med" len="med"/>
+                          <a:tailEnd type="none" w="med" len="med"/>
+                        </a:lnL>
+                        <a:lnR w="12700" cap="flat" cmpd="sng" algn="ctr">
+                          <a:solidFill>
+                            <a:schemeClr val="tx1"/>
+                          </a:solidFill>
+                          <a:prstDash val="solid"/>
+                          <a:round/>
+                          <a:headEnd type="none" w="med" len="med"/>
+                          <a:tailEnd type="none" w="med" len="med"/>
+                        </a:lnR>
+                        <a:lnT w="12700" cap="flat" cmpd="sng" algn="ctr">
+                          <a:solidFill>
+                            <a:schemeClr val="tx1"/>
+                          </a:solidFill>
+                          <a:prstDash val="solid"/>
+                          <a:round/>
+                          <a:headEnd type="none" w="med" len="med"/>
+                          <a:tailEnd type="none" w="med" len="med"/>
+                        </a:lnT>
+                        <a:lnB w="12700" cap="flat" cmpd="sng" algn="ctr">
+                          <a:solidFill>
+                            <a:schemeClr val="tx1"/>
+                          </a:solidFill>
+                          <a:prstDash val="solid"/>
+                          <a:round/>
+                          <a:headEnd type="none" w="med" len="med"/>
+                          <a:tailEnd type="none" w="med" len="med"/>
+                        </a:lnB>
+                      </a:tcPr>
                     </a:tc>
                     <a:tc>
                       <a:txBody>
@@ -6644,7 +7352,44 @@
                           </a:endParaRPr>
                         </a:p>
                       </a:txBody>
-                      <a:tcPr marL="68580" marR="68580" marT="0" marB="0" anchor="ctr"/>
+                      <a:tcPr marL="68580" marR="68580" marT="0" marB="0" anchor="ctr">
+                        <a:lnL w="12700" cap="flat" cmpd="sng" algn="ctr">
+                          <a:solidFill>
+                            <a:schemeClr val="tx1"/>
+                          </a:solidFill>
+                          <a:prstDash val="solid"/>
+                          <a:round/>
+                          <a:headEnd type="none" w="med" len="med"/>
+                          <a:tailEnd type="none" w="med" len="med"/>
+                        </a:lnL>
+                        <a:lnR w="12700" cap="flat" cmpd="sng" algn="ctr">
+                          <a:solidFill>
+                            <a:schemeClr val="tx1"/>
+                          </a:solidFill>
+                          <a:prstDash val="solid"/>
+                          <a:round/>
+                          <a:headEnd type="none" w="med" len="med"/>
+                          <a:tailEnd type="none" w="med" len="med"/>
+                        </a:lnR>
+                        <a:lnT w="12700" cap="flat" cmpd="sng" algn="ctr">
+                          <a:solidFill>
+                            <a:schemeClr val="tx1"/>
+                          </a:solidFill>
+                          <a:prstDash val="solid"/>
+                          <a:round/>
+                          <a:headEnd type="none" w="med" len="med"/>
+                          <a:tailEnd type="none" w="med" len="med"/>
+                        </a:lnT>
+                        <a:lnB w="12700" cap="flat" cmpd="sng" algn="ctr">
+                          <a:solidFill>
+                            <a:schemeClr val="tx1"/>
+                          </a:solidFill>
+                          <a:prstDash val="solid"/>
+                          <a:round/>
+                          <a:headEnd type="none" w="med" len="med"/>
+                          <a:tailEnd type="none" w="med" len="med"/>
+                        </a:lnB>
+                      </a:tcPr>
                     </a:tc>
                     <a:tc>
                       <a:txBody>
@@ -6675,7 +7420,44 @@
                           </a:endParaRPr>
                         </a:p>
                       </a:txBody>
-                      <a:tcPr marL="68580" marR="68580" marT="0" marB="0" anchor="ctr"/>
+                      <a:tcPr marL="68580" marR="68580" marT="0" marB="0" anchor="ctr">
+                        <a:lnL w="12700" cap="flat" cmpd="sng" algn="ctr">
+                          <a:solidFill>
+                            <a:schemeClr val="tx1"/>
+                          </a:solidFill>
+                          <a:prstDash val="solid"/>
+                          <a:round/>
+                          <a:headEnd type="none" w="med" len="med"/>
+                          <a:tailEnd type="none" w="med" len="med"/>
+                        </a:lnL>
+                        <a:lnR w="12700" cap="flat" cmpd="sng" algn="ctr">
+                          <a:solidFill>
+                            <a:schemeClr val="tx1"/>
+                          </a:solidFill>
+                          <a:prstDash val="solid"/>
+                          <a:round/>
+                          <a:headEnd type="none" w="med" len="med"/>
+                          <a:tailEnd type="none" w="med" len="med"/>
+                        </a:lnR>
+                        <a:lnT w="12700" cap="flat" cmpd="sng" algn="ctr">
+                          <a:solidFill>
+                            <a:schemeClr val="tx1"/>
+                          </a:solidFill>
+                          <a:prstDash val="solid"/>
+                          <a:round/>
+                          <a:headEnd type="none" w="med" len="med"/>
+                          <a:tailEnd type="none" w="med" len="med"/>
+                        </a:lnT>
+                        <a:lnB w="12700" cap="flat" cmpd="sng" algn="ctr">
+                          <a:solidFill>
+                            <a:schemeClr val="tx1"/>
+                          </a:solidFill>
+                          <a:prstDash val="solid"/>
+                          <a:round/>
+                          <a:headEnd type="none" w="med" len="med"/>
+                          <a:tailEnd type="none" w="med" len="med"/>
+                        </a:lnB>
+                      </a:tcPr>
                     </a:tc>
                     <a:extLst>
                       <a:ext uri="{0D108BD9-81ED-4DB2-BD59-A6C34878D82A}">
@@ -6713,7 +7495,44 @@
                           </a:endParaRPr>
                         </a:p>
                       </a:txBody>
-                      <a:tcPr marL="68580" marR="68580" marT="0" marB="0" anchor="ctr"/>
+                      <a:tcPr marL="68580" marR="68580" marT="0" marB="0" anchor="ctr">
+                        <a:lnL w="12700" cap="flat" cmpd="sng" algn="ctr">
+                          <a:solidFill>
+                            <a:schemeClr val="tx1"/>
+                          </a:solidFill>
+                          <a:prstDash val="solid"/>
+                          <a:round/>
+                          <a:headEnd type="none" w="med" len="med"/>
+                          <a:tailEnd type="none" w="med" len="med"/>
+                        </a:lnL>
+                        <a:lnR w="12700" cap="flat" cmpd="sng" algn="ctr">
+                          <a:solidFill>
+                            <a:schemeClr val="tx1"/>
+                          </a:solidFill>
+                          <a:prstDash val="solid"/>
+                          <a:round/>
+                          <a:headEnd type="none" w="med" len="med"/>
+                          <a:tailEnd type="none" w="med" len="med"/>
+                        </a:lnR>
+                        <a:lnT w="12700" cap="flat" cmpd="sng" algn="ctr">
+                          <a:solidFill>
+                            <a:schemeClr val="tx1"/>
+                          </a:solidFill>
+                          <a:prstDash val="solid"/>
+                          <a:round/>
+                          <a:headEnd type="none" w="med" len="med"/>
+                          <a:tailEnd type="none" w="med" len="med"/>
+                        </a:lnT>
+                        <a:lnB w="12700" cap="flat" cmpd="sng" algn="ctr">
+                          <a:solidFill>
+                            <a:schemeClr val="tx1"/>
+                          </a:solidFill>
+                          <a:prstDash val="solid"/>
+                          <a:round/>
+                          <a:headEnd type="none" w="med" len="med"/>
+                          <a:tailEnd type="none" w="med" len="med"/>
+                        </a:lnB>
+                      </a:tcPr>
                     </a:tc>
                     <a:tc>
                       <a:txBody>
@@ -6744,7 +7563,44 @@
                           </a:endParaRPr>
                         </a:p>
                       </a:txBody>
-                      <a:tcPr marL="68580" marR="68580" marT="0" marB="0" anchor="ctr"/>
+                      <a:tcPr marL="68580" marR="68580" marT="0" marB="0" anchor="ctr">
+                        <a:lnL w="12700" cap="flat" cmpd="sng" algn="ctr">
+                          <a:solidFill>
+                            <a:schemeClr val="tx1"/>
+                          </a:solidFill>
+                          <a:prstDash val="solid"/>
+                          <a:round/>
+                          <a:headEnd type="none" w="med" len="med"/>
+                          <a:tailEnd type="none" w="med" len="med"/>
+                        </a:lnL>
+                        <a:lnR w="12700" cap="flat" cmpd="sng" algn="ctr">
+                          <a:solidFill>
+                            <a:schemeClr val="tx1"/>
+                          </a:solidFill>
+                          <a:prstDash val="solid"/>
+                          <a:round/>
+                          <a:headEnd type="none" w="med" len="med"/>
+                          <a:tailEnd type="none" w="med" len="med"/>
+                        </a:lnR>
+                        <a:lnT w="12700" cap="flat" cmpd="sng" algn="ctr">
+                          <a:solidFill>
+                            <a:schemeClr val="tx1"/>
+                          </a:solidFill>
+                          <a:prstDash val="solid"/>
+                          <a:round/>
+                          <a:headEnd type="none" w="med" len="med"/>
+                          <a:tailEnd type="none" w="med" len="med"/>
+                        </a:lnT>
+                        <a:lnB w="12700" cap="flat" cmpd="sng" algn="ctr">
+                          <a:solidFill>
+                            <a:schemeClr val="tx1"/>
+                          </a:solidFill>
+                          <a:prstDash val="solid"/>
+                          <a:round/>
+                          <a:headEnd type="none" w="med" len="med"/>
+                          <a:tailEnd type="none" w="med" len="med"/>
+                        </a:lnB>
+                      </a:tcPr>
                     </a:tc>
                     <a:tc>
                       <a:txBody>
@@ -6776,6 +7632,42 @@
                         </a:p>
                       </a:txBody>
                       <a:tcPr marL="68580" marR="68580" marT="0" marB="0" anchor="ctr">
+                        <a:lnL w="12700" cap="flat" cmpd="sng" algn="ctr">
+                          <a:solidFill>
+                            <a:schemeClr val="tx1"/>
+                          </a:solidFill>
+                          <a:prstDash val="solid"/>
+                          <a:round/>
+                          <a:headEnd type="none" w="med" len="med"/>
+                          <a:tailEnd type="none" w="med" len="med"/>
+                        </a:lnL>
+                        <a:lnR w="12700" cap="flat" cmpd="sng" algn="ctr">
+                          <a:solidFill>
+                            <a:schemeClr val="tx1"/>
+                          </a:solidFill>
+                          <a:prstDash val="solid"/>
+                          <a:round/>
+                          <a:headEnd type="none" w="med" len="med"/>
+                          <a:tailEnd type="none" w="med" len="med"/>
+                        </a:lnR>
+                        <a:lnT w="12700" cap="flat" cmpd="sng" algn="ctr">
+                          <a:solidFill>
+                            <a:schemeClr val="tx1"/>
+                          </a:solidFill>
+                          <a:prstDash val="solid"/>
+                          <a:round/>
+                          <a:headEnd type="none" w="med" len="med"/>
+                          <a:tailEnd type="none" w="med" len="med"/>
+                        </a:lnT>
+                        <a:lnB w="12700" cap="flat" cmpd="sng" algn="ctr">
+                          <a:solidFill>
+                            <a:schemeClr val="tx1"/>
+                          </a:solidFill>
+                          <a:prstDash val="solid"/>
+                          <a:round/>
+                          <a:headEnd type="none" w="med" len="med"/>
+                          <a:tailEnd type="none" w="med" len="med"/>
+                        </a:lnB>
                         <a:solidFill>
                           <a:srgbClr val="92D050"/>
                         </a:solidFill>
@@ -6810,7 +7702,44 @@
                           </a:endParaRPr>
                         </a:p>
                       </a:txBody>
-                      <a:tcPr marL="68580" marR="68580" marT="0" marB="0" anchor="ctr"/>
+                      <a:tcPr marL="68580" marR="68580" marT="0" marB="0" anchor="ctr">
+                        <a:lnL w="12700" cap="flat" cmpd="sng" algn="ctr">
+                          <a:solidFill>
+                            <a:schemeClr val="tx1"/>
+                          </a:solidFill>
+                          <a:prstDash val="solid"/>
+                          <a:round/>
+                          <a:headEnd type="none" w="med" len="med"/>
+                          <a:tailEnd type="none" w="med" len="med"/>
+                        </a:lnL>
+                        <a:lnR w="12700" cap="flat" cmpd="sng" algn="ctr">
+                          <a:solidFill>
+                            <a:schemeClr val="tx1"/>
+                          </a:solidFill>
+                          <a:prstDash val="solid"/>
+                          <a:round/>
+                          <a:headEnd type="none" w="med" len="med"/>
+                          <a:tailEnd type="none" w="med" len="med"/>
+                        </a:lnR>
+                        <a:lnT w="12700" cap="flat" cmpd="sng" algn="ctr">
+                          <a:solidFill>
+                            <a:schemeClr val="tx1"/>
+                          </a:solidFill>
+                          <a:prstDash val="solid"/>
+                          <a:round/>
+                          <a:headEnd type="none" w="med" len="med"/>
+                          <a:tailEnd type="none" w="med" len="med"/>
+                        </a:lnT>
+                        <a:lnB w="12700" cap="flat" cmpd="sng" algn="ctr">
+                          <a:solidFill>
+                            <a:schemeClr val="tx1"/>
+                          </a:solidFill>
+                          <a:prstDash val="solid"/>
+                          <a:round/>
+                          <a:headEnd type="none" w="med" len="med"/>
+                          <a:tailEnd type="none" w="med" len="med"/>
+                        </a:lnB>
+                      </a:tcPr>
                     </a:tc>
                     <a:tc>
                       <a:txBody>
@@ -6841,7 +7770,44 @@
                           </a:endParaRPr>
                         </a:p>
                       </a:txBody>
-                      <a:tcPr marL="68580" marR="68580" marT="0" marB="0" anchor="ctr"/>
+                      <a:tcPr marL="68580" marR="68580" marT="0" marB="0" anchor="ctr">
+                        <a:lnL w="12700" cap="flat" cmpd="sng" algn="ctr">
+                          <a:solidFill>
+                            <a:schemeClr val="tx1"/>
+                          </a:solidFill>
+                          <a:prstDash val="solid"/>
+                          <a:round/>
+                          <a:headEnd type="none" w="med" len="med"/>
+                          <a:tailEnd type="none" w="med" len="med"/>
+                        </a:lnL>
+                        <a:lnR w="12700" cap="flat" cmpd="sng" algn="ctr">
+                          <a:solidFill>
+                            <a:schemeClr val="tx1"/>
+                          </a:solidFill>
+                          <a:prstDash val="solid"/>
+                          <a:round/>
+                          <a:headEnd type="none" w="med" len="med"/>
+                          <a:tailEnd type="none" w="med" len="med"/>
+                        </a:lnR>
+                        <a:lnT w="12700" cap="flat" cmpd="sng" algn="ctr">
+                          <a:solidFill>
+                            <a:schemeClr val="tx1"/>
+                          </a:solidFill>
+                          <a:prstDash val="solid"/>
+                          <a:round/>
+                          <a:headEnd type="none" w="med" len="med"/>
+                          <a:tailEnd type="none" w="med" len="med"/>
+                        </a:lnT>
+                        <a:lnB w="12700" cap="flat" cmpd="sng" algn="ctr">
+                          <a:solidFill>
+                            <a:schemeClr val="tx1"/>
+                          </a:solidFill>
+                          <a:prstDash val="solid"/>
+                          <a:round/>
+                          <a:headEnd type="none" w="med" len="med"/>
+                          <a:tailEnd type="none" w="med" len="med"/>
+                        </a:lnB>
+                      </a:tcPr>
                     </a:tc>
                     <a:tc>
                       <a:txBody>
@@ -6872,7 +7838,44 @@
                           </a:endParaRPr>
                         </a:p>
                       </a:txBody>
-                      <a:tcPr marL="68580" marR="68580" marT="0" marB="0" anchor="ctr"/>
+                      <a:tcPr marL="68580" marR="68580" marT="0" marB="0" anchor="ctr">
+                        <a:lnL w="12700" cap="flat" cmpd="sng" algn="ctr">
+                          <a:solidFill>
+                            <a:schemeClr val="tx1"/>
+                          </a:solidFill>
+                          <a:prstDash val="solid"/>
+                          <a:round/>
+                          <a:headEnd type="none" w="med" len="med"/>
+                          <a:tailEnd type="none" w="med" len="med"/>
+                        </a:lnL>
+                        <a:lnR w="12700" cap="flat" cmpd="sng" algn="ctr">
+                          <a:solidFill>
+                            <a:schemeClr val="tx1"/>
+                          </a:solidFill>
+                          <a:prstDash val="solid"/>
+                          <a:round/>
+                          <a:headEnd type="none" w="med" len="med"/>
+                          <a:tailEnd type="none" w="med" len="med"/>
+                        </a:lnR>
+                        <a:lnT w="12700" cap="flat" cmpd="sng" algn="ctr">
+                          <a:solidFill>
+                            <a:schemeClr val="tx1"/>
+                          </a:solidFill>
+                          <a:prstDash val="solid"/>
+                          <a:round/>
+                          <a:headEnd type="none" w="med" len="med"/>
+                          <a:tailEnd type="none" w="med" len="med"/>
+                        </a:lnT>
+                        <a:lnB w="12700" cap="flat" cmpd="sng" algn="ctr">
+                          <a:solidFill>
+                            <a:schemeClr val="tx1"/>
+                          </a:solidFill>
+                          <a:prstDash val="solid"/>
+                          <a:round/>
+                          <a:headEnd type="none" w="med" len="med"/>
+                          <a:tailEnd type="none" w="med" len="med"/>
+                        </a:lnB>
+                      </a:tcPr>
                     </a:tc>
                     <a:tc>
                       <a:txBody>
@@ -6904,6 +7907,42 @@
                         </a:p>
                       </a:txBody>
                       <a:tcPr marL="68580" marR="68580" marT="0" marB="0" anchor="ctr">
+                        <a:lnL w="12700" cap="flat" cmpd="sng" algn="ctr">
+                          <a:solidFill>
+                            <a:schemeClr val="tx1"/>
+                          </a:solidFill>
+                          <a:prstDash val="solid"/>
+                          <a:round/>
+                          <a:headEnd type="none" w="med" len="med"/>
+                          <a:tailEnd type="none" w="med" len="med"/>
+                        </a:lnL>
+                        <a:lnR w="12700" cap="flat" cmpd="sng" algn="ctr">
+                          <a:solidFill>
+                            <a:schemeClr val="tx1"/>
+                          </a:solidFill>
+                          <a:prstDash val="solid"/>
+                          <a:round/>
+                          <a:headEnd type="none" w="med" len="med"/>
+                          <a:tailEnd type="none" w="med" len="med"/>
+                        </a:lnR>
+                        <a:lnT w="12700" cap="flat" cmpd="sng" algn="ctr">
+                          <a:solidFill>
+                            <a:schemeClr val="tx1"/>
+                          </a:solidFill>
+                          <a:prstDash val="solid"/>
+                          <a:round/>
+                          <a:headEnd type="none" w="med" len="med"/>
+                          <a:tailEnd type="none" w="med" len="med"/>
+                        </a:lnT>
+                        <a:lnB w="12700" cap="flat" cmpd="sng" algn="ctr">
+                          <a:solidFill>
+                            <a:schemeClr val="tx1"/>
+                          </a:solidFill>
+                          <a:prstDash val="solid"/>
+                          <a:round/>
+                          <a:headEnd type="none" w="med" len="med"/>
+                          <a:tailEnd type="none" w="med" len="med"/>
+                        </a:lnB>
                         <a:solidFill>
                           <a:srgbClr val="92D050"/>
                         </a:solidFill>
@@ -6945,7 +7984,44 @@
                           </a:endParaRPr>
                         </a:p>
                       </a:txBody>
-                      <a:tcPr marL="68580" marR="68580" marT="0" marB="0" anchor="ctr"/>
+                      <a:tcPr marL="68580" marR="68580" marT="0" marB="0" anchor="ctr">
+                        <a:lnL w="12700" cap="flat" cmpd="sng" algn="ctr">
+                          <a:solidFill>
+                            <a:schemeClr val="tx1"/>
+                          </a:solidFill>
+                          <a:prstDash val="solid"/>
+                          <a:round/>
+                          <a:headEnd type="none" w="med" len="med"/>
+                          <a:tailEnd type="none" w="med" len="med"/>
+                        </a:lnL>
+                        <a:lnR w="12700" cap="flat" cmpd="sng" algn="ctr">
+                          <a:solidFill>
+                            <a:schemeClr val="tx1"/>
+                          </a:solidFill>
+                          <a:prstDash val="solid"/>
+                          <a:round/>
+                          <a:headEnd type="none" w="med" len="med"/>
+                          <a:tailEnd type="none" w="med" len="med"/>
+                        </a:lnR>
+                        <a:lnT w="12700" cap="flat" cmpd="sng" algn="ctr">
+                          <a:solidFill>
+                            <a:schemeClr val="tx1"/>
+                          </a:solidFill>
+                          <a:prstDash val="solid"/>
+                          <a:round/>
+                          <a:headEnd type="none" w="med" len="med"/>
+                          <a:tailEnd type="none" w="med" len="med"/>
+                        </a:lnT>
+                        <a:lnB w="12700" cap="flat" cmpd="sng" algn="ctr">
+                          <a:solidFill>
+                            <a:schemeClr val="tx1"/>
+                          </a:solidFill>
+                          <a:prstDash val="solid"/>
+                          <a:round/>
+                          <a:headEnd type="none" w="med" len="med"/>
+                          <a:tailEnd type="none" w="med" len="med"/>
+                        </a:lnB>
+                      </a:tcPr>
                     </a:tc>
                     <a:tc>
                       <a:txBody>
@@ -6976,7 +8052,44 @@
                           </a:endParaRPr>
                         </a:p>
                       </a:txBody>
-                      <a:tcPr marL="68580" marR="68580" marT="0" marB="0" anchor="ctr"/>
+                      <a:tcPr marL="68580" marR="68580" marT="0" marB="0" anchor="ctr">
+                        <a:lnL w="12700" cap="flat" cmpd="sng" algn="ctr">
+                          <a:solidFill>
+                            <a:schemeClr val="tx1"/>
+                          </a:solidFill>
+                          <a:prstDash val="solid"/>
+                          <a:round/>
+                          <a:headEnd type="none" w="med" len="med"/>
+                          <a:tailEnd type="none" w="med" len="med"/>
+                        </a:lnL>
+                        <a:lnR w="12700" cap="flat" cmpd="sng" algn="ctr">
+                          <a:solidFill>
+                            <a:schemeClr val="tx1"/>
+                          </a:solidFill>
+                          <a:prstDash val="solid"/>
+                          <a:round/>
+                          <a:headEnd type="none" w="med" len="med"/>
+                          <a:tailEnd type="none" w="med" len="med"/>
+                        </a:lnR>
+                        <a:lnT w="12700" cap="flat" cmpd="sng" algn="ctr">
+                          <a:solidFill>
+                            <a:schemeClr val="tx1"/>
+                          </a:solidFill>
+                          <a:prstDash val="solid"/>
+                          <a:round/>
+                          <a:headEnd type="none" w="med" len="med"/>
+                          <a:tailEnd type="none" w="med" len="med"/>
+                        </a:lnT>
+                        <a:lnB w="12700" cap="flat" cmpd="sng" algn="ctr">
+                          <a:solidFill>
+                            <a:schemeClr val="tx1"/>
+                          </a:solidFill>
+                          <a:prstDash val="solid"/>
+                          <a:round/>
+                          <a:headEnd type="none" w="med" len="med"/>
+                          <a:tailEnd type="none" w="med" len="med"/>
+                        </a:lnB>
+                      </a:tcPr>
                     </a:tc>
                     <a:tc>
                       <a:txBody>
@@ -7008,6 +8121,42 @@
                         </a:p>
                       </a:txBody>
                       <a:tcPr marL="68580" marR="68580" marT="0" marB="0" anchor="ctr">
+                        <a:lnL w="12700" cap="flat" cmpd="sng" algn="ctr">
+                          <a:solidFill>
+                            <a:schemeClr val="tx1"/>
+                          </a:solidFill>
+                          <a:prstDash val="solid"/>
+                          <a:round/>
+                          <a:headEnd type="none" w="med" len="med"/>
+                          <a:tailEnd type="none" w="med" len="med"/>
+                        </a:lnL>
+                        <a:lnR w="12700" cap="flat" cmpd="sng" algn="ctr">
+                          <a:solidFill>
+                            <a:schemeClr val="tx1"/>
+                          </a:solidFill>
+                          <a:prstDash val="solid"/>
+                          <a:round/>
+                          <a:headEnd type="none" w="med" len="med"/>
+                          <a:tailEnd type="none" w="med" len="med"/>
+                        </a:lnR>
+                        <a:lnT w="12700" cap="flat" cmpd="sng" algn="ctr">
+                          <a:solidFill>
+                            <a:schemeClr val="tx1"/>
+                          </a:solidFill>
+                          <a:prstDash val="solid"/>
+                          <a:round/>
+                          <a:headEnd type="none" w="med" len="med"/>
+                          <a:tailEnd type="none" w="med" len="med"/>
+                        </a:lnT>
+                        <a:lnB w="12700" cap="flat" cmpd="sng" algn="ctr">
+                          <a:solidFill>
+                            <a:schemeClr val="tx1"/>
+                          </a:solidFill>
+                          <a:prstDash val="solid"/>
+                          <a:round/>
+                          <a:headEnd type="none" w="med" len="med"/>
+                          <a:tailEnd type="none" w="med" len="med"/>
+                        </a:lnB>
                         <a:solidFill>
                           <a:srgbClr val="92D050"/>
                         </a:solidFill>
@@ -7027,14 +8176,14 @@
                             </a:spcAft>
                           </a:pPr>
                           <a:r>
-                            <a:rPr lang="ru-RU" sz="1600">
+                            <a:rPr lang="ru-RU" sz="1600" dirty="0">
                               <a:effectLst/>
                               <a:latin typeface="Microsoft JhengHei UI Light" panose="020B0304030504040204" pitchFamily="34" charset="-120"/>
                               <a:ea typeface="Microsoft JhengHei UI Light" panose="020B0304030504040204" pitchFamily="34" charset="-120"/>
                             </a:rPr>
                             <a:t>36.46</a:t>
                           </a:r>
-                          <a:endParaRPr lang="en-US" sz="1600">
+                          <a:endParaRPr lang="en-US" sz="1600" dirty="0">
                             <a:effectLst/>
                             <a:latin typeface="Microsoft JhengHei UI Light" panose="020B0304030504040204" pitchFamily="34" charset="-120"/>
                             <a:ea typeface="Microsoft JhengHei UI Light" panose="020B0304030504040204" pitchFamily="34" charset="-120"/>
@@ -7042,7 +8191,44 @@
                           </a:endParaRPr>
                         </a:p>
                       </a:txBody>
-                      <a:tcPr marL="68580" marR="68580" marT="0" marB="0" anchor="ctr"/>
+                      <a:tcPr marL="68580" marR="68580" marT="0" marB="0" anchor="ctr">
+                        <a:lnL w="12700" cap="flat" cmpd="sng" algn="ctr">
+                          <a:solidFill>
+                            <a:schemeClr val="tx1"/>
+                          </a:solidFill>
+                          <a:prstDash val="solid"/>
+                          <a:round/>
+                          <a:headEnd type="none" w="med" len="med"/>
+                          <a:tailEnd type="none" w="med" len="med"/>
+                        </a:lnL>
+                        <a:lnR w="12700" cap="flat" cmpd="sng" algn="ctr">
+                          <a:solidFill>
+                            <a:schemeClr val="tx1"/>
+                          </a:solidFill>
+                          <a:prstDash val="solid"/>
+                          <a:round/>
+                          <a:headEnd type="none" w="med" len="med"/>
+                          <a:tailEnd type="none" w="med" len="med"/>
+                        </a:lnR>
+                        <a:lnT w="12700" cap="flat" cmpd="sng" algn="ctr">
+                          <a:solidFill>
+                            <a:schemeClr val="tx1"/>
+                          </a:solidFill>
+                          <a:prstDash val="solid"/>
+                          <a:round/>
+                          <a:headEnd type="none" w="med" len="med"/>
+                          <a:tailEnd type="none" w="med" len="med"/>
+                        </a:lnT>
+                        <a:lnB w="12700" cap="flat" cmpd="sng" algn="ctr">
+                          <a:solidFill>
+                            <a:schemeClr val="tx1"/>
+                          </a:solidFill>
+                          <a:prstDash val="solid"/>
+                          <a:round/>
+                          <a:headEnd type="none" w="med" len="med"/>
+                          <a:tailEnd type="none" w="med" len="med"/>
+                        </a:lnB>
+                      </a:tcPr>
                     </a:tc>
                     <a:tc>
                       <a:txBody>
@@ -7073,7 +8259,44 @@
                           </a:endParaRPr>
                         </a:p>
                       </a:txBody>
-                      <a:tcPr marL="68580" marR="68580" marT="0" marB="0" anchor="ctr"/>
+                      <a:tcPr marL="68580" marR="68580" marT="0" marB="0" anchor="ctr">
+                        <a:lnL w="12700" cap="flat" cmpd="sng" algn="ctr">
+                          <a:solidFill>
+                            <a:schemeClr val="tx1"/>
+                          </a:solidFill>
+                          <a:prstDash val="solid"/>
+                          <a:round/>
+                          <a:headEnd type="none" w="med" len="med"/>
+                          <a:tailEnd type="none" w="med" len="med"/>
+                        </a:lnL>
+                        <a:lnR w="12700" cap="flat" cmpd="sng" algn="ctr">
+                          <a:solidFill>
+                            <a:schemeClr val="tx1"/>
+                          </a:solidFill>
+                          <a:prstDash val="solid"/>
+                          <a:round/>
+                          <a:headEnd type="none" w="med" len="med"/>
+                          <a:tailEnd type="none" w="med" len="med"/>
+                        </a:lnR>
+                        <a:lnT w="12700" cap="flat" cmpd="sng" algn="ctr">
+                          <a:solidFill>
+                            <a:schemeClr val="tx1"/>
+                          </a:solidFill>
+                          <a:prstDash val="solid"/>
+                          <a:round/>
+                          <a:headEnd type="none" w="med" len="med"/>
+                          <a:tailEnd type="none" w="med" len="med"/>
+                        </a:lnT>
+                        <a:lnB w="12700" cap="flat" cmpd="sng" algn="ctr">
+                          <a:solidFill>
+                            <a:schemeClr val="tx1"/>
+                          </a:solidFill>
+                          <a:prstDash val="solid"/>
+                          <a:round/>
+                          <a:headEnd type="none" w="med" len="med"/>
+                          <a:tailEnd type="none" w="med" len="med"/>
+                        </a:lnB>
+                      </a:tcPr>
                     </a:tc>
                     <a:tc>
                       <a:txBody>
@@ -7104,7 +8327,44 @@
                           </a:endParaRPr>
                         </a:p>
                       </a:txBody>
-                      <a:tcPr marL="68580" marR="68580" marT="0" marB="0" anchor="ctr"/>
+                      <a:tcPr marL="68580" marR="68580" marT="0" marB="0" anchor="ctr">
+                        <a:lnL w="12700" cap="flat" cmpd="sng" algn="ctr">
+                          <a:solidFill>
+                            <a:schemeClr val="tx1"/>
+                          </a:solidFill>
+                          <a:prstDash val="solid"/>
+                          <a:round/>
+                          <a:headEnd type="none" w="med" len="med"/>
+                          <a:tailEnd type="none" w="med" len="med"/>
+                        </a:lnL>
+                        <a:lnR w="12700" cap="flat" cmpd="sng" algn="ctr">
+                          <a:solidFill>
+                            <a:schemeClr val="tx1"/>
+                          </a:solidFill>
+                          <a:prstDash val="solid"/>
+                          <a:round/>
+                          <a:headEnd type="none" w="med" len="med"/>
+                          <a:tailEnd type="none" w="med" len="med"/>
+                        </a:lnR>
+                        <a:lnT w="12700" cap="flat" cmpd="sng" algn="ctr">
+                          <a:solidFill>
+                            <a:schemeClr val="tx1"/>
+                          </a:solidFill>
+                          <a:prstDash val="solid"/>
+                          <a:round/>
+                          <a:headEnd type="none" w="med" len="med"/>
+                          <a:tailEnd type="none" w="med" len="med"/>
+                        </a:lnT>
+                        <a:lnB w="12700" cap="flat" cmpd="sng" algn="ctr">
+                          <a:solidFill>
+                            <a:schemeClr val="tx1"/>
+                          </a:solidFill>
+                          <a:prstDash val="solid"/>
+                          <a:round/>
+                          <a:headEnd type="none" w="med" len="med"/>
+                          <a:tailEnd type="none" w="med" len="med"/>
+                        </a:lnB>
+                      </a:tcPr>
                     </a:tc>
                     <a:tc>
                       <a:txBody>
@@ -7136,6 +8396,42 @@
                         </a:p>
                       </a:txBody>
                       <a:tcPr marL="68580" marR="68580" marT="0" marB="0" anchor="ctr">
+                        <a:lnL w="12700" cap="flat" cmpd="sng" algn="ctr">
+                          <a:solidFill>
+                            <a:schemeClr val="tx1"/>
+                          </a:solidFill>
+                          <a:prstDash val="solid"/>
+                          <a:round/>
+                          <a:headEnd type="none" w="med" len="med"/>
+                          <a:tailEnd type="none" w="med" len="med"/>
+                        </a:lnL>
+                        <a:lnR w="12700" cap="flat" cmpd="sng" algn="ctr">
+                          <a:solidFill>
+                            <a:schemeClr val="tx1"/>
+                          </a:solidFill>
+                          <a:prstDash val="solid"/>
+                          <a:round/>
+                          <a:headEnd type="none" w="med" len="med"/>
+                          <a:tailEnd type="none" w="med" len="med"/>
+                        </a:lnR>
+                        <a:lnT w="12700" cap="flat" cmpd="sng" algn="ctr">
+                          <a:solidFill>
+                            <a:schemeClr val="tx1"/>
+                          </a:solidFill>
+                          <a:prstDash val="solid"/>
+                          <a:round/>
+                          <a:headEnd type="none" w="med" len="med"/>
+                          <a:tailEnd type="none" w="med" len="med"/>
+                        </a:lnT>
+                        <a:lnB w="12700" cap="flat" cmpd="sng" algn="ctr">
+                          <a:solidFill>
+                            <a:schemeClr val="tx1"/>
+                          </a:solidFill>
+                          <a:prstDash val="solid"/>
+                          <a:round/>
+                          <a:headEnd type="none" w="med" len="med"/>
+                          <a:tailEnd type="none" w="med" len="med"/>
+                        </a:lnB>
                         <a:solidFill>
                           <a:srgbClr val="92D050"/>
                         </a:solidFill>
@@ -7177,7 +8473,44 @@
                           </a:endParaRPr>
                         </a:p>
                       </a:txBody>
-                      <a:tcPr marL="68580" marR="68580" marT="0" marB="0" anchor="ctr"/>
+                      <a:tcPr marL="68580" marR="68580" marT="0" marB="0" anchor="ctr">
+                        <a:lnL w="12700" cap="flat" cmpd="sng" algn="ctr">
+                          <a:solidFill>
+                            <a:schemeClr val="tx1"/>
+                          </a:solidFill>
+                          <a:prstDash val="solid"/>
+                          <a:round/>
+                          <a:headEnd type="none" w="med" len="med"/>
+                          <a:tailEnd type="none" w="med" len="med"/>
+                        </a:lnL>
+                        <a:lnR w="12700" cap="flat" cmpd="sng" algn="ctr">
+                          <a:solidFill>
+                            <a:schemeClr val="tx1"/>
+                          </a:solidFill>
+                          <a:prstDash val="solid"/>
+                          <a:round/>
+                          <a:headEnd type="none" w="med" len="med"/>
+                          <a:tailEnd type="none" w="med" len="med"/>
+                        </a:lnR>
+                        <a:lnT w="12700" cap="flat" cmpd="sng" algn="ctr">
+                          <a:solidFill>
+                            <a:schemeClr val="tx1"/>
+                          </a:solidFill>
+                          <a:prstDash val="solid"/>
+                          <a:round/>
+                          <a:headEnd type="none" w="med" len="med"/>
+                          <a:tailEnd type="none" w="med" len="med"/>
+                        </a:lnT>
+                        <a:lnB w="12700" cap="flat" cmpd="sng" algn="ctr">
+                          <a:solidFill>
+                            <a:schemeClr val="tx1"/>
+                          </a:solidFill>
+                          <a:prstDash val="solid"/>
+                          <a:round/>
+                          <a:headEnd type="none" w="med" len="med"/>
+                          <a:tailEnd type="none" w="med" len="med"/>
+                        </a:lnB>
+                      </a:tcPr>
                     </a:tc>
                     <a:tc>
                       <a:txBody>
@@ -7208,7 +8541,44 @@
                           </a:endParaRPr>
                         </a:p>
                       </a:txBody>
-                      <a:tcPr marL="68580" marR="68580" marT="0" marB="0" anchor="ctr"/>
+                      <a:tcPr marL="68580" marR="68580" marT="0" marB="0" anchor="ctr">
+                        <a:lnL w="12700" cap="flat" cmpd="sng" algn="ctr">
+                          <a:solidFill>
+                            <a:schemeClr val="tx1"/>
+                          </a:solidFill>
+                          <a:prstDash val="solid"/>
+                          <a:round/>
+                          <a:headEnd type="none" w="med" len="med"/>
+                          <a:tailEnd type="none" w="med" len="med"/>
+                        </a:lnL>
+                        <a:lnR w="12700" cap="flat" cmpd="sng" algn="ctr">
+                          <a:solidFill>
+                            <a:schemeClr val="tx1"/>
+                          </a:solidFill>
+                          <a:prstDash val="solid"/>
+                          <a:round/>
+                          <a:headEnd type="none" w="med" len="med"/>
+                          <a:tailEnd type="none" w="med" len="med"/>
+                        </a:lnR>
+                        <a:lnT w="12700" cap="flat" cmpd="sng" algn="ctr">
+                          <a:solidFill>
+                            <a:schemeClr val="tx1"/>
+                          </a:solidFill>
+                          <a:prstDash val="solid"/>
+                          <a:round/>
+                          <a:headEnd type="none" w="med" len="med"/>
+                          <a:tailEnd type="none" w="med" len="med"/>
+                        </a:lnT>
+                        <a:lnB w="12700" cap="flat" cmpd="sng" algn="ctr">
+                          <a:solidFill>
+                            <a:schemeClr val="tx1"/>
+                          </a:solidFill>
+                          <a:prstDash val="solid"/>
+                          <a:round/>
+                          <a:headEnd type="none" w="med" len="med"/>
+                          <a:tailEnd type="none" w="med" len="med"/>
+                        </a:lnB>
+                      </a:tcPr>
                     </a:tc>
                     <a:tc>
                       <a:txBody>
@@ -7240,6 +8610,42 @@
                         </a:p>
                       </a:txBody>
                       <a:tcPr marL="68580" marR="68580" marT="0" marB="0" anchor="ctr">
+                        <a:lnL w="12700" cap="flat" cmpd="sng" algn="ctr">
+                          <a:solidFill>
+                            <a:schemeClr val="tx1"/>
+                          </a:solidFill>
+                          <a:prstDash val="solid"/>
+                          <a:round/>
+                          <a:headEnd type="none" w="med" len="med"/>
+                          <a:tailEnd type="none" w="med" len="med"/>
+                        </a:lnL>
+                        <a:lnR w="12700" cap="flat" cmpd="sng" algn="ctr">
+                          <a:solidFill>
+                            <a:schemeClr val="tx1"/>
+                          </a:solidFill>
+                          <a:prstDash val="solid"/>
+                          <a:round/>
+                          <a:headEnd type="none" w="med" len="med"/>
+                          <a:tailEnd type="none" w="med" len="med"/>
+                        </a:lnR>
+                        <a:lnT w="12700" cap="flat" cmpd="sng" algn="ctr">
+                          <a:solidFill>
+                            <a:schemeClr val="tx1"/>
+                          </a:solidFill>
+                          <a:prstDash val="solid"/>
+                          <a:round/>
+                          <a:headEnd type="none" w="med" len="med"/>
+                          <a:tailEnd type="none" w="med" len="med"/>
+                        </a:lnT>
+                        <a:lnB w="12700" cap="flat" cmpd="sng" algn="ctr">
+                          <a:solidFill>
+                            <a:schemeClr val="tx1"/>
+                          </a:solidFill>
+                          <a:prstDash val="solid"/>
+                          <a:round/>
+                          <a:headEnd type="none" w="med" len="med"/>
+                          <a:tailEnd type="none" w="med" len="med"/>
+                        </a:lnB>
                         <a:solidFill>
                           <a:srgbClr val="92D050"/>
                         </a:solidFill>
@@ -7274,7 +8680,44 @@
                           </a:endParaRPr>
                         </a:p>
                       </a:txBody>
-                      <a:tcPr marL="68580" marR="68580" marT="0" marB="0" anchor="ctr"/>
+                      <a:tcPr marL="68580" marR="68580" marT="0" marB="0" anchor="ctr">
+                        <a:lnL w="12700" cap="flat" cmpd="sng" algn="ctr">
+                          <a:solidFill>
+                            <a:schemeClr val="tx1"/>
+                          </a:solidFill>
+                          <a:prstDash val="solid"/>
+                          <a:round/>
+                          <a:headEnd type="none" w="med" len="med"/>
+                          <a:tailEnd type="none" w="med" len="med"/>
+                        </a:lnL>
+                        <a:lnR w="12700" cap="flat" cmpd="sng" algn="ctr">
+                          <a:solidFill>
+                            <a:schemeClr val="tx1"/>
+                          </a:solidFill>
+                          <a:prstDash val="solid"/>
+                          <a:round/>
+                          <a:headEnd type="none" w="med" len="med"/>
+                          <a:tailEnd type="none" w="med" len="med"/>
+                        </a:lnR>
+                        <a:lnT w="12700" cap="flat" cmpd="sng" algn="ctr">
+                          <a:solidFill>
+                            <a:schemeClr val="tx1"/>
+                          </a:solidFill>
+                          <a:prstDash val="solid"/>
+                          <a:round/>
+                          <a:headEnd type="none" w="med" len="med"/>
+                          <a:tailEnd type="none" w="med" len="med"/>
+                        </a:lnT>
+                        <a:lnB w="12700" cap="flat" cmpd="sng" algn="ctr">
+                          <a:solidFill>
+                            <a:schemeClr val="tx1"/>
+                          </a:solidFill>
+                          <a:prstDash val="solid"/>
+                          <a:round/>
+                          <a:headEnd type="none" w="med" len="med"/>
+                          <a:tailEnd type="none" w="med" len="med"/>
+                        </a:lnB>
+                      </a:tcPr>
                     </a:tc>
                     <a:tc>
                       <a:txBody>
@@ -7305,7 +8748,44 @@
                           </a:endParaRPr>
                         </a:p>
                       </a:txBody>
-                      <a:tcPr marL="68580" marR="68580" marT="0" marB="0" anchor="ctr"/>
+                      <a:tcPr marL="68580" marR="68580" marT="0" marB="0" anchor="ctr">
+                        <a:lnL w="12700" cap="flat" cmpd="sng" algn="ctr">
+                          <a:solidFill>
+                            <a:schemeClr val="tx1"/>
+                          </a:solidFill>
+                          <a:prstDash val="solid"/>
+                          <a:round/>
+                          <a:headEnd type="none" w="med" len="med"/>
+                          <a:tailEnd type="none" w="med" len="med"/>
+                        </a:lnL>
+                        <a:lnR w="12700" cap="flat" cmpd="sng" algn="ctr">
+                          <a:solidFill>
+                            <a:schemeClr val="tx1"/>
+                          </a:solidFill>
+                          <a:prstDash val="solid"/>
+                          <a:round/>
+                          <a:headEnd type="none" w="med" len="med"/>
+                          <a:tailEnd type="none" w="med" len="med"/>
+                        </a:lnR>
+                        <a:lnT w="12700" cap="flat" cmpd="sng" algn="ctr">
+                          <a:solidFill>
+                            <a:schemeClr val="tx1"/>
+                          </a:solidFill>
+                          <a:prstDash val="solid"/>
+                          <a:round/>
+                          <a:headEnd type="none" w="med" len="med"/>
+                          <a:tailEnd type="none" w="med" len="med"/>
+                        </a:lnT>
+                        <a:lnB w="12700" cap="flat" cmpd="sng" algn="ctr">
+                          <a:solidFill>
+                            <a:schemeClr val="tx1"/>
+                          </a:solidFill>
+                          <a:prstDash val="solid"/>
+                          <a:round/>
+                          <a:headEnd type="none" w="med" len="med"/>
+                          <a:tailEnd type="none" w="med" len="med"/>
+                        </a:lnB>
+                      </a:tcPr>
                     </a:tc>
                     <a:tc>
                       <a:txBody>
@@ -7336,7 +8816,44 @@
                           </a:endParaRPr>
                         </a:p>
                       </a:txBody>
-                      <a:tcPr marL="68580" marR="68580" marT="0" marB="0" anchor="ctr"/>
+                      <a:tcPr marL="68580" marR="68580" marT="0" marB="0" anchor="ctr">
+                        <a:lnL w="12700" cap="flat" cmpd="sng" algn="ctr">
+                          <a:solidFill>
+                            <a:schemeClr val="tx1"/>
+                          </a:solidFill>
+                          <a:prstDash val="solid"/>
+                          <a:round/>
+                          <a:headEnd type="none" w="med" len="med"/>
+                          <a:tailEnd type="none" w="med" len="med"/>
+                        </a:lnL>
+                        <a:lnR w="12700" cap="flat" cmpd="sng" algn="ctr">
+                          <a:solidFill>
+                            <a:schemeClr val="tx1"/>
+                          </a:solidFill>
+                          <a:prstDash val="solid"/>
+                          <a:round/>
+                          <a:headEnd type="none" w="med" len="med"/>
+                          <a:tailEnd type="none" w="med" len="med"/>
+                        </a:lnR>
+                        <a:lnT w="12700" cap="flat" cmpd="sng" algn="ctr">
+                          <a:solidFill>
+                            <a:schemeClr val="tx1"/>
+                          </a:solidFill>
+                          <a:prstDash val="solid"/>
+                          <a:round/>
+                          <a:headEnd type="none" w="med" len="med"/>
+                          <a:tailEnd type="none" w="med" len="med"/>
+                        </a:lnT>
+                        <a:lnB w="12700" cap="flat" cmpd="sng" algn="ctr">
+                          <a:solidFill>
+                            <a:schemeClr val="tx1"/>
+                          </a:solidFill>
+                          <a:prstDash val="solid"/>
+                          <a:round/>
+                          <a:headEnd type="none" w="med" len="med"/>
+                          <a:tailEnd type="none" w="med" len="med"/>
+                        </a:lnB>
+                      </a:tcPr>
                     </a:tc>
                     <a:tc>
                       <a:txBody>
@@ -7368,6 +8885,42 @@
                         </a:p>
                       </a:txBody>
                       <a:tcPr marL="68580" marR="68580" marT="0" marB="0" anchor="ctr">
+                        <a:lnL w="12700" cap="flat" cmpd="sng" algn="ctr">
+                          <a:solidFill>
+                            <a:schemeClr val="tx1"/>
+                          </a:solidFill>
+                          <a:prstDash val="solid"/>
+                          <a:round/>
+                          <a:headEnd type="none" w="med" len="med"/>
+                          <a:tailEnd type="none" w="med" len="med"/>
+                        </a:lnL>
+                        <a:lnR w="12700" cap="flat" cmpd="sng" algn="ctr">
+                          <a:solidFill>
+                            <a:schemeClr val="tx1"/>
+                          </a:solidFill>
+                          <a:prstDash val="solid"/>
+                          <a:round/>
+                          <a:headEnd type="none" w="med" len="med"/>
+                          <a:tailEnd type="none" w="med" len="med"/>
+                        </a:lnR>
+                        <a:lnT w="12700" cap="flat" cmpd="sng" algn="ctr">
+                          <a:solidFill>
+                            <a:schemeClr val="tx1"/>
+                          </a:solidFill>
+                          <a:prstDash val="solid"/>
+                          <a:round/>
+                          <a:headEnd type="none" w="med" len="med"/>
+                          <a:tailEnd type="none" w="med" len="med"/>
+                        </a:lnT>
+                        <a:lnB w="12700" cap="flat" cmpd="sng" algn="ctr">
+                          <a:solidFill>
+                            <a:schemeClr val="tx1"/>
+                          </a:solidFill>
+                          <a:prstDash val="solid"/>
+                          <a:round/>
+                          <a:headEnd type="none" w="med" len="med"/>
+                          <a:tailEnd type="none" w="med" len="med"/>
+                        </a:lnB>
                         <a:solidFill>
                           <a:srgbClr val="92D050"/>
                         </a:solidFill>
@@ -7409,7 +8962,44 @@
                           </a:endParaRPr>
                         </a:p>
                       </a:txBody>
-                      <a:tcPr marL="68580" marR="68580" marT="0" marB="0" anchor="ctr"/>
+                      <a:tcPr marL="68580" marR="68580" marT="0" marB="0" anchor="ctr">
+                        <a:lnL w="12700" cap="flat" cmpd="sng" algn="ctr">
+                          <a:solidFill>
+                            <a:schemeClr val="tx1"/>
+                          </a:solidFill>
+                          <a:prstDash val="solid"/>
+                          <a:round/>
+                          <a:headEnd type="none" w="med" len="med"/>
+                          <a:tailEnd type="none" w="med" len="med"/>
+                        </a:lnL>
+                        <a:lnR w="12700" cap="flat" cmpd="sng" algn="ctr">
+                          <a:solidFill>
+                            <a:schemeClr val="tx1"/>
+                          </a:solidFill>
+                          <a:prstDash val="solid"/>
+                          <a:round/>
+                          <a:headEnd type="none" w="med" len="med"/>
+                          <a:tailEnd type="none" w="med" len="med"/>
+                        </a:lnR>
+                        <a:lnT w="12700" cap="flat" cmpd="sng" algn="ctr">
+                          <a:solidFill>
+                            <a:schemeClr val="tx1"/>
+                          </a:solidFill>
+                          <a:prstDash val="solid"/>
+                          <a:round/>
+                          <a:headEnd type="none" w="med" len="med"/>
+                          <a:tailEnd type="none" w="med" len="med"/>
+                        </a:lnT>
+                        <a:lnB w="12700" cap="flat" cmpd="sng" algn="ctr">
+                          <a:solidFill>
+                            <a:schemeClr val="tx1"/>
+                          </a:solidFill>
+                          <a:prstDash val="solid"/>
+                          <a:round/>
+                          <a:headEnd type="none" w="med" len="med"/>
+                          <a:tailEnd type="none" w="med" len="med"/>
+                        </a:lnB>
+                      </a:tcPr>
                     </a:tc>
                     <a:tc>
                       <a:txBody>
@@ -7440,7 +9030,44 @@
                           </a:endParaRPr>
                         </a:p>
                       </a:txBody>
-                      <a:tcPr marL="68580" marR="68580" marT="0" marB="0" anchor="ctr"/>
+                      <a:tcPr marL="68580" marR="68580" marT="0" marB="0" anchor="ctr">
+                        <a:lnL w="12700" cap="flat" cmpd="sng" algn="ctr">
+                          <a:solidFill>
+                            <a:schemeClr val="tx1"/>
+                          </a:solidFill>
+                          <a:prstDash val="solid"/>
+                          <a:round/>
+                          <a:headEnd type="none" w="med" len="med"/>
+                          <a:tailEnd type="none" w="med" len="med"/>
+                        </a:lnL>
+                        <a:lnR w="12700" cap="flat" cmpd="sng" algn="ctr">
+                          <a:solidFill>
+                            <a:schemeClr val="tx1"/>
+                          </a:solidFill>
+                          <a:prstDash val="solid"/>
+                          <a:round/>
+                          <a:headEnd type="none" w="med" len="med"/>
+                          <a:tailEnd type="none" w="med" len="med"/>
+                        </a:lnR>
+                        <a:lnT w="12700" cap="flat" cmpd="sng" algn="ctr">
+                          <a:solidFill>
+                            <a:schemeClr val="tx1"/>
+                          </a:solidFill>
+                          <a:prstDash val="solid"/>
+                          <a:round/>
+                          <a:headEnd type="none" w="med" len="med"/>
+                          <a:tailEnd type="none" w="med" len="med"/>
+                        </a:lnT>
+                        <a:lnB w="12700" cap="flat" cmpd="sng" algn="ctr">
+                          <a:solidFill>
+                            <a:schemeClr val="tx1"/>
+                          </a:solidFill>
+                          <a:prstDash val="solid"/>
+                          <a:round/>
+                          <a:headEnd type="none" w="med" len="med"/>
+                          <a:tailEnd type="none" w="med" len="med"/>
+                        </a:lnB>
+                      </a:tcPr>
                     </a:tc>
                     <a:tc>
                       <a:txBody>
@@ -7471,7 +9098,44 @@
                           </a:endParaRPr>
                         </a:p>
                       </a:txBody>
-                      <a:tcPr marL="68580" marR="68580" marT="0" marB="0" anchor="ctr"/>
+                      <a:tcPr marL="68580" marR="68580" marT="0" marB="0" anchor="ctr">
+                        <a:lnL w="12700" cap="flat" cmpd="sng" algn="ctr">
+                          <a:solidFill>
+                            <a:schemeClr val="tx1"/>
+                          </a:solidFill>
+                          <a:prstDash val="solid"/>
+                          <a:round/>
+                          <a:headEnd type="none" w="med" len="med"/>
+                          <a:tailEnd type="none" w="med" len="med"/>
+                        </a:lnL>
+                        <a:lnR w="12700" cap="flat" cmpd="sng" algn="ctr">
+                          <a:solidFill>
+                            <a:schemeClr val="tx1"/>
+                          </a:solidFill>
+                          <a:prstDash val="solid"/>
+                          <a:round/>
+                          <a:headEnd type="none" w="med" len="med"/>
+                          <a:tailEnd type="none" w="med" len="med"/>
+                        </a:lnR>
+                        <a:lnT w="12700" cap="flat" cmpd="sng" algn="ctr">
+                          <a:solidFill>
+                            <a:schemeClr val="tx1"/>
+                          </a:solidFill>
+                          <a:prstDash val="solid"/>
+                          <a:round/>
+                          <a:headEnd type="none" w="med" len="med"/>
+                          <a:tailEnd type="none" w="med" len="med"/>
+                        </a:lnT>
+                        <a:lnB w="12700" cap="flat" cmpd="sng" algn="ctr">
+                          <a:solidFill>
+                            <a:schemeClr val="tx1"/>
+                          </a:solidFill>
+                          <a:prstDash val="solid"/>
+                          <a:round/>
+                          <a:headEnd type="none" w="med" len="med"/>
+                          <a:tailEnd type="none" w="med" len="med"/>
+                        </a:lnB>
+                      </a:tcPr>
                     </a:tc>
                     <a:tc>
                       <a:txBody>
@@ -7502,7 +9166,44 @@
                           </a:endParaRPr>
                         </a:p>
                       </a:txBody>
-                      <a:tcPr marL="68580" marR="68580" marT="0" marB="0" anchor="ctr"/>
+                      <a:tcPr marL="68580" marR="68580" marT="0" marB="0" anchor="ctr">
+                        <a:lnL w="12700" cap="flat" cmpd="sng" algn="ctr">
+                          <a:solidFill>
+                            <a:schemeClr val="tx1"/>
+                          </a:solidFill>
+                          <a:prstDash val="solid"/>
+                          <a:round/>
+                          <a:headEnd type="none" w="med" len="med"/>
+                          <a:tailEnd type="none" w="med" len="med"/>
+                        </a:lnL>
+                        <a:lnR w="12700" cap="flat" cmpd="sng" algn="ctr">
+                          <a:solidFill>
+                            <a:schemeClr val="tx1"/>
+                          </a:solidFill>
+                          <a:prstDash val="solid"/>
+                          <a:round/>
+                          <a:headEnd type="none" w="med" len="med"/>
+                          <a:tailEnd type="none" w="med" len="med"/>
+                        </a:lnR>
+                        <a:lnT w="12700" cap="flat" cmpd="sng" algn="ctr">
+                          <a:solidFill>
+                            <a:schemeClr val="tx1"/>
+                          </a:solidFill>
+                          <a:prstDash val="solid"/>
+                          <a:round/>
+                          <a:headEnd type="none" w="med" len="med"/>
+                          <a:tailEnd type="none" w="med" len="med"/>
+                        </a:lnT>
+                        <a:lnB w="12700" cap="flat" cmpd="sng" algn="ctr">
+                          <a:solidFill>
+                            <a:schemeClr val="tx1"/>
+                          </a:solidFill>
+                          <a:prstDash val="solid"/>
+                          <a:round/>
+                          <a:headEnd type="none" w="med" len="med"/>
+                          <a:tailEnd type="none" w="med" len="med"/>
+                        </a:lnB>
+                      </a:tcPr>
                     </a:tc>
                     <a:tc>
                       <a:txBody>
@@ -7518,14 +9219,14 @@
                             </a:spcAft>
                           </a:pPr>
                           <a:r>
-                            <a:rPr lang="ru-RU" sz="2400">
+                            <a:rPr lang="ru-RU" sz="2400" dirty="0">
                               <a:effectLst/>
                               <a:latin typeface="Microsoft JhengHei UI Light" panose="020B0304030504040204" pitchFamily="34" charset="-120"/>
                               <a:ea typeface="Microsoft JhengHei UI Light" panose="020B0304030504040204" pitchFamily="34" charset="-120"/>
                             </a:rPr>
                             <a:t>Нет</a:t>
                           </a:r>
-                          <a:endParaRPr lang="en-US" sz="2400">
+                          <a:endParaRPr lang="en-US" sz="2400" dirty="0">
                             <a:effectLst/>
                             <a:latin typeface="Microsoft JhengHei UI Light" panose="020B0304030504040204" pitchFamily="34" charset="-120"/>
                             <a:ea typeface="Microsoft JhengHei UI Light" panose="020B0304030504040204" pitchFamily="34" charset="-120"/>
@@ -7533,7 +9234,44 @@
                           </a:endParaRPr>
                         </a:p>
                       </a:txBody>
-                      <a:tcPr marL="68580" marR="68580" marT="0" marB="0" anchor="ctr"/>
+                      <a:tcPr marL="68580" marR="68580" marT="0" marB="0" anchor="ctr">
+                        <a:lnL w="12700" cap="flat" cmpd="sng" algn="ctr">
+                          <a:solidFill>
+                            <a:schemeClr val="tx1"/>
+                          </a:solidFill>
+                          <a:prstDash val="solid"/>
+                          <a:round/>
+                          <a:headEnd type="none" w="med" len="med"/>
+                          <a:tailEnd type="none" w="med" len="med"/>
+                        </a:lnL>
+                        <a:lnR w="12700" cap="flat" cmpd="sng" algn="ctr">
+                          <a:solidFill>
+                            <a:schemeClr val="tx1"/>
+                          </a:solidFill>
+                          <a:prstDash val="solid"/>
+                          <a:round/>
+                          <a:headEnd type="none" w="med" len="med"/>
+                          <a:tailEnd type="none" w="med" len="med"/>
+                        </a:lnR>
+                        <a:lnT w="12700" cap="flat" cmpd="sng" algn="ctr">
+                          <a:solidFill>
+                            <a:schemeClr val="tx1"/>
+                          </a:solidFill>
+                          <a:prstDash val="solid"/>
+                          <a:round/>
+                          <a:headEnd type="none" w="med" len="med"/>
+                          <a:tailEnd type="none" w="med" len="med"/>
+                        </a:lnT>
+                        <a:lnB w="12700" cap="flat" cmpd="sng" algn="ctr">
+                          <a:solidFill>
+                            <a:schemeClr val="tx1"/>
+                          </a:solidFill>
+                          <a:prstDash val="solid"/>
+                          <a:round/>
+                          <a:headEnd type="none" w="med" len="med"/>
+                          <a:tailEnd type="none" w="med" len="med"/>
+                        </a:lnB>
+                      </a:tcPr>
                     </a:tc>
                     <a:tc>
                       <a:txBody>
@@ -7564,7 +9302,44 @@
                           </a:endParaRPr>
                         </a:p>
                       </a:txBody>
-                      <a:tcPr marL="68580" marR="68580" marT="0" marB="0" anchor="ctr"/>
+                      <a:tcPr marL="68580" marR="68580" marT="0" marB="0" anchor="ctr">
+                        <a:lnL w="12700" cap="flat" cmpd="sng" algn="ctr">
+                          <a:solidFill>
+                            <a:schemeClr val="tx1"/>
+                          </a:solidFill>
+                          <a:prstDash val="solid"/>
+                          <a:round/>
+                          <a:headEnd type="none" w="med" len="med"/>
+                          <a:tailEnd type="none" w="med" len="med"/>
+                        </a:lnL>
+                        <a:lnR w="12700" cap="flat" cmpd="sng" algn="ctr">
+                          <a:solidFill>
+                            <a:schemeClr val="tx1"/>
+                          </a:solidFill>
+                          <a:prstDash val="solid"/>
+                          <a:round/>
+                          <a:headEnd type="none" w="med" len="med"/>
+                          <a:tailEnd type="none" w="med" len="med"/>
+                        </a:lnR>
+                        <a:lnT w="12700" cap="flat" cmpd="sng" algn="ctr">
+                          <a:solidFill>
+                            <a:schemeClr val="tx1"/>
+                          </a:solidFill>
+                          <a:prstDash val="solid"/>
+                          <a:round/>
+                          <a:headEnd type="none" w="med" len="med"/>
+                          <a:tailEnd type="none" w="med" len="med"/>
+                        </a:lnT>
+                        <a:lnB w="12700" cap="flat" cmpd="sng" algn="ctr">
+                          <a:solidFill>
+                            <a:schemeClr val="tx1"/>
+                          </a:solidFill>
+                          <a:prstDash val="solid"/>
+                          <a:round/>
+                          <a:headEnd type="none" w="med" len="med"/>
+                          <a:tailEnd type="none" w="med" len="med"/>
+                        </a:lnB>
+                      </a:tcPr>
                     </a:tc>
                     <a:tc>
                       <a:txBody>
@@ -7595,7 +9370,44 @@
                           </a:endParaRPr>
                         </a:p>
                       </a:txBody>
-                      <a:tcPr marL="68580" marR="68580" marT="0" marB="0" anchor="ctr"/>
+                      <a:tcPr marL="68580" marR="68580" marT="0" marB="0" anchor="ctr">
+                        <a:lnL w="12700" cap="flat" cmpd="sng" algn="ctr">
+                          <a:solidFill>
+                            <a:schemeClr val="tx1"/>
+                          </a:solidFill>
+                          <a:prstDash val="solid"/>
+                          <a:round/>
+                          <a:headEnd type="none" w="med" len="med"/>
+                          <a:tailEnd type="none" w="med" len="med"/>
+                        </a:lnL>
+                        <a:lnR w="12700" cap="flat" cmpd="sng" algn="ctr">
+                          <a:solidFill>
+                            <a:schemeClr val="tx1"/>
+                          </a:solidFill>
+                          <a:prstDash val="solid"/>
+                          <a:round/>
+                          <a:headEnd type="none" w="med" len="med"/>
+                          <a:tailEnd type="none" w="med" len="med"/>
+                        </a:lnR>
+                        <a:lnT w="12700" cap="flat" cmpd="sng" algn="ctr">
+                          <a:solidFill>
+                            <a:schemeClr val="tx1"/>
+                          </a:solidFill>
+                          <a:prstDash val="solid"/>
+                          <a:round/>
+                          <a:headEnd type="none" w="med" len="med"/>
+                          <a:tailEnd type="none" w="med" len="med"/>
+                        </a:lnT>
+                        <a:lnB w="12700" cap="flat" cmpd="sng" algn="ctr">
+                          <a:solidFill>
+                            <a:schemeClr val="tx1"/>
+                          </a:solidFill>
+                          <a:prstDash val="solid"/>
+                          <a:round/>
+                          <a:headEnd type="none" w="med" len="med"/>
+                          <a:tailEnd type="none" w="med" len="med"/>
+                        </a:lnB>
+                      </a:tcPr>
                     </a:tc>
                     <a:extLst>
                       <a:ext uri="{0D108BD9-81ED-4DB2-BD59-A6C34878D82A}">
@@ -7633,7 +9445,44 @@
                           </a:endParaRPr>
                         </a:p>
                       </a:txBody>
-                      <a:tcPr marL="68580" marR="68580" marT="0" marB="0" anchor="ctr"/>
+                      <a:tcPr marL="68580" marR="68580" marT="0" marB="0" anchor="ctr">
+                        <a:lnL w="12700" cap="flat" cmpd="sng" algn="ctr">
+                          <a:solidFill>
+                            <a:schemeClr val="tx1"/>
+                          </a:solidFill>
+                          <a:prstDash val="solid"/>
+                          <a:round/>
+                          <a:headEnd type="none" w="med" len="med"/>
+                          <a:tailEnd type="none" w="med" len="med"/>
+                        </a:lnL>
+                        <a:lnR w="12700" cap="flat" cmpd="sng" algn="ctr">
+                          <a:solidFill>
+                            <a:schemeClr val="tx1"/>
+                          </a:solidFill>
+                          <a:prstDash val="solid"/>
+                          <a:round/>
+                          <a:headEnd type="none" w="med" len="med"/>
+                          <a:tailEnd type="none" w="med" len="med"/>
+                        </a:lnR>
+                        <a:lnT w="12700" cap="flat" cmpd="sng" algn="ctr">
+                          <a:solidFill>
+                            <a:schemeClr val="tx1"/>
+                          </a:solidFill>
+                          <a:prstDash val="solid"/>
+                          <a:round/>
+                          <a:headEnd type="none" w="med" len="med"/>
+                          <a:tailEnd type="none" w="med" len="med"/>
+                        </a:lnT>
+                        <a:lnB w="12700" cap="flat" cmpd="sng" algn="ctr">
+                          <a:solidFill>
+                            <a:schemeClr val="tx1"/>
+                          </a:solidFill>
+                          <a:prstDash val="solid"/>
+                          <a:round/>
+                          <a:headEnd type="none" w="med" len="med"/>
+                          <a:tailEnd type="none" w="med" len="med"/>
+                        </a:lnB>
+                      </a:tcPr>
                     </a:tc>
                     <a:tc>
                       <a:txBody>
@@ -7664,7 +9513,44 @@
                           </a:endParaRPr>
                         </a:p>
                       </a:txBody>
-                      <a:tcPr marL="68580" marR="68580" marT="0" marB="0" anchor="ctr"/>
+                      <a:tcPr marL="68580" marR="68580" marT="0" marB="0" anchor="ctr">
+                        <a:lnL w="12700" cap="flat" cmpd="sng" algn="ctr">
+                          <a:solidFill>
+                            <a:schemeClr val="tx1"/>
+                          </a:solidFill>
+                          <a:prstDash val="solid"/>
+                          <a:round/>
+                          <a:headEnd type="none" w="med" len="med"/>
+                          <a:tailEnd type="none" w="med" len="med"/>
+                        </a:lnL>
+                        <a:lnR w="12700" cap="flat" cmpd="sng" algn="ctr">
+                          <a:solidFill>
+                            <a:schemeClr val="tx1"/>
+                          </a:solidFill>
+                          <a:prstDash val="solid"/>
+                          <a:round/>
+                          <a:headEnd type="none" w="med" len="med"/>
+                          <a:tailEnd type="none" w="med" len="med"/>
+                        </a:lnR>
+                        <a:lnT w="12700" cap="flat" cmpd="sng" algn="ctr">
+                          <a:solidFill>
+                            <a:schemeClr val="tx1"/>
+                          </a:solidFill>
+                          <a:prstDash val="solid"/>
+                          <a:round/>
+                          <a:headEnd type="none" w="med" len="med"/>
+                          <a:tailEnd type="none" w="med" len="med"/>
+                        </a:lnT>
+                        <a:lnB w="12700" cap="flat" cmpd="sng" algn="ctr">
+                          <a:solidFill>
+                            <a:schemeClr val="tx1"/>
+                          </a:solidFill>
+                          <a:prstDash val="solid"/>
+                          <a:round/>
+                          <a:headEnd type="none" w="med" len="med"/>
+                          <a:tailEnd type="none" w="med" len="med"/>
+                        </a:lnB>
+                      </a:tcPr>
                     </a:tc>
                     <a:tc>
                       <a:txBody>
@@ -7696,6 +9582,42 @@
                         </a:p>
                       </a:txBody>
                       <a:tcPr marL="68580" marR="68580" marT="0" marB="0" anchor="ctr">
+                        <a:lnL w="12700" cap="flat" cmpd="sng" algn="ctr">
+                          <a:solidFill>
+                            <a:schemeClr val="tx1"/>
+                          </a:solidFill>
+                          <a:prstDash val="solid"/>
+                          <a:round/>
+                          <a:headEnd type="none" w="med" len="med"/>
+                          <a:tailEnd type="none" w="med" len="med"/>
+                        </a:lnL>
+                        <a:lnR w="12700" cap="flat" cmpd="sng" algn="ctr">
+                          <a:solidFill>
+                            <a:schemeClr val="tx1"/>
+                          </a:solidFill>
+                          <a:prstDash val="solid"/>
+                          <a:round/>
+                          <a:headEnd type="none" w="med" len="med"/>
+                          <a:tailEnd type="none" w="med" len="med"/>
+                        </a:lnR>
+                        <a:lnT w="12700" cap="flat" cmpd="sng" algn="ctr">
+                          <a:solidFill>
+                            <a:schemeClr val="tx1"/>
+                          </a:solidFill>
+                          <a:prstDash val="solid"/>
+                          <a:round/>
+                          <a:headEnd type="none" w="med" len="med"/>
+                          <a:tailEnd type="none" w="med" len="med"/>
+                        </a:lnT>
+                        <a:lnB w="12700" cap="flat" cmpd="sng" algn="ctr">
+                          <a:solidFill>
+                            <a:schemeClr val="tx1"/>
+                          </a:solidFill>
+                          <a:prstDash val="solid"/>
+                          <a:round/>
+                          <a:headEnd type="none" w="med" len="med"/>
+                          <a:tailEnd type="none" w="med" len="med"/>
+                        </a:lnB>
                         <a:solidFill>
                           <a:srgbClr val="92D050"/>
                         </a:solidFill>
@@ -7730,7 +9652,44 @@
                           </a:endParaRPr>
                         </a:p>
                       </a:txBody>
-                      <a:tcPr marL="68580" marR="68580" marT="0" marB="0" anchor="ctr"/>
+                      <a:tcPr marL="68580" marR="68580" marT="0" marB="0" anchor="ctr">
+                        <a:lnL w="12700" cap="flat" cmpd="sng" algn="ctr">
+                          <a:solidFill>
+                            <a:schemeClr val="tx1"/>
+                          </a:solidFill>
+                          <a:prstDash val="solid"/>
+                          <a:round/>
+                          <a:headEnd type="none" w="med" len="med"/>
+                          <a:tailEnd type="none" w="med" len="med"/>
+                        </a:lnL>
+                        <a:lnR w="12700" cap="flat" cmpd="sng" algn="ctr">
+                          <a:solidFill>
+                            <a:schemeClr val="tx1"/>
+                          </a:solidFill>
+                          <a:prstDash val="solid"/>
+                          <a:round/>
+                          <a:headEnd type="none" w="med" len="med"/>
+                          <a:tailEnd type="none" w="med" len="med"/>
+                        </a:lnR>
+                        <a:lnT w="12700" cap="flat" cmpd="sng" algn="ctr">
+                          <a:solidFill>
+                            <a:schemeClr val="tx1"/>
+                          </a:solidFill>
+                          <a:prstDash val="solid"/>
+                          <a:round/>
+                          <a:headEnd type="none" w="med" len="med"/>
+                          <a:tailEnd type="none" w="med" len="med"/>
+                        </a:lnT>
+                        <a:lnB w="12700" cap="flat" cmpd="sng" algn="ctr">
+                          <a:solidFill>
+                            <a:schemeClr val="tx1"/>
+                          </a:solidFill>
+                          <a:prstDash val="solid"/>
+                          <a:round/>
+                          <a:headEnd type="none" w="med" len="med"/>
+                          <a:tailEnd type="none" w="med" len="med"/>
+                        </a:lnB>
+                      </a:tcPr>
                     </a:tc>
                     <a:tc>
                       <a:txBody>
@@ -7761,7 +9720,44 @@
                           </a:endParaRPr>
                         </a:p>
                       </a:txBody>
-                      <a:tcPr marL="68580" marR="68580" marT="0" marB="0" anchor="ctr"/>
+                      <a:tcPr marL="68580" marR="68580" marT="0" marB="0" anchor="ctr">
+                        <a:lnL w="12700" cap="flat" cmpd="sng" algn="ctr">
+                          <a:solidFill>
+                            <a:schemeClr val="tx1"/>
+                          </a:solidFill>
+                          <a:prstDash val="solid"/>
+                          <a:round/>
+                          <a:headEnd type="none" w="med" len="med"/>
+                          <a:tailEnd type="none" w="med" len="med"/>
+                        </a:lnL>
+                        <a:lnR w="12700" cap="flat" cmpd="sng" algn="ctr">
+                          <a:solidFill>
+                            <a:schemeClr val="tx1"/>
+                          </a:solidFill>
+                          <a:prstDash val="solid"/>
+                          <a:round/>
+                          <a:headEnd type="none" w="med" len="med"/>
+                          <a:tailEnd type="none" w="med" len="med"/>
+                        </a:lnR>
+                        <a:lnT w="12700" cap="flat" cmpd="sng" algn="ctr">
+                          <a:solidFill>
+                            <a:schemeClr val="tx1"/>
+                          </a:solidFill>
+                          <a:prstDash val="solid"/>
+                          <a:round/>
+                          <a:headEnd type="none" w="med" len="med"/>
+                          <a:tailEnd type="none" w="med" len="med"/>
+                        </a:lnT>
+                        <a:lnB w="12700" cap="flat" cmpd="sng" algn="ctr">
+                          <a:solidFill>
+                            <a:schemeClr val="tx1"/>
+                          </a:solidFill>
+                          <a:prstDash val="solid"/>
+                          <a:round/>
+                          <a:headEnd type="none" w="med" len="med"/>
+                          <a:tailEnd type="none" w="med" len="med"/>
+                        </a:lnB>
+                      </a:tcPr>
                     </a:tc>
                     <a:tc>
                       <a:txBody>
@@ -7792,7 +9788,44 @@
                           </a:endParaRPr>
                         </a:p>
                       </a:txBody>
-                      <a:tcPr marL="68580" marR="68580" marT="0" marB="0" anchor="ctr"/>
+                      <a:tcPr marL="68580" marR="68580" marT="0" marB="0" anchor="ctr">
+                        <a:lnL w="12700" cap="flat" cmpd="sng" algn="ctr">
+                          <a:solidFill>
+                            <a:schemeClr val="tx1"/>
+                          </a:solidFill>
+                          <a:prstDash val="solid"/>
+                          <a:round/>
+                          <a:headEnd type="none" w="med" len="med"/>
+                          <a:tailEnd type="none" w="med" len="med"/>
+                        </a:lnL>
+                        <a:lnR w="12700" cap="flat" cmpd="sng" algn="ctr">
+                          <a:solidFill>
+                            <a:schemeClr val="tx1"/>
+                          </a:solidFill>
+                          <a:prstDash val="solid"/>
+                          <a:round/>
+                          <a:headEnd type="none" w="med" len="med"/>
+                          <a:tailEnd type="none" w="med" len="med"/>
+                        </a:lnR>
+                        <a:lnT w="12700" cap="flat" cmpd="sng" algn="ctr">
+                          <a:solidFill>
+                            <a:schemeClr val="tx1"/>
+                          </a:solidFill>
+                          <a:prstDash val="solid"/>
+                          <a:round/>
+                          <a:headEnd type="none" w="med" len="med"/>
+                          <a:tailEnd type="none" w="med" len="med"/>
+                        </a:lnT>
+                        <a:lnB w="12700" cap="flat" cmpd="sng" algn="ctr">
+                          <a:solidFill>
+                            <a:schemeClr val="tx1"/>
+                          </a:solidFill>
+                          <a:prstDash val="solid"/>
+                          <a:round/>
+                          <a:headEnd type="none" w="med" len="med"/>
+                          <a:tailEnd type="none" w="med" len="med"/>
+                        </a:lnB>
+                      </a:tcPr>
                     </a:tc>
                     <a:tc>
                       <a:txBody>
@@ -7823,7 +9856,44 @@
                           </a:endParaRPr>
                         </a:p>
                       </a:txBody>
-                      <a:tcPr marL="68580" marR="68580" marT="0" marB="0" anchor="ctr"/>
+                      <a:tcPr marL="68580" marR="68580" marT="0" marB="0" anchor="ctr">
+                        <a:lnL w="12700" cap="flat" cmpd="sng" algn="ctr">
+                          <a:solidFill>
+                            <a:schemeClr val="tx1"/>
+                          </a:solidFill>
+                          <a:prstDash val="solid"/>
+                          <a:round/>
+                          <a:headEnd type="none" w="med" len="med"/>
+                          <a:tailEnd type="none" w="med" len="med"/>
+                        </a:lnL>
+                        <a:lnR w="12700" cap="flat" cmpd="sng" algn="ctr">
+                          <a:solidFill>
+                            <a:schemeClr val="tx1"/>
+                          </a:solidFill>
+                          <a:prstDash val="solid"/>
+                          <a:round/>
+                          <a:headEnd type="none" w="med" len="med"/>
+                          <a:tailEnd type="none" w="med" len="med"/>
+                        </a:lnR>
+                        <a:lnT w="12700" cap="flat" cmpd="sng" algn="ctr">
+                          <a:solidFill>
+                            <a:schemeClr val="tx1"/>
+                          </a:solidFill>
+                          <a:prstDash val="solid"/>
+                          <a:round/>
+                          <a:headEnd type="none" w="med" len="med"/>
+                          <a:tailEnd type="none" w="med" len="med"/>
+                        </a:lnT>
+                        <a:lnB w="12700" cap="flat" cmpd="sng" algn="ctr">
+                          <a:solidFill>
+                            <a:schemeClr val="tx1"/>
+                          </a:solidFill>
+                          <a:prstDash val="solid"/>
+                          <a:round/>
+                          <a:headEnd type="none" w="med" len="med"/>
+                          <a:tailEnd type="none" w="med" len="med"/>
+                        </a:lnB>
+                      </a:tcPr>
                     </a:tc>
                     <a:extLst>
                       <a:ext uri="{0D108BD9-81ED-4DB2-BD59-A6C34878D82A}">
@@ -7861,7 +9931,44 @@
                           </a:endParaRPr>
                         </a:p>
                       </a:txBody>
-                      <a:tcPr marL="68580" marR="68580" marT="0" marB="0" anchor="ctr"/>
+                      <a:tcPr marL="68580" marR="68580" marT="0" marB="0" anchor="ctr">
+                        <a:lnL w="12700" cap="flat" cmpd="sng" algn="ctr">
+                          <a:solidFill>
+                            <a:schemeClr val="tx1"/>
+                          </a:solidFill>
+                          <a:prstDash val="solid"/>
+                          <a:round/>
+                          <a:headEnd type="none" w="med" len="med"/>
+                          <a:tailEnd type="none" w="med" len="med"/>
+                        </a:lnL>
+                        <a:lnR w="12700" cap="flat" cmpd="sng" algn="ctr">
+                          <a:solidFill>
+                            <a:schemeClr val="tx1"/>
+                          </a:solidFill>
+                          <a:prstDash val="solid"/>
+                          <a:round/>
+                          <a:headEnd type="none" w="med" len="med"/>
+                          <a:tailEnd type="none" w="med" len="med"/>
+                        </a:lnR>
+                        <a:lnT w="12700" cap="flat" cmpd="sng" algn="ctr">
+                          <a:solidFill>
+                            <a:schemeClr val="tx1"/>
+                          </a:solidFill>
+                          <a:prstDash val="solid"/>
+                          <a:round/>
+                          <a:headEnd type="none" w="med" len="med"/>
+                          <a:tailEnd type="none" w="med" len="med"/>
+                        </a:lnT>
+                        <a:lnB w="12700" cap="flat" cmpd="sng" algn="ctr">
+                          <a:solidFill>
+                            <a:schemeClr val="tx1"/>
+                          </a:solidFill>
+                          <a:prstDash val="solid"/>
+                          <a:round/>
+                          <a:headEnd type="none" w="med" len="med"/>
+                          <a:tailEnd type="none" w="med" len="med"/>
+                        </a:lnB>
+                      </a:tcPr>
                     </a:tc>
                     <a:tc>
                       <a:txBody>
@@ -7892,7 +9999,44 @@
                           </a:endParaRPr>
                         </a:p>
                       </a:txBody>
-                      <a:tcPr marL="68580" marR="68580" marT="0" marB="0" anchor="ctr"/>
+                      <a:tcPr marL="68580" marR="68580" marT="0" marB="0" anchor="ctr">
+                        <a:lnL w="12700" cap="flat" cmpd="sng" algn="ctr">
+                          <a:solidFill>
+                            <a:schemeClr val="tx1"/>
+                          </a:solidFill>
+                          <a:prstDash val="solid"/>
+                          <a:round/>
+                          <a:headEnd type="none" w="med" len="med"/>
+                          <a:tailEnd type="none" w="med" len="med"/>
+                        </a:lnL>
+                        <a:lnR w="12700" cap="flat" cmpd="sng" algn="ctr">
+                          <a:solidFill>
+                            <a:schemeClr val="tx1"/>
+                          </a:solidFill>
+                          <a:prstDash val="solid"/>
+                          <a:round/>
+                          <a:headEnd type="none" w="med" len="med"/>
+                          <a:tailEnd type="none" w="med" len="med"/>
+                        </a:lnR>
+                        <a:lnT w="12700" cap="flat" cmpd="sng" algn="ctr">
+                          <a:solidFill>
+                            <a:schemeClr val="tx1"/>
+                          </a:solidFill>
+                          <a:prstDash val="solid"/>
+                          <a:round/>
+                          <a:headEnd type="none" w="med" len="med"/>
+                          <a:tailEnd type="none" w="med" len="med"/>
+                        </a:lnT>
+                        <a:lnB w="12700" cap="flat" cmpd="sng" algn="ctr">
+                          <a:solidFill>
+                            <a:schemeClr val="tx1"/>
+                          </a:solidFill>
+                          <a:prstDash val="solid"/>
+                          <a:round/>
+                          <a:headEnd type="none" w="med" len="med"/>
+                          <a:tailEnd type="none" w="med" len="med"/>
+                        </a:lnB>
+                      </a:tcPr>
                     </a:tc>
                     <a:tc>
                       <a:txBody>
@@ -7924,6 +10068,42 @@
                         </a:p>
                       </a:txBody>
                       <a:tcPr marL="68580" marR="68580" marT="0" marB="0" anchor="ctr">
+                        <a:lnL w="12700" cap="flat" cmpd="sng" algn="ctr">
+                          <a:solidFill>
+                            <a:schemeClr val="tx1"/>
+                          </a:solidFill>
+                          <a:prstDash val="solid"/>
+                          <a:round/>
+                          <a:headEnd type="none" w="med" len="med"/>
+                          <a:tailEnd type="none" w="med" len="med"/>
+                        </a:lnL>
+                        <a:lnR w="12700" cap="flat" cmpd="sng" algn="ctr">
+                          <a:solidFill>
+                            <a:schemeClr val="tx1"/>
+                          </a:solidFill>
+                          <a:prstDash val="solid"/>
+                          <a:round/>
+                          <a:headEnd type="none" w="med" len="med"/>
+                          <a:tailEnd type="none" w="med" len="med"/>
+                        </a:lnR>
+                        <a:lnT w="12700" cap="flat" cmpd="sng" algn="ctr">
+                          <a:solidFill>
+                            <a:schemeClr val="tx1"/>
+                          </a:solidFill>
+                          <a:prstDash val="solid"/>
+                          <a:round/>
+                          <a:headEnd type="none" w="med" len="med"/>
+                          <a:tailEnd type="none" w="med" len="med"/>
+                        </a:lnT>
+                        <a:lnB w="12700" cap="flat" cmpd="sng" algn="ctr">
+                          <a:solidFill>
+                            <a:schemeClr val="tx1"/>
+                          </a:solidFill>
+                          <a:prstDash val="solid"/>
+                          <a:round/>
+                          <a:headEnd type="none" w="med" len="med"/>
+                          <a:tailEnd type="none" w="med" len="med"/>
+                        </a:lnB>
                         <a:solidFill>
                           <a:srgbClr val="92D050"/>
                         </a:solidFill>
@@ -7958,7 +10138,44 @@
                           </a:endParaRPr>
                         </a:p>
                       </a:txBody>
-                      <a:tcPr marL="68580" marR="68580" marT="0" marB="0" anchor="ctr"/>
+                      <a:tcPr marL="68580" marR="68580" marT="0" marB="0" anchor="ctr">
+                        <a:lnL w="12700" cap="flat" cmpd="sng" algn="ctr">
+                          <a:solidFill>
+                            <a:schemeClr val="tx1"/>
+                          </a:solidFill>
+                          <a:prstDash val="solid"/>
+                          <a:round/>
+                          <a:headEnd type="none" w="med" len="med"/>
+                          <a:tailEnd type="none" w="med" len="med"/>
+                        </a:lnL>
+                        <a:lnR w="12700" cap="flat" cmpd="sng" algn="ctr">
+                          <a:solidFill>
+                            <a:schemeClr val="tx1"/>
+                          </a:solidFill>
+                          <a:prstDash val="solid"/>
+                          <a:round/>
+                          <a:headEnd type="none" w="med" len="med"/>
+                          <a:tailEnd type="none" w="med" len="med"/>
+                        </a:lnR>
+                        <a:lnT w="12700" cap="flat" cmpd="sng" algn="ctr">
+                          <a:solidFill>
+                            <a:schemeClr val="tx1"/>
+                          </a:solidFill>
+                          <a:prstDash val="solid"/>
+                          <a:round/>
+                          <a:headEnd type="none" w="med" len="med"/>
+                          <a:tailEnd type="none" w="med" len="med"/>
+                        </a:lnT>
+                        <a:lnB w="12700" cap="flat" cmpd="sng" algn="ctr">
+                          <a:solidFill>
+                            <a:schemeClr val="tx1"/>
+                          </a:solidFill>
+                          <a:prstDash val="solid"/>
+                          <a:round/>
+                          <a:headEnd type="none" w="med" len="med"/>
+                          <a:tailEnd type="none" w="med" len="med"/>
+                        </a:lnB>
+                      </a:tcPr>
                     </a:tc>
                     <a:tc>
                       <a:txBody>
@@ -7989,7 +10206,44 @@
                           </a:endParaRPr>
                         </a:p>
                       </a:txBody>
-                      <a:tcPr marL="68580" marR="68580" marT="0" marB="0" anchor="ctr"/>
+                      <a:tcPr marL="68580" marR="68580" marT="0" marB="0" anchor="ctr">
+                        <a:lnL w="12700" cap="flat" cmpd="sng" algn="ctr">
+                          <a:solidFill>
+                            <a:schemeClr val="tx1"/>
+                          </a:solidFill>
+                          <a:prstDash val="solid"/>
+                          <a:round/>
+                          <a:headEnd type="none" w="med" len="med"/>
+                          <a:tailEnd type="none" w="med" len="med"/>
+                        </a:lnL>
+                        <a:lnR w="12700" cap="flat" cmpd="sng" algn="ctr">
+                          <a:solidFill>
+                            <a:schemeClr val="tx1"/>
+                          </a:solidFill>
+                          <a:prstDash val="solid"/>
+                          <a:round/>
+                          <a:headEnd type="none" w="med" len="med"/>
+                          <a:tailEnd type="none" w="med" len="med"/>
+                        </a:lnR>
+                        <a:lnT w="12700" cap="flat" cmpd="sng" algn="ctr">
+                          <a:solidFill>
+                            <a:schemeClr val="tx1"/>
+                          </a:solidFill>
+                          <a:prstDash val="solid"/>
+                          <a:round/>
+                          <a:headEnd type="none" w="med" len="med"/>
+                          <a:tailEnd type="none" w="med" len="med"/>
+                        </a:lnT>
+                        <a:lnB w="12700" cap="flat" cmpd="sng" algn="ctr">
+                          <a:solidFill>
+                            <a:schemeClr val="tx1"/>
+                          </a:solidFill>
+                          <a:prstDash val="solid"/>
+                          <a:round/>
+                          <a:headEnd type="none" w="med" len="med"/>
+                          <a:tailEnd type="none" w="med" len="med"/>
+                        </a:lnB>
+                      </a:tcPr>
                     </a:tc>
                     <a:tc>
                       <a:txBody>
@@ -8020,7 +10274,44 @@
                           </a:endParaRPr>
                         </a:p>
                       </a:txBody>
-                      <a:tcPr marL="68580" marR="68580" marT="0" marB="0" anchor="ctr"/>
+                      <a:tcPr marL="68580" marR="68580" marT="0" marB="0" anchor="ctr">
+                        <a:lnL w="12700" cap="flat" cmpd="sng" algn="ctr">
+                          <a:solidFill>
+                            <a:schemeClr val="tx1"/>
+                          </a:solidFill>
+                          <a:prstDash val="solid"/>
+                          <a:round/>
+                          <a:headEnd type="none" w="med" len="med"/>
+                          <a:tailEnd type="none" w="med" len="med"/>
+                        </a:lnL>
+                        <a:lnR w="12700" cap="flat" cmpd="sng" algn="ctr">
+                          <a:solidFill>
+                            <a:schemeClr val="tx1"/>
+                          </a:solidFill>
+                          <a:prstDash val="solid"/>
+                          <a:round/>
+                          <a:headEnd type="none" w="med" len="med"/>
+                          <a:tailEnd type="none" w="med" len="med"/>
+                        </a:lnR>
+                        <a:lnT w="12700" cap="flat" cmpd="sng" algn="ctr">
+                          <a:solidFill>
+                            <a:schemeClr val="tx1"/>
+                          </a:solidFill>
+                          <a:prstDash val="solid"/>
+                          <a:round/>
+                          <a:headEnd type="none" w="med" len="med"/>
+                          <a:tailEnd type="none" w="med" len="med"/>
+                        </a:lnT>
+                        <a:lnB w="12700" cap="flat" cmpd="sng" algn="ctr">
+                          <a:solidFill>
+                            <a:schemeClr val="tx1"/>
+                          </a:solidFill>
+                          <a:prstDash val="solid"/>
+                          <a:round/>
+                          <a:headEnd type="none" w="med" len="med"/>
+                          <a:tailEnd type="none" w="med" len="med"/>
+                        </a:lnB>
+                      </a:tcPr>
                     </a:tc>
                     <a:tc>
                       <a:txBody>
@@ -8051,7 +10342,44 @@
                           </a:endParaRPr>
                         </a:p>
                       </a:txBody>
-                      <a:tcPr marL="68580" marR="68580" marT="0" marB="0" anchor="ctr"/>
+                      <a:tcPr marL="68580" marR="68580" marT="0" marB="0" anchor="ctr">
+                        <a:lnL w="12700" cap="flat" cmpd="sng" algn="ctr">
+                          <a:solidFill>
+                            <a:schemeClr val="tx1"/>
+                          </a:solidFill>
+                          <a:prstDash val="solid"/>
+                          <a:round/>
+                          <a:headEnd type="none" w="med" len="med"/>
+                          <a:tailEnd type="none" w="med" len="med"/>
+                        </a:lnL>
+                        <a:lnR w="12700" cap="flat" cmpd="sng" algn="ctr">
+                          <a:solidFill>
+                            <a:schemeClr val="tx1"/>
+                          </a:solidFill>
+                          <a:prstDash val="solid"/>
+                          <a:round/>
+                          <a:headEnd type="none" w="med" len="med"/>
+                          <a:tailEnd type="none" w="med" len="med"/>
+                        </a:lnR>
+                        <a:lnT w="12700" cap="flat" cmpd="sng" algn="ctr">
+                          <a:solidFill>
+                            <a:schemeClr val="tx1"/>
+                          </a:solidFill>
+                          <a:prstDash val="solid"/>
+                          <a:round/>
+                          <a:headEnd type="none" w="med" len="med"/>
+                          <a:tailEnd type="none" w="med" len="med"/>
+                        </a:lnT>
+                        <a:lnB w="12700" cap="flat" cmpd="sng" algn="ctr">
+                          <a:solidFill>
+                            <a:schemeClr val="tx1"/>
+                          </a:solidFill>
+                          <a:prstDash val="solid"/>
+                          <a:round/>
+                          <a:headEnd type="none" w="med" len="med"/>
+                          <a:tailEnd type="none" w="med" len="med"/>
+                        </a:lnB>
+                      </a:tcPr>
                     </a:tc>
                     <a:extLst>
                       <a:ext uri="{0D108BD9-81ED-4DB2-BD59-A6C34878D82A}">
@@ -8089,7 +10417,44 @@
                           </a:endParaRPr>
                         </a:p>
                       </a:txBody>
-                      <a:tcPr marL="68580" marR="68580" marT="0" marB="0" anchor="ctr"/>
+                      <a:tcPr marL="68580" marR="68580" marT="0" marB="0" anchor="ctr">
+                        <a:lnL w="12700" cap="flat" cmpd="sng" algn="ctr">
+                          <a:solidFill>
+                            <a:schemeClr val="tx1"/>
+                          </a:solidFill>
+                          <a:prstDash val="solid"/>
+                          <a:round/>
+                          <a:headEnd type="none" w="med" len="med"/>
+                          <a:tailEnd type="none" w="med" len="med"/>
+                        </a:lnL>
+                        <a:lnR w="12700" cap="flat" cmpd="sng" algn="ctr">
+                          <a:solidFill>
+                            <a:schemeClr val="tx1"/>
+                          </a:solidFill>
+                          <a:prstDash val="solid"/>
+                          <a:round/>
+                          <a:headEnd type="none" w="med" len="med"/>
+                          <a:tailEnd type="none" w="med" len="med"/>
+                        </a:lnR>
+                        <a:lnT w="12700" cap="flat" cmpd="sng" algn="ctr">
+                          <a:solidFill>
+                            <a:schemeClr val="tx1"/>
+                          </a:solidFill>
+                          <a:prstDash val="solid"/>
+                          <a:round/>
+                          <a:headEnd type="none" w="med" len="med"/>
+                          <a:tailEnd type="none" w="med" len="med"/>
+                        </a:lnT>
+                        <a:lnB w="12700" cap="flat" cmpd="sng" algn="ctr">
+                          <a:solidFill>
+                            <a:schemeClr val="tx1"/>
+                          </a:solidFill>
+                          <a:prstDash val="solid"/>
+                          <a:round/>
+                          <a:headEnd type="none" w="med" len="med"/>
+                          <a:tailEnd type="none" w="med" len="med"/>
+                        </a:lnB>
+                      </a:tcPr>
                     </a:tc>
                     <a:tc>
                       <a:txBody>
@@ -8120,7 +10485,44 @@
                           </a:endParaRPr>
                         </a:p>
                       </a:txBody>
-                      <a:tcPr marL="68580" marR="68580" marT="0" marB="0" anchor="ctr"/>
+                      <a:tcPr marL="68580" marR="68580" marT="0" marB="0" anchor="ctr">
+                        <a:lnL w="12700" cap="flat" cmpd="sng" algn="ctr">
+                          <a:solidFill>
+                            <a:schemeClr val="tx1"/>
+                          </a:solidFill>
+                          <a:prstDash val="solid"/>
+                          <a:round/>
+                          <a:headEnd type="none" w="med" len="med"/>
+                          <a:tailEnd type="none" w="med" len="med"/>
+                        </a:lnL>
+                        <a:lnR w="12700" cap="flat" cmpd="sng" algn="ctr">
+                          <a:solidFill>
+                            <a:schemeClr val="tx1"/>
+                          </a:solidFill>
+                          <a:prstDash val="solid"/>
+                          <a:round/>
+                          <a:headEnd type="none" w="med" len="med"/>
+                          <a:tailEnd type="none" w="med" len="med"/>
+                        </a:lnR>
+                        <a:lnT w="12700" cap="flat" cmpd="sng" algn="ctr">
+                          <a:solidFill>
+                            <a:schemeClr val="tx1"/>
+                          </a:solidFill>
+                          <a:prstDash val="solid"/>
+                          <a:round/>
+                          <a:headEnd type="none" w="med" len="med"/>
+                          <a:tailEnd type="none" w="med" len="med"/>
+                        </a:lnT>
+                        <a:lnB w="12700" cap="flat" cmpd="sng" algn="ctr">
+                          <a:solidFill>
+                            <a:schemeClr val="tx1"/>
+                          </a:solidFill>
+                          <a:prstDash val="solid"/>
+                          <a:round/>
+                          <a:headEnd type="none" w="med" len="med"/>
+                          <a:tailEnd type="none" w="med" len="med"/>
+                        </a:lnB>
+                      </a:tcPr>
                     </a:tc>
                     <a:tc>
                       <a:txBody>
@@ -8151,7 +10553,44 @@
                           </a:endParaRPr>
                         </a:p>
                       </a:txBody>
-                      <a:tcPr marL="68580" marR="68580" marT="0" marB="0" anchor="ctr"/>
+                      <a:tcPr marL="68580" marR="68580" marT="0" marB="0" anchor="ctr">
+                        <a:lnL w="12700" cap="flat" cmpd="sng" algn="ctr">
+                          <a:solidFill>
+                            <a:schemeClr val="tx1"/>
+                          </a:solidFill>
+                          <a:prstDash val="solid"/>
+                          <a:round/>
+                          <a:headEnd type="none" w="med" len="med"/>
+                          <a:tailEnd type="none" w="med" len="med"/>
+                        </a:lnL>
+                        <a:lnR w="12700" cap="flat" cmpd="sng" algn="ctr">
+                          <a:solidFill>
+                            <a:schemeClr val="tx1"/>
+                          </a:solidFill>
+                          <a:prstDash val="solid"/>
+                          <a:round/>
+                          <a:headEnd type="none" w="med" len="med"/>
+                          <a:tailEnd type="none" w="med" len="med"/>
+                        </a:lnR>
+                        <a:lnT w="12700" cap="flat" cmpd="sng" algn="ctr">
+                          <a:solidFill>
+                            <a:schemeClr val="tx1"/>
+                          </a:solidFill>
+                          <a:prstDash val="solid"/>
+                          <a:round/>
+                          <a:headEnd type="none" w="med" len="med"/>
+                          <a:tailEnd type="none" w="med" len="med"/>
+                        </a:lnT>
+                        <a:lnB w="12700" cap="flat" cmpd="sng" algn="ctr">
+                          <a:solidFill>
+                            <a:schemeClr val="tx1"/>
+                          </a:solidFill>
+                          <a:prstDash val="solid"/>
+                          <a:round/>
+                          <a:headEnd type="none" w="med" len="med"/>
+                          <a:tailEnd type="none" w="med" len="med"/>
+                        </a:lnB>
+                      </a:tcPr>
                     </a:tc>
                     <a:tc>
                       <a:txBody>
@@ -8182,7 +10621,44 @@
                           </a:endParaRPr>
                         </a:p>
                       </a:txBody>
-                      <a:tcPr marL="68580" marR="68580" marT="0" marB="0" anchor="ctr"/>
+                      <a:tcPr marL="68580" marR="68580" marT="0" marB="0" anchor="ctr">
+                        <a:lnL w="12700" cap="flat" cmpd="sng" algn="ctr">
+                          <a:solidFill>
+                            <a:schemeClr val="tx1"/>
+                          </a:solidFill>
+                          <a:prstDash val="solid"/>
+                          <a:round/>
+                          <a:headEnd type="none" w="med" len="med"/>
+                          <a:tailEnd type="none" w="med" len="med"/>
+                        </a:lnL>
+                        <a:lnR w="12700" cap="flat" cmpd="sng" algn="ctr">
+                          <a:solidFill>
+                            <a:schemeClr val="tx1"/>
+                          </a:solidFill>
+                          <a:prstDash val="solid"/>
+                          <a:round/>
+                          <a:headEnd type="none" w="med" len="med"/>
+                          <a:tailEnd type="none" w="med" len="med"/>
+                        </a:lnR>
+                        <a:lnT w="12700" cap="flat" cmpd="sng" algn="ctr">
+                          <a:solidFill>
+                            <a:schemeClr val="tx1"/>
+                          </a:solidFill>
+                          <a:prstDash val="solid"/>
+                          <a:round/>
+                          <a:headEnd type="none" w="med" len="med"/>
+                          <a:tailEnd type="none" w="med" len="med"/>
+                        </a:lnT>
+                        <a:lnB w="12700" cap="flat" cmpd="sng" algn="ctr">
+                          <a:solidFill>
+                            <a:schemeClr val="tx1"/>
+                          </a:solidFill>
+                          <a:prstDash val="solid"/>
+                          <a:round/>
+                          <a:headEnd type="none" w="med" len="med"/>
+                          <a:tailEnd type="none" w="med" len="med"/>
+                        </a:lnB>
+                      </a:tcPr>
                     </a:tc>
                     <a:tc>
                       <a:txBody>
@@ -8213,7 +10689,44 @@
                           </a:endParaRPr>
                         </a:p>
                       </a:txBody>
-                      <a:tcPr marL="68580" marR="68580" marT="0" marB="0" anchor="ctr"/>
+                      <a:tcPr marL="68580" marR="68580" marT="0" marB="0" anchor="ctr">
+                        <a:lnL w="12700" cap="flat" cmpd="sng" algn="ctr">
+                          <a:solidFill>
+                            <a:schemeClr val="tx1"/>
+                          </a:solidFill>
+                          <a:prstDash val="solid"/>
+                          <a:round/>
+                          <a:headEnd type="none" w="med" len="med"/>
+                          <a:tailEnd type="none" w="med" len="med"/>
+                        </a:lnL>
+                        <a:lnR w="12700" cap="flat" cmpd="sng" algn="ctr">
+                          <a:solidFill>
+                            <a:schemeClr val="tx1"/>
+                          </a:solidFill>
+                          <a:prstDash val="solid"/>
+                          <a:round/>
+                          <a:headEnd type="none" w="med" len="med"/>
+                          <a:tailEnd type="none" w="med" len="med"/>
+                        </a:lnR>
+                        <a:lnT w="12700" cap="flat" cmpd="sng" algn="ctr">
+                          <a:solidFill>
+                            <a:schemeClr val="tx1"/>
+                          </a:solidFill>
+                          <a:prstDash val="solid"/>
+                          <a:round/>
+                          <a:headEnd type="none" w="med" len="med"/>
+                          <a:tailEnd type="none" w="med" len="med"/>
+                        </a:lnT>
+                        <a:lnB w="12700" cap="flat" cmpd="sng" algn="ctr">
+                          <a:solidFill>
+                            <a:schemeClr val="tx1"/>
+                          </a:solidFill>
+                          <a:prstDash val="solid"/>
+                          <a:round/>
+                          <a:headEnd type="none" w="med" len="med"/>
+                          <a:tailEnd type="none" w="med" len="med"/>
+                        </a:lnB>
+                      </a:tcPr>
                     </a:tc>
                     <a:tc>
                       <a:txBody>
@@ -8244,7 +10757,44 @@
                           </a:endParaRPr>
                         </a:p>
                       </a:txBody>
-                      <a:tcPr marL="68580" marR="68580" marT="0" marB="0" anchor="ctr"/>
+                      <a:tcPr marL="68580" marR="68580" marT="0" marB="0" anchor="ctr">
+                        <a:lnL w="12700" cap="flat" cmpd="sng" algn="ctr">
+                          <a:solidFill>
+                            <a:schemeClr val="tx1"/>
+                          </a:solidFill>
+                          <a:prstDash val="solid"/>
+                          <a:round/>
+                          <a:headEnd type="none" w="med" len="med"/>
+                          <a:tailEnd type="none" w="med" len="med"/>
+                        </a:lnL>
+                        <a:lnR w="12700" cap="flat" cmpd="sng" algn="ctr">
+                          <a:solidFill>
+                            <a:schemeClr val="tx1"/>
+                          </a:solidFill>
+                          <a:prstDash val="solid"/>
+                          <a:round/>
+                          <a:headEnd type="none" w="med" len="med"/>
+                          <a:tailEnd type="none" w="med" len="med"/>
+                        </a:lnR>
+                        <a:lnT w="12700" cap="flat" cmpd="sng" algn="ctr">
+                          <a:solidFill>
+                            <a:schemeClr val="tx1"/>
+                          </a:solidFill>
+                          <a:prstDash val="solid"/>
+                          <a:round/>
+                          <a:headEnd type="none" w="med" len="med"/>
+                          <a:tailEnd type="none" w="med" len="med"/>
+                        </a:lnT>
+                        <a:lnB w="12700" cap="flat" cmpd="sng" algn="ctr">
+                          <a:solidFill>
+                            <a:schemeClr val="tx1"/>
+                          </a:solidFill>
+                          <a:prstDash val="solid"/>
+                          <a:round/>
+                          <a:headEnd type="none" w="med" len="med"/>
+                          <a:tailEnd type="none" w="med" len="med"/>
+                        </a:lnB>
+                      </a:tcPr>
                     </a:tc>
                     <a:tc>
                       <a:txBody>
@@ -8275,7 +10825,44 @@
                           </a:endParaRPr>
                         </a:p>
                       </a:txBody>
-                      <a:tcPr marL="68580" marR="68580" marT="0" marB="0" anchor="ctr"/>
+                      <a:tcPr marL="68580" marR="68580" marT="0" marB="0" anchor="ctr">
+                        <a:lnL w="12700" cap="flat" cmpd="sng" algn="ctr">
+                          <a:solidFill>
+                            <a:schemeClr val="tx1"/>
+                          </a:solidFill>
+                          <a:prstDash val="solid"/>
+                          <a:round/>
+                          <a:headEnd type="none" w="med" len="med"/>
+                          <a:tailEnd type="none" w="med" len="med"/>
+                        </a:lnL>
+                        <a:lnR w="12700" cap="flat" cmpd="sng" algn="ctr">
+                          <a:solidFill>
+                            <a:schemeClr val="tx1"/>
+                          </a:solidFill>
+                          <a:prstDash val="solid"/>
+                          <a:round/>
+                          <a:headEnd type="none" w="med" len="med"/>
+                          <a:tailEnd type="none" w="med" len="med"/>
+                        </a:lnR>
+                        <a:lnT w="12700" cap="flat" cmpd="sng" algn="ctr">
+                          <a:solidFill>
+                            <a:schemeClr val="tx1"/>
+                          </a:solidFill>
+                          <a:prstDash val="solid"/>
+                          <a:round/>
+                          <a:headEnd type="none" w="med" len="med"/>
+                          <a:tailEnd type="none" w="med" len="med"/>
+                        </a:lnT>
+                        <a:lnB w="12700" cap="flat" cmpd="sng" algn="ctr">
+                          <a:solidFill>
+                            <a:schemeClr val="tx1"/>
+                          </a:solidFill>
+                          <a:prstDash val="solid"/>
+                          <a:round/>
+                          <a:headEnd type="none" w="med" len="med"/>
+                          <a:tailEnd type="none" w="med" len="med"/>
+                        </a:lnB>
+                      </a:tcPr>
                     </a:tc>
                     <a:extLst>
                       <a:ext uri="{0D108BD9-81ED-4DB2-BD59-A6C34878D82A}">
@@ -8288,7 +10875,7 @@
             </a:graphic>
           </p:graphicFrame>
         </mc:Choice>
-        <mc:Fallback>
+        <mc:Fallback xmlns="">
           <p:graphicFrame>
             <p:nvGraphicFramePr>
               <p:cNvPr id="11" name="Table 10">
@@ -8304,7 +10891,7 @@
               <p:nvPr>
                 <p:extLst>
                   <p:ext uri="{D42A27DB-BD31-4B8C-83A1-F6EECF244321}">
-                    <p14:modId xmlns:p14="http://schemas.microsoft.com/office/powerpoint/2010/main" val="3940499839"/>
+                    <p14:modId xmlns:p14="http://schemas.microsoft.com/office/powerpoint/2010/main" val="1899836035"/>
                   </p:ext>
                 </p:extLst>
               </p:nvPr>
@@ -8400,7 +10987,44 @@
                           </a:endParaRPr>
                         </a:p>
                       </a:txBody>
-                      <a:tcPr marL="68580" marR="68580" marT="0" marB="0" anchor="ctr"/>
+                      <a:tcPr marL="68580" marR="68580" marT="0" marB="0" anchor="ctr">
+                        <a:lnL w="12700" cap="flat" cmpd="sng" algn="ctr">
+                          <a:solidFill>
+                            <a:schemeClr val="tx1"/>
+                          </a:solidFill>
+                          <a:prstDash val="solid"/>
+                          <a:round/>
+                          <a:headEnd type="none" w="med" len="med"/>
+                          <a:tailEnd type="none" w="med" len="med"/>
+                        </a:lnL>
+                        <a:lnR w="12700" cap="flat" cmpd="sng" algn="ctr">
+                          <a:solidFill>
+                            <a:schemeClr val="tx1"/>
+                          </a:solidFill>
+                          <a:prstDash val="solid"/>
+                          <a:round/>
+                          <a:headEnd type="none" w="med" len="med"/>
+                          <a:tailEnd type="none" w="med" len="med"/>
+                        </a:lnR>
+                        <a:lnT w="12700" cap="flat" cmpd="sng" algn="ctr">
+                          <a:solidFill>
+                            <a:schemeClr val="tx1"/>
+                          </a:solidFill>
+                          <a:prstDash val="solid"/>
+                          <a:round/>
+                          <a:headEnd type="none" w="med" len="med"/>
+                          <a:tailEnd type="none" w="med" len="med"/>
+                        </a:lnT>
+                        <a:lnB w="12700" cap="flat" cmpd="sng" algn="ctr">
+                          <a:solidFill>
+                            <a:schemeClr val="tx1"/>
+                          </a:solidFill>
+                          <a:prstDash val="solid"/>
+                          <a:round/>
+                          <a:headEnd type="none" w="med" len="med"/>
+                          <a:tailEnd type="none" w="med" len="med"/>
+                        </a:lnB>
+                      </a:tcPr>
                     </a:tc>
                     <a:tc>
                       <a:txBody>
@@ -8437,7 +11061,44 @@
                           </a:endParaRPr>
                         </a:p>
                       </a:txBody>
-                      <a:tcPr anchor="ctr"/>
+                      <a:tcPr anchor="ctr">
+                        <a:lnL w="12700" cap="flat" cmpd="sng" algn="ctr">
+                          <a:solidFill>
+                            <a:schemeClr val="tx1"/>
+                          </a:solidFill>
+                          <a:prstDash val="solid"/>
+                          <a:round/>
+                          <a:headEnd type="none" w="med" len="med"/>
+                          <a:tailEnd type="none" w="med" len="med"/>
+                        </a:lnL>
+                        <a:lnR w="12700" cap="flat" cmpd="sng" algn="ctr">
+                          <a:solidFill>
+                            <a:schemeClr val="tx1"/>
+                          </a:solidFill>
+                          <a:prstDash val="solid"/>
+                          <a:round/>
+                          <a:headEnd type="none" w="med" len="med"/>
+                          <a:tailEnd type="none" w="med" len="med"/>
+                        </a:lnR>
+                        <a:lnT w="12700" cap="flat" cmpd="sng" algn="ctr">
+                          <a:solidFill>
+                            <a:schemeClr val="tx1"/>
+                          </a:solidFill>
+                          <a:prstDash val="solid"/>
+                          <a:round/>
+                          <a:headEnd type="none" w="med" len="med"/>
+                          <a:tailEnd type="none" w="med" len="med"/>
+                        </a:lnT>
+                        <a:lnB w="12700" cap="flat" cmpd="sng" algn="ctr">
+                          <a:solidFill>
+                            <a:schemeClr val="tx1"/>
+                          </a:solidFill>
+                          <a:prstDash val="solid"/>
+                          <a:round/>
+                          <a:headEnd type="none" w="med" len="med"/>
+                          <a:tailEnd type="none" w="med" len="med"/>
+                        </a:lnB>
+                      </a:tcPr>
                     </a:tc>
                     <a:tc>
                       <a:txBody>
@@ -8448,10 +11109,46 @@
                         </a:p>
                       </a:txBody>
                       <a:tcPr anchor="ctr">
+                        <a:lnL w="12700" cap="flat" cmpd="sng" algn="ctr">
+                          <a:solidFill>
+                            <a:schemeClr val="tx1"/>
+                          </a:solidFill>
+                          <a:prstDash val="solid"/>
+                          <a:round/>
+                          <a:headEnd type="none" w="med" len="med"/>
+                          <a:tailEnd type="none" w="med" len="med"/>
+                        </a:lnL>
+                        <a:lnR w="12700" cap="flat" cmpd="sng" algn="ctr">
+                          <a:solidFill>
+                            <a:schemeClr val="tx1"/>
+                          </a:solidFill>
+                          <a:prstDash val="solid"/>
+                          <a:round/>
+                          <a:headEnd type="none" w="med" len="med"/>
+                          <a:tailEnd type="none" w="med" len="med"/>
+                        </a:lnR>
+                        <a:lnT w="12700" cap="flat" cmpd="sng" algn="ctr">
+                          <a:solidFill>
+                            <a:schemeClr val="tx1"/>
+                          </a:solidFill>
+                          <a:prstDash val="solid"/>
+                          <a:round/>
+                          <a:headEnd type="none" w="med" len="med"/>
+                          <a:tailEnd type="none" w="med" len="med"/>
+                        </a:lnT>
+                        <a:lnB w="12700" cap="flat" cmpd="sng" algn="ctr">
+                          <a:solidFill>
+                            <a:schemeClr val="tx1"/>
+                          </a:solidFill>
+                          <a:prstDash val="solid"/>
+                          <a:round/>
+                          <a:headEnd type="none" w="med" len="med"/>
+                          <a:tailEnd type="none" w="med" len="med"/>
+                        </a:lnB>
                         <a:blipFill>
                           <a:blip r:embed="rId2"/>
                           <a:stretch>
-                            <a:fillRect l="-501980" t="-4762" r="-338614" b="-803810"/>
+                            <a:fillRect l="-502475" t="-4762" r="-339109" b="-803810"/>
                           </a:stretch>
                         </a:blipFill>
                       </a:tcPr>
@@ -8491,7 +11188,44 @@
                           </a:endParaRPr>
                         </a:p>
                       </a:txBody>
-                      <a:tcPr anchor="ctr"/>
+                      <a:tcPr anchor="ctr">
+                        <a:lnL w="12700" cap="flat" cmpd="sng" algn="ctr">
+                          <a:solidFill>
+                            <a:schemeClr val="tx1"/>
+                          </a:solidFill>
+                          <a:prstDash val="solid"/>
+                          <a:round/>
+                          <a:headEnd type="none" w="med" len="med"/>
+                          <a:tailEnd type="none" w="med" len="med"/>
+                        </a:lnL>
+                        <a:lnR w="12700" cap="flat" cmpd="sng" algn="ctr">
+                          <a:solidFill>
+                            <a:schemeClr val="tx1"/>
+                          </a:solidFill>
+                          <a:prstDash val="solid"/>
+                          <a:round/>
+                          <a:headEnd type="none" w="med" len="med"/>
+                          <a:tailEnd type="none" w="med" len="med"/>
+                        </a:lnR>
+                        <a:lnT w="12700" cap="flat" cmpd="sng" algn="ctr">
+                          <a:solidFill>
+                            <a:schemeClr val="tx1"/>
+                          </a:solidFill>
+                          <a:prstDash val="solid"/>
+                          <a:round/>
+                          <a:headEnd type="none" w="med" len="med"/>
+                          <a:tailEnd type="none" w="med" len="med"/>
+                        </a:lnT>
+                        <a:lnB w="12700" cap="flat" cmpd="sng" algn="ctr">
+                          <a:solidFill>
+                            <a:schemeClr val="tx1"/>
+                          </a:solidFill>
+                          <a:prstDash val="solid"/>
+                          <a:round/>
+                          <a:headEnd type="none" w="med" len="med"/>
+                          <a:tailEnd type="none" w="med" len="med"/>
+                        </a:lnB>
+                      </a:tcPr>
                     </a:tc>
                     <a:tc>
                       <a:txBody>
@@ -8502,10 +11236,46 @@
                         </a:p>
                       </a:txBody>
                       <a:tcPr anchor="ctr">
+                        <a:lnL w="12700" cap="flat" cmpd="sng" algn="ctr">
+                          <a:solidFill>
+                            <a:schemeClr val="tx1"/>
+                          </a:solidFill>
+                          <a:prstDash val="solid"/>
+                          <a:round/>
+                          <a:headEnd type="none" w="med" len="med"/>
+                          <a:tailEnd type="none" w="med" len="med"/>
+                        </a:lnL>
+                        <a:lnR w="12700" cap="flat" cmpd="sng" algn="ctr">
+                          <a:solidFill>
+                            <a:schemeClr val="tx1"/>
+                          </a:solidFill>
+                          <a:prstDash val="solid"/>
+                          <a:round/>
+                          <a:headEnd type="none" w="med" len="med"/>
+                          <a:tailEnd type="none" w="med" len="med"/>
+                        </a:lnR>
+                        <a:lnT w="12700" cap="flat" cmpd="sng" algn="ctr">
+                          <a:solidFill>
+                            <a:schemeClr val="tx1"/>
+                          </a:solidFill>
+                          <a:prstDash val="solid"/>
+                          <a:round/>
+                          <a:headEnd type="none" w="med" len="med"/>
+                          <a:tailEnd type="none" w="med" len="med"/>
+                        </a:lnT>
+                        <a:lnB w="12700" cap="flat" cmpd="sng" algn="ctr">
+                          <a:solidFill>
+                            <a:schemeClr val="tx1"/>
+                          </a:solidFill>
+                          <a:prstDash val="solid"/>
+                          <a:round/>
+                          <a:headEnd type="none" w="med" len="med"/>
+                          <a:tailEnd type="none" w="med" len="med"/>
+                        </a:lnB>
                         <a:blipFill>
                           <a:blip r:embed="rId2"/>
                           <a:stretch>
-                            <a:fillRect l="-604110" t="-4762" r="-163470" b="-803810"/>
+                            <a:fillRect l="-604566" t="-4762" r="-163927" b="-803810"/>
                           </a:stretch>
                         </a:blipFill>
                       </a:tcPr>
@@ -8545,7 +11315,44 @@
                           </a:endParaRPr>
                         </a:p>
                       </a:txBody>
-                      <a:tcPr anchor="ctr"/>
+                      <a:tcPr anchor="ctr">
+                        <a:lnL w="12700" cap="flat" cmpd="sng" algn="ctr">
+                          <a:solidFill>
+                            <a:schemeClr val="tx1"/>
+                          </a:solidFill>
+                          <a:prstDash val="solid"/>
+                          <a:round/>
+                          <a:headEnd type="none" w="med" len="med"/>
+                          <a:tailEnd type="none" w="med" len="med"/>
+                        </a:lnL>
+                        <a:lnR w="12700" cap="flat" cmpd="sng" algn="ctr">
+                          <a:solidFill>
+                            <a:schemeClr val="tx1"/>
+                          </a:solidFill>
+                          <a:prstDash val="solid"/>
+                          <a:round/>
+                          <a:headEnd type="none" w="med" len="med"/>
+                          <a:tailEnd type="none" w="med" len="med"/>
+                        </a:lnR>
+                        <a:lnT w="12700" cap="flat" cmpd="sng" algn="ctr">
+                          <a:solidFill>
+                            <a:schemeClr val="tx1"/>
+                          </a:solidFill>
+                          <a:prstDash val="solid"/>
+                          <a:round/>
+                          <a:headEnd type="none" w="med" len="med"/>
+                          <a:tailEnd type="none" w="med" len="med"/>
+                        </a:lnT>
+                        <a:lnB w="12700" cap="flat" cmpd="sng" algn="ctr">
+                          <a:solidFill>
+                            <a:schemeClr val="tx1"/>
+                          </a:solidFill>
+                          <a:prstDash val="solid"/>
+                          <a:round/>
+                          <a:headEnd type="none" w="med" len="med"/>
+                          <a:tailEnd type="none" w="med" len="med"/>
+                        </a:lnB>
+                      </a:tcPr>
                     </a:tc>
                     <a:tc>
                       <a:txBody>
@@ -8556,10 +11363,46 @@
                         </a:p>
                       </a:txBody>
                       <a:tcPr anchor="ctr">
+                        <a:lnL w="12700" cap="flat" cmpd="sng" algn="ctr">
+                          <a:solidFill>
+                            <a:schemeClr val="tx1"/>
+                          </a:solidFill>
+                          <a:prstDash val="solid"/>
+                          <a:round/>
+                          <a:headEnd type="none" w="med" len="med"/>
+                          <a:tailEnd type="none" w="med" len="med"/>
+                        </a:lnL>
+                        <a:lnR w="12700" cap="flat" cmpd="sng" algn="ctr">
+                          <a:solidFill>
+                            <a:schemeClr val="tx1"/>
+                          </a:solidFill>
+                          <a:prstDash val="solid"/>
+                          <a:round/>
+                          <a:headEnd type="none" w="med" len="med"/>
+                          <a:tailEnd type="none" w="med" len="med"/>
+                        </a:lnR>
+                        <a:lnT w="12700" cap="flat" cmpd="sng" algn="ctr">
+                          <a:solidFill>
+                            <a:schemeClr val="tx1"/>
+                          </a:solidFill>
+                          <a:prstDash val="solid"/>
+                          <a:round/>
+                          <a:headEnd type="none" w="med" len="med"/>
+                          <a:tailEnd type="none" w="med" len="med"/>
+                        </a:lnT>
+                        <a:lnB w="12700" cap="flat" cmpd="sng" algn="ctr">
+                          <a:solidFill>
+                            <a:schemeClr val="tx1"/>
+                          </a:solidFill>
+                          <a:prstDash val="solid"/>
+                          <a:round/>
+                          <a:headEnd type="none" w="med" len="med"/>
+                          <a:tailEnd type="none" w="med" len="med"/>
+                        </a:lnB>
                         <a:blipFill>
                           <a:blip r:embed="rId2"/>
                           <a:stretch>
-                            <a:fillRect l="-715021" t="-4762" r="-429" b="-803810"/>
+                            <a:fillRect l="-715451" t="-4762" r="-858" b="-803810"/>
                           </a:stretch>
                         </a:blipFill>
                       </a:tcPr>
@@ -8600,7 +11443,44 @@
                           </a:endParaRPr>
                         </a:p>
                       </a:txBody>
-                      <a:tcPr marL="68580" marR="68580" marT="0" marB="0" anchor="ctr"/>
+                      <a:tcPr marL="68580" marR="68580" marT="0" marB="0" anchor="ctr">
+                        <a:lnL w="12700" cap="flat" cmpd="sng" algn="ctr">
+                          <a:solidFill>
+                            <a:schemeClr val="tx1"/>
+                          </a:solidFill>
+                          <a:prstDash val="solid"/>
+                          <a:round/>
+                          <a:headEnd type="none" w="med" len="med"/>
+                          <a:tailEnd type="none" w="med" len="med"/>
+                        </a:lnL>
+                        <a:lnR w="12700" cap="flat" cmpd="sng" algn="ctr">
+                          <a:solidFill>
+                            <a:schemeClr val="tx1"/>
+                          </a:solidFill>
+                          <a:prstDash val="solid"/>
+                          <a:round/>
+                          <a:headEnd type="none" w="med" len="med"/>
+                          <a:tailEnd type="none" w="med" len="med"/>
+                        </a:lnR>
+                        <a:lnT w="12700" cap="flat" cmpd="sng" algn="ctr">
+                          <a:solidFill>
+                            <a:schemeClr val="tx1"/>
+                          </a:solidFill>
+                          <a:prstDash val="solid"/>
+                          <a:round/>
+                          <a:headEnd type="none" w="med" len="med"/>
+                          <a:tailEnd type="none" w="med" len="med"/>
+                        </a:lnT>
+                        <a:lnB w="12700" cap="flat" cmpd="sng" algn="ctr">
+                          <a:solidFill>
+                            <a:schemeClr val="tx1"/>
+                          </a:solidFill>
+                          <a:prstDash val="solid"/>
+                          <a:round/>
+                          <a:headEnd type="none" w="med" len="med"/>
+                          <a:tailEnd type="none" w="med" len="med"/>
+                        </a:lnB>
+                      </a:tcPr>
                     </a:tc>
                     <a:tc>
                       <a:txBody>
@@ -8631,7 +11511,44 @@
                           </a:endParaRPr>
                         </a:p>
                       </a:txBody>
-                      <a:tcPr marL="68580" marR="68580" marT="0" marB="0" anchor="ctr"/>
+                      <a:tcPr marL="68580" marR="68580" marT="0" marB="0" anchor="ctr">
+                        <a:lnL w="12700" cap="flat" cmpd="sng" algn="ctr">
+                          <a:solidFill>
+                            <a:schemeClr val="tx1"/>
+                          </a:solidFill>
+                          <a:prstDash val="solid"/>
+                          <a:round/>
+                          <a:headEnd type="none" w="med" len="med"/>
+                          <a:tailEnd type="none" w="med" len="med"/>
+                        </a:lnL>
+                        <a:lnR w="12700" cap="flat" cmpd="sng" algn="ctr">
+                          <a:solidFill>
+                            <a:schemeClr val="tx1"/>
+                          </a:solidFill>
+                          <a:prstDash val="solid"/>
+                          <a:round/>
+                          <a:headEnd type="none" w="med" len="med"/>
+                          <a:tailEnd type="none" w="med" len="med"/>
+                        </a:lnR>
+                        <a:lnT w="12700" cap="flat" cmpd="sng" algn="ctr">
+                          <a:solidFill>
+                            <a:schemeClr val="tx1"/>
+                          </a:solidFill>
+                          <a:prstDash val="solid"/>
+                          <a:round/>
+                          <a:headEnd type="none" w="med" len="med"/>
+                          <a:tailEnd type="none" w="med" len="med"/>
+                        </a:lnT>
+                        <a:lnB w="12700" cap="flat" cmpd="sng" algn="ctr">
+                          <a:solidFill>
+                            <a:schemeClr val="tx1"/>
+                          </a:solidFill>
+                          <a:prstDash val="solid"/>
+                          <a:round/>
+                          <a:headEnd type="none" w="med" len="med"/>
+                          <a:tailEnd type="none" w="med" len="med"/>
+                        </a:lnB>
+                      </a:tcPr>
                     </a:tc>
                     <a:tc>
                       <a:txBody>
@@ -8663,6 +11580,42 @@
                         </a:p>
                       </a:txBody>
                       <a:tcPr marL="68580" marR="68580" marT="0" marB="0" anchor="ctr">
+                        <a:lnL w="12700" cap="flat" cmpd="sng" algn="ctr">
+                          <a:solidFill>
+                            <a:schemeClr val="tx1"/>
+                          </a:solidFill>
+                          <a:prstDash val="solid"/>
+                          <a:round/>
+                          <a:headEnd type="none" w="med" len="med"/>
+                          <a:tailEnd type="none" w="med" len="med"/>
+                        </a:lnL>
+                        <a:lnR w="12700" cap="flat" cmpd="sng" algn="ctr">
+                          <a:solidFill>
+                            <a:schemeClr val="tx1"/>
+                          </a:solidFill>
+                          <a:prstDash val="solid"/>
+                          <a:round/>
+                          <a:headEnd type="none" w="med" len="med"/>
+                          <a:tailEnd type="none" w="med" len="med"/>
+                        </a:lnR>
+                        <a:lnT w="12700" cap="flat" cmpd="sng" algn="ctr">
+                          <a:solidFill>
+                            <a:schemeClr val="tx1"/>
+                          </a:solidFill>
+                          <a:prstDash val="solid"/>
+                          <a:round/>
+                          <a:headEnd type="none" w="med" len="med"/>
+                          <a:tailEnd type="none" w="med" len="med"/>
+                        </a:lnT>
+                        <a:lnB w="12700" cap="flat" cmpd="sng" algn="ctr">
+                          <a:solidFill>
+                            <a:schemeClr val="tx1"/>
+                          </a:solidFill>
+                          <a:prstDash val="solid"/>
+                          <a:round/>
+                          <a:headEnd type="none" w="med" len="med"/>
+                          <a:tailEnd type="none" w="med" len="med"/>
+                        </a:lnB>
                         <a:solidFill>
                           <a:srgbClr val="92D050"/>
                         </a:solidFill>
@@ -8697,7 +11650,44 @@
                           </a:endParaRPr>
                         </a:p>
                       </a:txBody>
-                      <a:tcPr marL="68580" marR="68580" marT="0" marB="0" anchor="ctr"/>
+                      <a:tcPr marL="68580" marR="68580" marT="0" marB="0" anchor="ctr">
+                        <a:lnL w="12700" cap="flat" cmpd="sng" algn="ctr">
+                          <a:solidFill>
+                            <a:schemeClr val="tx1"/>
+                          </a:solidFill>
+                          <a:prstDash val="solid"/>
+                          <a:round/>
+                          <a:headEnd type="none" w="med" len="med"/>
+                          <a:tailEnd type="none" w="med" len="med"/>
+                        </a:lnL>
+                        <a:lnR w="12700" cap="flat" cmpd="sng" algn="ctr">
+                          <a:solidFill>
+                            <a:schemeClr val="tx1"/>
+                          </a:solidFill>
+                          <a:prstDash val="solid"/>
+                          <a:round/>
+                          <a:headEnd type="none" w="med" len="med"/>
+                          <a:tailEnd type="none" w="med" len="med"/>
+                        </a:lnR>
+                        <a:lnT w="12700" cap="flat" cmpd="sng" algn="ctr">
+                          <a:solidFill>
+                            <a:schemeClr val="tx1"/>
+                          </a:solidFill>
+                          <a:prstDash val="solid"/>
+                          <a:round/>
+                          <a:headEnd type="none" w="med" len="med"/>
+                          <a:tailEnd type="none" w="med" len="med"/>
+                        </a:lnT>
+                        <a:lnB w="12700" cap="flat" cmpd="sng" algn="ctr">
+                          <a:solidFill>
+                            <a:schemeClr val="tx1"/>
+                          </a:solidFill>
+                          <a:prstDash val="solid"/>
+                          <a:round/>
+                          <a:headEnd type="none" w="med" len="med"/>
+                          <a:tailEnd type="none" w="med" len="med"/>
+                        </a:lnB>
+                      </a:tcPr>
                     </a:tc>
                     <a:tc>
                       <a:txBody>
@@ -8729,6 +11719,42 @@
                         </a:p>
                       </a:txBody>
                       <a:tcPr marL="68580" marR="68580" marT="0" marB="0" anchor="ctr">
+                        <a:lnL w="12700" cap="flat" cmpd="sng" algn="ctr">
+                          <a:solidFill>
+                            <a:schemeClr val="tx1"/>
+                          </a:solidFill>
+                          <a:prstDash val="solid"/>
+                          <a:round/>
+                          <a:headEnd type="none" w="med" len="med"/>
+                          <a:tailEnd type="none" w="med" len="med"/>
+                        </a:lnL>
+                        <a:lnR w="12700" cap="flat" cmpd="sng" algn="ctr">
+                          <a:solidFill>
+                            <a:schemeClr val="tx1"/>
+                          </a:solidFill>
+                          <a:prstDash val="solid"/>
+                          <a:round/>
+                          <a:headEnd type="none" w="med" len="med"/>
+                          <a:tailEnd type="none" w="med" len="med"/>
+                        </a:lnR>
+                        <a:lnT w="12700" cap="flat" cmpd="sng" algn="ctr">
+                          <a:solidFill>
+                            <a:schemeClr val="tx1"/>
+                          </a:solidFill>
+                          <a:prstDash val="solid"/>
+                          <a:round/>
+                          <a:headEnd type="none" w="med" len="med"/>
+                          <a:tailEnd type="none" w="med" len="med"/>
+                        </a:lnT>
+                        <a:lnB w="12700" cap="flat" cmpd="sng" algn="ctr">
+                          <a:solidFill>
+                            <a:schemeClr val="tx1"/>
+                          </a:solidFill>
+                          <a:prstDash val="solid"/>
+                          <a:round/>
+                          <a:headEnd type="none" w="med" len="med"/>
+                          <a:tailEnd type="none" w="med" len="med"/>
+                        </a:lnB>
                         <a:solidFill>
                           <a:srgbClr val="92D050"/>
                         </a:solidFill>
@@ -8763,7 +11789,44 @@
                           </a:endParaRPr>
                         </a:p>
                       </a:txBody>
-                      <a:tcPr marL="68580" marR="68580" marT="0" marB="0" anchor="ctr"/>
+                      <a:tcPr marL="68580" marR="68580" marT="0" marB="0" anchor="ctr">
+                        <a:lnL w="12700" cap="flat" cmpd="sng" algn="ctr">
+                          <a:solidFill>
+                            <a:schemeClr val="tx1"/>
+                          </a:solidFill>
+                          <a:prstDash val="solid"/>
+                          <a:round/>
+                          <a:headEnd type="none" w="med" len="med"/>
+                          <a:tailEnd type="none" w="med" len="med"/>
+                        </a:lnL>
+                        <a:lnR w="12700" cap="flat" cmpd="sng" algn="ctr">
+                          <a:solidFill>
+                            <a:schemeClr val="tx1"/>
+                          </a:solidFill>
+                          <a:prstDash val="solid"/>
+                          <a:round/>
+                          <a:headEnd type="none" w="med" len="med"/>
+                          <a:tailEnd type="none" w="med" len="med"/>
+                        </a:lnR>
+                        <a:lnT w="12700" cap="flat" cmpd="sng" algn="ctr">
+                          <a:solidFill>
+                            <a:schemeClr val="tx1"/>
+                          </a:solidFill>
+                          <a:prstDash val="solid"/>
+                          <a:round/>
+                          <a:headEnd type="none" w="med" len="med"/>
+                          <a:tailEnd type="none" w="med" len="med"/>
+                        </a:lnT>
+                        <a:lnB w="12700" cap="flat" cmpd="sng" algn="ctr">
+                          <a:solidFill>
+                            <a:schemeClr val="tx1"/>
+                          </a:solidFill>
+                          <a:prstDash val="solid"/>
+                          <a:round/>
+                          <a:headEnd type="none" w="med" len="med"/>
+                          <a:tailEnd type="none" w="med" len="med"/>
+                        </a:lnB>
+                      </a:tcPr>
                     </a:tc>
                     <a:tc>
                       <a:txBody>
@@ -8795,6 +11858,42 @@
                         </a:p>
                       </a:txBody>
                       <a:tcPr marL="68580" marR="68580" marT="0" marB="0" anchor="ctr">
+                        <a:lnL w="12700" cap="flat" cmpd="sng" algn="ctr">
+                          <a:solidFill>
+                            <a:schemeClr val="tx1"/>
+                          </a:solidFill>
+                          <a:prstDash val="solid"/>
+                          <a:round/>
+                          <a:headEnd type="none" w="med" len="med"/>
+                          <a:tailEnd type="none" w="med" len="med"/>
+                        </a:lnL>
+                        <a:lnR w="12700" cap="flat" cmpd="sng" algn="ctr">
+                          <a:solidFill>
+                            <a:schemeClr val="tx1"/>
+                          </a:solidFill>
+                          <a:prstDash val="solid"/>
+                          <a:round/>
+                          <a:headEnd type="none" w="med" len="med"/>
+                          <a:tailEnd type="none" w="med" len="med"/>
+                        </a:lnR>
+                        <a:lnT w="12700" cap="flat" cmpd="sng" algn="ctr">
+                          <a:solidFill>
+                            <a:schemeClr val="tx1"/>
+                          </a:solidFill>
+                          <a:prstDash val="solid"/>
+                          <a:round/>
+                          <a:headEnd type="none" w="med" len="med"/>
+                          <a:tailEnd type="none" w="med" len="med"/>
+                        </a:lnT>
+                        <a:lnB w="12700" cap="flat" cmpd="sng" algn="ctr">
+                          <a:solidFill>
+                            <a:schemeClr val="tx1"/>
+                          </a:solidFill>
+                          <a:prstDash val="solid"/>
+                          <a:round/>
+                          <a:headEnd type="none" w="med" len="med"/>
+                          <a:tailEnd type="none" w="med" len="med"/>
+                        </a:lnB>
                         <a:solidFill>
                           <a:srgbClr val="92D050"/>
                         </a:solidFill>
@@ -8836,7 +11935,44 @@
                           </a:endParaRPr>
                         </a:p>
                       </a:txBody>
-                      <a:tcPr marL="68580" marR="68580" marT="0" marB="0" anchor="ctr"/>
+                      <a:tcPr marL="68580" marR="68580" marT="0" marB="0" anchor="ctr">
+                        <a:lnL w="12700" cap="flat" cmpd="sng" algn="ctr">
+                          <a:solidFill>
+                            <a:schemeClr val="tx1"/>
+                          </a:solidFill>
+                          <a:prstDash val="solid"/>
+                          <a:round/>
+                          <a:headEnd type="none" w="med" len="med"/>
+                          <a:tailEnd type="none" w="med" len="med"/>
+                        </a:lnL>
+                        <a:lnR w="12700" cap="flat" cmpd="sng" algn="ctr">
+                          <a:solidFill>
+                            <a:schemeClr val="tx1"/>
+                          </a:solidFill>
+                          <a:prstDash val="solid"/>
+                          <a:round/>
+                          <a:headEnd type="none" w="med" len="med"/>
+                          <a:tailEnd type="none" w="med" len="med"/>
+                        </a:lnR>
+                        <a:lnT w="12700" cap="flat" cmpd="sng" algn="ctr">
+                          <a:solidFill>
+                            <a:schemeClr val="tx1"/>
+                          </a:solidFill>
+                          <a:prstDash val="solid"/>
+                          <a:round/>
+                          <a:headEnd type="none" w="med" len="med"/>
+                          <a:tailEnd type="none" w="med" len="med"/>
+                        </a:lnT>
+                        <a:lnB w="12700" cap="flat" cmpd="sng" algn="ctr">
+                          <a:solidFill>
+                            <a:schemeClr val="tx1"/>
+                          </a:solidFill>
+                          <a:prstDash val="solid"/>
+                          <a:round/>
+                          <a:headEnd type="none" w="med" len="med"/>
+                          <a:tailEnd type="none" w="med" len="med"/>
+                        </a:lnB>
+                      </a:tcPr>
                     </a:tc>
                     <a:tc>
                       <a:txBody>
@@ -8867,7 +12003,180 @@
                           </a:endParaRPr>
                         </a:p>
                       </a:txBody>
-                      <a:tcPr marL="68580" marR="68580" marT="0" marB="0" anchor="ctr"/>
+                      <a:tcPr marL="68580" marR="68580" marT="0" marB="0" anchor="ctr">
+                        <a:lnL w="12700" cap="flat" cmpd="sng" algn="ctr">
+                          <a:solidFill>
+                            <a:schemeClr val="tx1"/>
+                          </a:solidFill>
+                          <a:prstDash val="solid"/>
+                          <a:round/>
+                          <a:headEnd type="none" w="med" len="med"/>
+                          <a:tailEnd type="none" w="med" len="med"/>
+                        </a:lnL>
+                        <a:lnR w="12700" cap="flat" cmpd="sng" algn="ctr">
+                          <a:solidFill>
+                            <a:schemeClr val="tx1"/>
+                          </a:solidFill>
+                          <a:prstDash val="solid"/>
+                          <a:round/>
+                          <a:headEnd type="none" w="med" len="med"/>
+                          <a:tailEnd type="none" w="med" len="med"/>
+                        </a:lnR>
+                        <a:lnT w="12700" cap="flat" cmpd="sng" algn="ctr">
+                          <a:solidFill>
+                            <a:schemeClr val="tx1"/>
+                          </a:solidFill>
+                          <a:prstDash val="solid"/>
+                          <a:round/>
+                          <a:headEnd type="none" w="med" len="med"/>
+                          <a:tailEnd type="none" w="med" len="med"/>
+                        </a:lnT>
+                        <a:lnB w="12700" cap="flat" cmpd="sng" algn="ctr">
+                          <a:solidFill>
+                            <a:schemeClr val="tx1"/>
+                          </a:solidFill>
+                          <a:prstDash val="solid"/>
+                          <a:round/>
+                          <a:headEnd type="none" w="med" len="med"/>
+                          <a:tailEnd type="none" w="med" len="med"/>
+                        </a:lnB>
+                      </a:tcPr>
+                    </a:tc>
+                    <a:tc>
+                      <a:txBody>
+                        <a:bodyPr/>
+                        <a:lstStyle/>
+                        <a:p>
+                          <a:pPr algn="just">
+                            <a:lnSpc>
+                              <a:spcPts val="1425"/>
+                            </a:lnSpc>
+                            <a:spcAft>
+                              <a:spcPts val="0"/>
+                            </a:spcAft>
+                          </a:pPr>
+                          <a:r>
+                            <a:rPr lang="ru-RU" sz="2400" dirty="0">
+                              <a:effectLst/>
+                              <a:latin typeface="Microsoft JhengHei UI Light" panose="020B0304030504040204" pitchFamily="34" charset="-120"/>
+                              <a:ea typeface="Microsoft JhengHei UI Light" panose="020B0304030504040204" pitchFamily="34" charset="-120"/>
+                            </a:rPr>
+                            <a:t>Нет</a:t>
+                          </a:r>
+                          <a:endParaRPr lang="en-US" sz="2400" dirty="0">
+                            <a:effectLst/>
+                            <a:latin typeface="Microsoft JhengHei UI Light" panose="020B0304030504040204" pitchFamily="34" charset="-120"/>
+                            <a:ea typeface="Microsoft JhengHei UI Light" panose="020B0304030504040204" pitchFamily="34" charset="-120"/>
+                            <a:cs typeface="Times New Roman" panose="02020603050405020304" pitchFamily="18" charset="0"/>
+                          </a:endParaRPr>
+                        </a:p>
+                      </a:txBody>
+                      <a:tcPr marL="68580" marR="68580" marT="0" marB="0" anchor="ctr">
+                        <a:lnL w="12700" cap="flat" cmpd="sng" algn="ctr">
+                          <a:solidFill>
+                            <a:schemeClr val="tx1"/>
+                          </a:solidFill>
+                          <a:prstDash val="solid"/>
+                          <a:round/>
+                          <a:headEnd type="none" w="med" len="med"/>
+                          <a:tailEnd type="none" w="med" len="med"/>
+                        </a:lnL>
+                        <a:lnR w="12700" cap="flat" cmpd="sng" algn="ctr">
+                          <a:solidFill>
+                            <a:schemeClr val="tx1"/>
+                          </a:solidFill>
+                          <a:prstDash val="solid"/>
+                          <a:round/>
+                          <a:headEnd type="none" w="med" len="med"/>
+                          <a:tailEnd type="none" w="med" len="med"/>
+                        </a:lnR>
+                        <a:lnT w="12700" cap="flat" cmpd="sng" algn="ctr">
+                          <a:solidFill>
+                            <a:schemeClr val="tx1"/>
+                          </a:solidFill>
+                          <a:prstDash val="solid"/>
+                          <a:round/>
+                          <a:headEnd type="none" w="med" len="med"/>
+                          <a:tailEnd type="none" w="med" len="med"/>
+                        </a:lnT>
+                        <a:lnB w="12700" cap="flat" cmpd="sng" algn="ctr">
+                          <a:solidFill>
+                            <a:schemeClr val="tx1"/>
+                          </a:solidFill>
+                          <a:prstDash val="solid"/>
+                          <a:round/>
+                          <a:headEnd type="none" w="med" len="med"/>
+                          <a:tailEnd type="none" w="med" len="med"/>
+                        </a:lnB>
+                      </a:tcPr>
+                    </a:tc>
+                    <a:tc>
+                      <a:txBody>
+                        <a:bodyPr/>
+                        <a:lstStyle/>
+                        <a:p>
+                          <a:pPr algn="just">
+                            <a:lnSpc>
+                              <a:spcPts val="1425"/>
+                            </a:lnSpc>
+                            <a:spcAft>
+                              <a:spcPts val="0"/>
+                            </a:spcAft>
+                          </a:pPr>
+                          <a:r>
+                            <a:rPr lang="ru-RU" sz="1600">
+                              <a:effectLst/>
+                              <a:latin typeface="Microsoft JhengHei UI Light" panose="020B0304030504040204" pitchFamily="34" charset="-120"/>
+                              <a:ea typeface="Microsoft JhengHei UI Light" panose="020B0304030504040204" pitchFamily="34" charset="-120"/>
+                            </a:rPr>
+                            <a:t>31.68</a:t>
+                          </a:r>
+                          <a:endParaRPr lang="en-US" sz="1600">
+                            <a:effectLst/>
+                            <a:latin typeface="Microsoft JhengHei UI Light" panose="020B0304030504040204" pitchFamily="34" charset="-120"/>
+                            <a:ea typeface="Microsoft JhengHei UI Light" panose="020B0304030504040204" pitchFamily="34" charset="-120"/>
+                            <a:cs typeface="Times New Roman" panose="02020603050405020304" pitchFamily="18" charset="0"/>
+                          </a:endParaRPr>
+                        </a:p>
+                      </a:txBody>
+                      <a:tcPr marL="68580" marR="68580" marT="0" marB="0" anchor="ctr">
+                        <a:lnL w="12700" cap="flat" cmpd="sng" algn="ctr">
+                          <a:solidFill>
+                            <a:schemeClr val="tx1"/>
+                          </a:solidFill>
+                          <a:prstDash val="solid"/>
+                          <a:round/>
+                          <a:headEnd type="none" w="med" len="med"/>
+                          <a:tailEnd type="none" w="med" len="med"/>
+                        </a:lnL>
+                        <a:lnR w="12700" cap="flat" cmpd="sng" algn="ctr">
+                          <a:solidFill>
+                            <a:schemeClr val="tx1"/>
+                          </a:solidFill>
+                          <a:prstDash val="solid"/>
+                          <a:round/>
+                          <a:headEnd type="none" w="med" len="med"/>
+                          <a:tailEnd type="none" w="med" len="med"/>
+                        </a:lnR>
+                        <a:lnT w="12700" cap="flat" cmpd="sng" algn="ctr">
+                          <a:solidFill>
+                            <a:schemeClr val="tx1"/>
+                          </a:solidFill>
+                          <a:prstDash val="solid"/>
+                          <a:round/>
+                          <a:headEnd type="none" w="med" len="med"/>
+                          <a:tailEnd type="none" w="med" len="med"/>
+                        </a:lnT>
+                        <a:lnB w="12700" cap="flat" cmpd="sng" algn="ctr">
+                          <a:solidFill>
+                            <a:schemeClr val="tx1"/>
+                          </a:solidFill>
+                          <a:prstDash val="solid"/>
+                          <a:round/>
+                          <a:headEnd type="none" w="med" len="med"/>
+                          <a:tailEnd type="none" w="med" len="med"/>
+                        </a:lnB>
+                      </a:tcPr>
                     </a:tc>
                     <a:tc>
                       <a:txBody>
@@ -8898,69 +12207,44 @@
                           </a:endParaRPr>
                         </a:p>
                       </a:txBody>
-                      <a:tcPr marL="68580" marR="68580" marT="0" marB="0" anchor="ctr"/>
-                    </a:tc>
-                    <a:tc>
-                      <a:txBody>
-                        <a:bodyPr/>
-                        <a:lstStyle/>
-                        <a:p>
-                          <a:pPr algn="just">
-                            <a:lnSpc>
-                              <a:spcPts val="1425"/>
-                            </a:lnSpc>
-                            <a:spcAft>
-                              <a:spcPts val="0"/>
-                            </a:spcAft>
-                          </a:pPr>
-                          <a:r>
-                            <a:rPr lang="ru-RU" sz="1600">
-                              <a:effectLst/>
-                              <a:latin typeface="Microsoft JhengHei UI Light" panose="020B0304030504040204" pitchFamily="34" charset="-120"/>
-                              <a:ea typeface="Microsoft JhengHei UI Light" panose="020B0304030504040204" pitchFamily="34" charset="-120"/>
-                            </a:rPr>
-                            <a:t>31.68</a:t>
-                          </a:r>
-                          <a:endParaRPr lang="en-US" sz="1600">
-                            <a:effectLst/>
-                            <a:latin typeface="Microsoft JhengHei UI Light" panose="020B0304030504040204" pitchFamily="34" charset="-120"/>
-                            <a:ea typeface="Microsoft JhengHei UI Light" panose="020B0304030504040204" pitchFamily="34" charset="-120"/>
-                            <a:cs typeface="Times New Roman" panose="02020603050405020304" pitchFamily="18" charset="0"/>
-                          </a:endParaRPr>
-                        </a:p>
-                      </a:txBody>
-                      <a:tcPr marL="68580" marR="68580" marT="0" marB="0" anchor="ctr"/>
-                    </a:tc>
-                    <a:tc>
-                      <a:txBody>
-                        <a:bodyPr/>
-                        <a:lstStyle/>
-                        <a:p>
-                          <a:pPr algn="just">
-                            <a:lnSpc>
-                              <a:spcPts val="1425"/>
-                            </a:lnSpc>
-                            <a:spcAft>
-                              <a:spcPts val="0"/>
-                            </a:spcAft>
-                          </a:pPr>
-                          <a:r>
-                            <a:rPr lang="ru-RU" sz="2400">
-                              <a:effectLst/>
-                              <a:latin typeface="Microsoft JhengHei UI Light" panose="020B0304030504040204" pitchFamily="34" charset="-120"/>
-                              <a:ea typeface="Microsoft JhengHei UI Light" panose="020B0304030504040204" pitchFamily="34" charset="-120"/>
-                            </a:rPr>
-                            <a:t>Нет</a:t>
-                          </a:r>
-                          <a:endParaRPr lang="en-US" sz="2400">
-                            <a:effectLst/>
-                            <a:latin typeface="Microsoft JhengHei UI Light" panose="020B0304030504040204" pitchFamily="34" charset="-120"/>
-                            <a:ea typeface="Microsoft JhengHei UI Light" panose="020B0304030504040204" pitchFamily="34" charset="-120"/>
-                            <a:cs typeface="Times New Roman" panose="02020603050405020304" pitchFamily="18" charset="0"/>
-                          </a:endParaRPr>
-                        </a:p>
-                      </a:txBody>
-                      <a:tcPr marL="68580" marR="68580" marT="0" marB="0" anchor="ctr"/>
+                      <a:tcPr marL="68580" marR="68580" marT="0" marB="0" anchor="ctr">
+                        <a:lnL w="12700" cap="flat" cmpd="sng" algn="ctr">
+                          <a:solidFill>
+                            <a:schemeClr val="tx1"/>
+                          </a:solidFill>
+                          <a:prstDash val="solid"/>
+                          <a:round/>
+                          <a:headEnd type="none" w="med" len="med"/>
+                          <a:tailEnd type="none" w="med" len="med"/>
+                        </a:lnL>
+                        <a:lnR w="12700" cap="flat" cmpd="sng" algn="ctr">
+                          <a:solidFill>
+                            <a:schemeClr val="tx1"/>
+                          </a:solidFill>
+                          <a:prstDash val="solid"/>
+                          <a:round/>
+                          <a:headEnd type="none" w="med" len="med"/>
+                          <a:tailEnd type="none" w="med" len="med"/>
+                        </a:lnR>
+                        <a:lnT w="12700" cap="flat" cmpd="sng" algn="ctr">
+                          <a:solidFill>
+                            <a:schemeClr val="tx1"/>
+                          </a:solidFill>
+                          <a:prstDash val="solid"/>
+                          <a:round/>
+                          <a:headEnd type="none" w="med" len="med"/>
+                          <a:tailEnd type="none" w="med" len="med"/>
+                        </a:lnT>
+                        <a:lnB w="12700" cap="flat" cmpd="sng" algn="ctr">
+                          <a:solidFill>
+                            <a:schemeClr val="tx1"/>
+                          </a:solidFill>
+                          <a:prstDash val="solid"/>
+                          <a:round/>
+                          <a:headEnd type="none" w="med" len="med"/>
+                          <a:tailEnd type="none" w="med" len="med"/>
+                        </a:lnB>
+                      </a:tcPr>
                     </a:tc>
                     <a:tc>
                       <a:txBody>
@@ -8991,7 +12275,44 @@
                           </a:endParaRPr>
                         </a:p>
                       </a:txBody>
-                      <a:tcPr marL="68580" marR="68580" marT="0" marB="0" anchor="ctr"/>
+                      <a:tcPr marL="68580" marR="68580" marT="0" marB="0" anchor="ctr">
+                        <a:lnL w="12700" cap="flat" cmpd="sng" algn="ctr">
+                          <a:solidFill>
+                            <a:schemeClr val="tx1"/>
+                          </a:solidFill>
+                          <a:prstDash val="solid"/>
+                          <a:round/>
+                          <a:headEnd type="none" w="med" len="med"/>
+                          <a:tailEnd type="none" w="med" len="med"/>
+                        </a:lnL>
+                        <a:lnR w="12700" cap="flat" cmpd="sng" algn="ctr">
+                          <a:solidFill>
+                            <a:schemeClr val="tx1"/>
+                          </a:solidFill>
+                          <a:prstDash val="solid"/>
+                          <a:round/>
+                          <a:headEnd type="none" w="med" len="med"/>
+                          <a:tailEnd type="none" w="med" len="med"/>
+                        </a:lnR>
+                        <a:lnT w="12700" cap="flat" cmpd="sng" algn="ctr">
+                          <a:solidFill>
+                            <a:schemeClr val="tx1"/>
+                          </a:solidFill>
+                          <a:prstDash val="solid"/>
+                          <a:round/>
+                          <a:headEnd type="none" w="med" len="med"/>
+                          <a:tailEnd type="none" w="med" len="med"/>
+                        </a:lnT>
+                        <a:lnB w="12700" cap="flat" cmpd="sng" algn="ctr">
+                          <a:solidFill>
+                            <a:schemeClr val="tx1"/>
+                          </a:solidFill>
+                          <a:prstDash val="solid"/>
+                          <a:round/>
+                          <a:headEnd type="none" w="med" len="med"/>
+                          <a:tailEnd type="none" w="med" len="med"/>
+                        </a:lnB>
+                      </a:tcPr>
                     </a:tc>
                     <a:tc>
                       <a:txBody>
@@ -9022,7 +12343,44 @@
                           </a:endParaRPr>
                         </a:p>
                       </a:txBody>
-                      <a:tcPr marL="68580" marR="68580" marT="0" marB="0" anchor="ctr"/>
+                      <a:tcPr marL="68580" marR="68580" marT="0" marB="0" anchor="ctr">
+                        <a:lnL w="12700" cap="flat" cmpd="sng" algn="ctr">
+                          <a:solidFill>
+                            <a:schemeClr val="tx1"/>
+                          </a:solidFill>
+                          <a:prstDash val="solid"/>
+                          <a:round/>
+                          <a:headEnd type="none" w="med" len="med"/>
+                          <a:tailEnd type="none" w="med" len="med"/>
+                        </a:lnL>
+                        <a:lnR w="12700" cap="flat" cmpd="sng" algn="ctr">
+                          <a:solidFill>
+                            <a:schemeClr val="tx1"/>
+                          </a:solidFill>
+                          <a:prstDash val="solid"/>
+                          <a:round/>
+                          <a:headEnd type="none" w="med" len="med"/>
+                          <a:tailEnd type="none" w="med" len="med"/>
+                        </a:lnR>
+                        <a:lnT w="12700" cap="flat" cmpd="sng" algn="ctr">
+                          <a:solidFill>
+                            <a:schemeClr val="tx1"/>
+                          </a:solidFill>
+                          <a:prstDash val="solid"/>
+                          <a:round/>
+                          <a:headEnd type="none" w="med" len="med"/>
+                          <a:tailEnd type="none" w="med" len="med"/>
+                        </a:lnT>
+                        <a:lnB w="12700" cap="flat" cmpd="sng" algn="ctr">
+                          <a:solidFill>
+                            <a:schemeClr val="tx1"/>
+                          </a:solidFill>
+                          <a:prstDash val="solid"/>
+                          <a:round/>
+                          <a:headEnd type="none" w="med" len="med"/>
+                          <a:tailEnd type="none" w="med" len="med"/>
+                        </a:lnB>
+                      </a:tcPr>
                     </a:tc>
                     <a:extLst>
                       <a:ext uri="{0D108BD9-81ED-4DB2-BD59-A6C34878D82A}">
@@ -9060,7 +12418,44 @@
                           </a:endParaRPr>
                         </a:p>
                       </a:txBody>
-                      <a:tcPr marL="68580" marR="68580" marT="0" marB="0" anchor="ctr"/>
+                      <a:tcPr marL="68580" marR="68580" marT="0" marB="0" anchor="ctr">
+                        <a:lnL w="12700" cap="flat" cmpd="sng" algn="ctr">
+                          <a:solidFill>
+                            <a:schemeClr val="tx1"/>
+                          </a:solidFill>
+                          <a:prstDash val="solid"/>
+                          <a:round/>
+                          <a:headEnd type="none" w="med" len="med"/>
+                          <a:tailEnd type="none" w="med" len="med"/>
+                        </a:lnL>
+                        <a:lnR w="12700" cap="flat" cmpd="sng" algn="ctr">
+                          <a:solidFill>
+                            <a:schemeClr val="tx1"/>
+                          </a:solidFill>
+                          <a:prstDash val="solid"/>
+                          <a:round/>
+                          <a:headEnd type="none" w="med" len="med"/>
+                          <a:tailEnd type="none" w="med" len="med"/>
+                        </a:lnR>
+                        <a:lnT w="12700" cap="flat" cmpd="sng" algn="ctr">
+                          <a:solidFill>
+                            <a:schemeClr val="tx1"/>
+                          </a:solidFill>
+                          <a:prstDash val="solid"/>
+                          <a:round/>
+                          <a:headEnd type="none" w="med" len="med"/>
+                          <a:tailEnd type="none" w="med" len="med"/>
+                        </a:lnT>
+                        <a:lnB w="12700" cap="flat" cmpd="sng" algn="ctr">
+                          <a:solidFill>
+                            <a:schemeClr val="tx1"/>
+                          </a:solidFill>
+                          <a:prstDash val="solid"/>
+                          <a:round/>
+                          <a:headEnd type="none" w="med" len="med"/>
+                          <a:tailEnd type="none" w="med" len="med"/>
+                        </a:lnB>
+                      </a:tcPr>
                     </a:tc>
                     <a:tc>
                       <a:txBody>
@@ -9091,7 +12486,44 @@
                           </a:endParaRPr>
                         </a:p>
                       </a:txBody>
-                      <a:tcPr marL="68580" marR="68580" marT="0" marB="0" anchor="ctr"/>
+                      <a:tcPr marL="68580" marR="68580" marT="0" marB="0" anchor="ctr">
+                        <a:lnL w="12700" cap="flat" cmpd="sng" algn="ctr">
+                          <a:solidFill>
+                            <a:schemeClr val="tx1"/>
+                          </a:solidFill>
+                          <a:prstDash val="solid"/>
+                          <a:round/>
+                          <a:headEnd type="none" w="med" len="med"/>
+                          <a:tailEnd type="none" w="med" len="med"/>
+                        </a:lnL>
+                        <a:lnR w="12700" cap="flat" cmpd="sng" algn="ctr">
+                          <a:solidFill>
+                            <a:schemeClr val="tx1"/>
+                          </a:solidFill>
+                          <a:prstDash val="solid"/>
+                          <a:round/>
+                          <a:headEnd type="none" w="med" len="med"/>
+                          <a:tailEnd type="none" w="med" len="med"/>
+                        </a:lnR>
+                        <a:lnT w="12700" cap="flat" cmpd="sng" algn="ctr">
+                          <a:solidFill>
+                            <a:schemeClr val="tx1"/>
+                          </a:solidFill>
+                          <a:prstDash val="solid"/>
+                          <a:round/>
+                          <a:headEnd type="none" w="med" len="med"/>
+                          <a:tailEnd type="none" w="med" len="med"/>
+                        </a:lnT>
+                        <a:lnB w="12700" cap="flat" cmpd="sng" algn="ctr">
+                          <a:solidFill>
+                            <a:schemeClr val="tx1"/>
+                          </a:solidFill>
+                          <a:prstDash val="solid"/>
+                          <a:round/>
+                          <a:headEnd type="none" w="med" len="med"/>
+                          <a:tailEnd type="none" w="med" len="med"/>
+                        </a:lnB>
+                      </a:tcPr>
                     </a:tc>
                     <a:tc>
                       <a:txBody>
@@ -9123,6 +12555,42 @@
                         </a:p>
                       </a:txBody>
                       <a:tcPr marL="68580" marR="68580" marT="0" marB="0" anchor="ctr">
+                        <a:lnL w="12700" cap="flat" cmpd="sng" algn="ctr">
+                          <a:solidFill>
+                            <a:schemeClr val="tx1"/>
+                          </a:solidFill>
+                          <a:prstDash val="solid"/>
+                          <a:round/>
+                          <a:headEnd type="none" w="med" len="med"/>
+                          <a:tailEnd type="none" w="med" len="med"/>
+                        </a:lnL>
+                        <a:lnR w="12700" cap="flat" cmpd="sng" algn="ctr">
+                          <a:solidFill>
+                            <a:schemeClr val="tx1"/>
+                          </a:solidFill>
+                          <a:prstDash val="solid"/>
+                          <a:round/>
+                          <a:headEnd type="none" w="med" len="med"/>
+                          <a:tailEnd type="none" w="med" len="med"/>
+                        </a:lnR>
+                        <a:lnT w="12700" cap="flat" cmpd="sng" algn="ctr">
+                          <a:solidFill>
+                            <a:schemeClr val="tx1"/>
+                          </a:solidFill>
+                          <a:prstDash val="solid"/>
+                          <a:round/>
+                          <a:headEnd type="none" w="med" len="med"/>
+                          <a:tailEnd type="none" w="med" len="med"/>
+                        </a:lnT>
+                        <a:lnB w="12700" cap="flat" cmpd="sng" algn="ctr">
+                          <a:solidFill>
+                            <a:schemeClr val="tx1"/>
+                          </a:solidFill>
+                          <a:prstDash val="solid"/>
+                          <a:round/>
+                          <a:headEnd type="none" w="med" len="med"/>
+                          <a:tailEnd type="none" w="med" len="med"/>
+                        </a:lnB>
                         <a:solidFill>
                           <a:srgbClr val="92D050"/>
                         </a:solidFill>
@@ -9157,7 +12625,44 @@
                           </a:endParaRPr>
                         </a:p>
                       </a:txBody>
-                      <a:tcPr marL="68580" marR="68580" marT="0" marB="0" anchor="ctr"/>
+                      <a:tcPr marL="68580" marR="68580" marT="0" marB="0" anchor="ctr">
+                        <a:lnL w="12700" cap="flat" cmpd="sng" algn="ctr">
+                          <a:solidFill>
+                            <a:schemeClr val="tx1"/>
+                          </a:solidFill>
+                          <a:prstDash val="solid"/>
+                          <a:round/>
+                          <a:headEnd type="none" w="med" len="med"/>
+                          <a:tailEnd type="none" w="med" len="med"/>
+                        </a:lnL>
+                        <a:lnR w="12700" cap="flat" cmpd="sng" algn="ctr">
+                          <a:solidFill>
+                            <a:schemeClr val="tx1"/>
+                          </a:solidFill>
+                          <a:prstDash val="solid"/>
+                          <a:round/>
+                          <a:headEnd type="none" w="med" len="med"/>
+                          <a:tailEnd type="none" w="med" len="med"/>
+                        </a:lnR>
+                        <a:lnT w="12700" cap="flat" cmpd="sng" algn="ctr">
+                          <a:solidFill>
+                            <a:schemeClr val="tx1"/>
+                          </a:solidFill>
+                          <a:prstDash val="solid"/>
+                          <a:round/>
+                          <a:headEnd type="none" w="med" len="med"/>
+                          <a:tailEnd type="none" w="med" len="med"/>
+                        </a:lnT>
+                        <a:lnB w="12700" cap="flat" cmpd="sng" algn="ctr">
+                          <a:solidFill>
+                            <a:schemeClr val="tx1"/>
+                          </a:solidFill>
+                          <a:prstDash val="solid"/>
+                          <a:round/>
+                          <a:headEnd type="none" w="med" len="med"/>
+                          <a:tailEnd type="none" w="med" len="med"/>
+                        </a:lnB>
+                      </a:tcPr>
                     </a:tc>
                     <a:tc>
                       <a:txBody>
@@ -9188,7 +12693,44 @@
                           </a:endParaRPr>
                         </a:p>
                       </a:txBody>
-                      <a:tcPr marL="68580" marR="68580" marT="0" marB="0" anchor="ctr"/>
+                      <a:tcPr marL="68580" marR="68580" marT="0" marB="0" anchor="ctr">
+                        <a:lnL w="12700" cap="flat" cmpd="sng" algn="ctr">
+                          <a:solidFill>
+                            <a:schemeClr val="tx1"/>
+                          </a:solidFill>
+                          <a:prstDash val="solid"/>
+                          <a:round/>
+                          <a:headEnd type="none" w="med" len="med"/>
+                          <a:tailEnd type="none" w="med" len="med"/>
+                        </a:lnL>
+                        <a:lnR w="12700" cap="flat" cmpd="sng" algn="ctr">
+                          <a:solidFill>
+                            <a:schemeClr val="tx1"/>
+                          </a:solidFill>
+                          <a:prstDash val="solid"/>
+                          <a:round/>
+                          <a:headEnd type="none" w="med" len="med"/>
+                          <a:tailEnd type="none" w="med" len="med"/>
+                        </a:lnR>
+                        <a:lnT w="12700" cap="flat" cmpd="sng" algn="ctr">
+                          <a:solidFill>
+                            <a:schemeClr val="tx1"/>
+                          </a:solidFill>
+                          <a:prstDash val="solid"/>
+                          <a:round/>
+                          <a:headEnd type="none" w="med" len="med"/>
+                          <a:tailEnd type="none" w="med" len="med"/>
+                        </a:lnT>
+                        <a:lnB w="12700" cap="flat" cmpd="sng" algn="ctr">
+                          <a:solidFill>
+                            <a:schemeClr val="tx1"/>
+                          </a:solidFill>
+                          <a:prstDash val="solid"/>
+                          <a:round/>
+                          <a:headEnd type="none" w="med" len="med"/>
+                          <a:tailEnd type="none" w="med" len="med"/>
+                        </a:lnB>
+                      </a:tcPr>
                     </a:tc>
                     <a:tc>
                       <a:txBody>
@@ -9219,7 +12761,44 @@
                           </a:endParaRPr>
                         </a:p>
                       </a:txBody>
-                      <a:tcPr marL="68580" marR="68580" marT="0" marB="0" anchor="ctr"/>
+                      <a:tcPr marL="68580" marR="68580" marT="0" marB="0" anchor="ctr">
+                        <a:lnL w="12700" cap="flat" cmpd="sng" algn="ctr">
+                          <a:solidFill>
+                            <a:schemeClr val="tx1"/>
+                          </a:solidFill>
+                          <a:prstDash val="solid"/>
+                          <a:round/>
+                          <a:headEnd type="none" w="med" len="med"/>
+                          <a:tailEnd type="none" w="med" len="med"/>
+                        </a:lnL>
+                        <a:lnR w="12700" cap="flat" cmpd="sng" algn="ctr">
+                          <a:solidFill>
+                            <a:schemeClr val="tx1"/>
+                          </a:solidFill>
+                          <a:prstDash val="solid"/>
+                          <a:round/>
+                          <a:headEnd type="none" w="med" len="med"/>
+                          <a:tailEnd type="none" w="med" len="med"/>
+                        </a:lnR>
+                        <a:lnT w="12700" cap="flat" cmpd="sng" algn="ctr">
+                          <a:solidFill>
+                            <a:schemeClr val="tx1"/>
+                          </a:solidFill>
+                          <a:prstDash val="solid"/>
+                          <a:round/>
+                          <a:headEnd type="none" w="med" len="med"/>
+                          <a:tailEnd type="none" w="med" len="med"/>
+                        </a:lnT>
+                        <a:lnB w="12700" cap="flat" cmpd="sng" algn="ctr">
+                          <a:solidFill>
+                            <a:schemeClr val="tx1"/>
+                          </a:solidFill>
+                          <a:prstDash val="solid"/>
+                          <a:round/>
+                          <a:headEnd type="none" w="med" len="med"/>
+                          <a:tailEnd type="none" w="med" len="med"/>
+                        </a:lnB>
+                      </a:tcPr>
                     </a:tc>
                     <a:tc>
                       <a:txBody>
@@ -9251,6 +12830,42 @@
                         </a:p>
                       </a:txBody>
                       <a:tcPr marL="68580" marR="68580" marT="0" marB="0" anchor="ctr">
+                        <a:lnL w="12700" cap="flat" cmpd="sng" algn="ctr">
+                          <a:solidFill>
+                            <a:schemeClr val="tx1"/>
+                          </a:solidFill>
+                          <a:prstDash val="solid"/>
+                          <a:round/>
+                          <a:headEnd type="none" w="med" len="med"/>
+                          <a:tailEnd type="none" w="med" len="med"/>
+                        </a:lnL>
+                        <a:lnR w="12700" cap="flat" cmpd="sng" algn="ctr">
+                          <a:solidFill>
+                            <a:schemeClr val="tx1"/>
+                          </a:solidFill>
+                          <a:prstDash val="solid"/>
+                          <a:round/>
+                          <a:headEnd type="none" w="med" len="med"/>
+                          <a:tailEnd type="none" w="med" len="med"/>
+                        </a:lnR>
+                        <a:lnT w="12700" cap="flat" cmpd="sng" algn="ctr">
+                          <a:solidFill>
+                            <a:schemeClr val="tx1"/>
+                          </a:solidFill>
+                          <a:prstDash val="solid"/>
+                          <a:round/>
+                          <a:headEnd type="none" w="med" len="med"/>
+                          <a:tailEnd type="none" w="med" len="med"/>
+                        </a:lnT>
+                        <a:lnB w="12700" cap="flat" cmpd="sng" algn="ctr">
+                          <a:solidFill>
+                            <a:schemeClr val="tx1"/>
+                          </a:solidFill>
+                          <a:prstDash val="solid"/>
+                          <a:round/>
+                          <a:headEnd type="none" w="med" len="med"/>
+                          <a:tailEnd type="none" w="med" len="med"/>
+                        </a:lnB>
                         <a:solidFill>
                           <a:srgbClr val="92D050"/>
                         </a:solidFill>
@@ -9292,7 +12907,44 @@
                           </a:endParaRPr>
                         </a:p>
                       </a:txBody>
-                      <a:tcPr marL="68580" marR="68580" marT="0" marB="0" anchor="ctr"/>
+                      <a:tcPr marL="68580" marR="68580" marT="0" marB="0" anchor="ctr">
+                        <a:lnL w="12700" cap="flat" cmpd="sng" algn="ctr">
+                          <a:solidFill>
+                            <a:schemeClr val="tx1"/>
+                          </a:solidFill>
+                          <a:prstDash val="solid"/>
+                          <a:round/>
+                          <a:headEnd type="none" w="med" len="med"/>
+                          <a:tailEnd type="none" w="med" len="med"/>
+                        </a:lnL>
+                        <a:lnR w="12700" cap="flat" cmpd="sng" algn="ctr">
+                          <a:solidFill>
+                            <a:schemeClr val="tx1"/>
+                          </a:solidFill>
+                          <a:prstDash val="solid"/>
+                          <a:round/>
+                          <a:headEnd type="none" w="med" len="med"/>
+                          <a:tailEnd type="none" w="med" len="med"/>
+                        </a:lnR>
+                        <a:lnT w="12700" cap="flat" cmpd="sng" algn="ctr">
+                          <a:solidFill>
+                            <a:schemeClr val="tx1"/>
+                          </a:solidFill>
+                          <a:prstDash val="solid"/>
+                          <a:round/>
+                          <a:headEnd type="none" w="med" len="med"/>
+                          <a:tailEnd type="none" w="med" len="med"/>
+                        </a:lnT>
+                        <a:lnB w="12700" cap="flat" cmpd="sng" algn="ctr">
+                          <a:solidFill>
+                            <a:schemeClr val="tx1"/>
+                          </a:solidFill>
+                          <a:prstDash val="solid"/>
+                          <a:round/>
+                          <a:headEnd type="none" w="med" len="med"/>
+                          <a:tailEnd type="none" w="med" len="med"/>
+                        </a:lnB>
+                      </a:tcPr>
                     </a:tc>
                     <a:tc>
                       <a:txBody>
@@ -9323,7 +12975,44 @@
                           </a:endParaRPr>
                         </a:p>
                       </a:txBody>
-                      <a:tcPr marL="68580" marR="68580" marT="0" marB="0" anchor="ctr"/>
+                      <a:tcPr marL="68580" marR="68580" marT="0" marB="0" anchor="ctr">
+                        <a:lnL w="12700" cap="flat" cmpd="sng" algn="ctr">
+                          <a:solidFill>
+                            <a:schemeClr val="tx1"/>
+                          </a:solidFill>
+                          <a:prstDash val="solid"/>
+                          <a:round/>
+                          <a:headEnd type="none" w="med" len="med"/>
+                          <a:tailEnd type="none" w="med" len="med"/>
+                        </a:lnL>
+                        <a:lnR w="12700" cap="flat" cmpd="sng" algn="ctr">
+                          <a:solidFill>
+                            <a:schemeClr val="tx1"/>
+                          </a:solidFill>
+                          <a:prstDash val="solid"/>
+                          <a:round/>
+                          <a:headEnd type="none" w="med" len="med"/>
+                          <a:tailEnd type="none" w="med" len="med"/>
+                        </a:lnR>
+                        <a:lnT w="12700" cap="flat" cmpd="sng" algn="ctr">
+                          <a:solidFill>
+                            <a:schemeClr val="tx1"/>
+                          </a:solidFill>
+                          <a:prstDash val="solid"/>
+                          <a:round/>
+                          <a:headEnd type="none" w="med" len="med"/>
+                          <a:tailEnd type="none" w="med" len="med"/>
+                        </a:lnT>
+                        <a:lnB w="12700" cap="flat" cmpd="sng" algn="ctr">
+                          <a:solidFill>
+                            <a:schemeClr val="tx1"/>
+                          </a:solidFill>
+                          <a:prstDash val="solid"/>
+                          <a:round/>
+                          <a:headEnd type="none" w="med" len="med"/>
+                          <a:tailEnd type="none" w="med" len="med"/>
+                        </a:lnB>
+                      </a:tcPr>
                     </a:tc>
                     <a:tc>
                       <a:txBody>
@@ -9355,6 +13044,42 @@
                         </a:p>
                       </a:txBody>
                       <a:tcPr marL="68580" marR="68580" marT="0" marB="0" anchor="ctr">
+                        <a:lnL w="12700" cap="flat" cmpd="sng" algn="ctr">
+                          <a:solidFill>
+                            <a:schemeClr val="tx1"/>
+                          </a:solidFill>
+                          <a:prstDash val="solid"/>
+                          <a:round/>
+                          <a:headEnd type="none" w="med" len="med"/>
+                          <a:tailEnd type="none" w="med" len="med"/>
+                        </a:lnL>
+                        <a:lnR w="12700" cap="flat" cmpd="sng" algn="ctr">
+                          <a:solidFill>
+                            <a:schemeClr val="tx1"/>
+                          </a:solidFill>
+                          <a:prstDash val="solid"/>
+                          <a:round/>
+                          <a:headEnd type="none" w="med" len="med"/>
+                          <a:tailEnd type="none" w="med" len="med"/>
+                        </a:lnR>
+                        <a:lnT w="12700" cap="flat" cmpd="sng" algn="ctr">
+                          <a:solidFill>
+                            <a:schemeClr val="tx1"/>
+                          </a:solidFill>
+                          <a:prstDash val="solid"/>
+                          <a:round/>
+                          <a:headEnd type="none" w="med" len="med"/>
+                          <a:tailEnd type="none" w="med" len="med"/>
+                        </a:lnT>
+                        <a:lnB w="12700" cap="flat" cmpd="sng" algn="ctr">
+                          <a:solidFill>
+                            <a:schemeClr val="tx1"/>
+                          </a:solidFill>
+                          <a:prstDash val="solid"/>
+                          <a:round/>
+                          <a:headEnd type="none" w="med" len="med"/>
+                          <a:tailEnd type="none" w="med" len="med"/>
+                        </a:lnB>
                         <a:solidFill>
                           <a:srgbClr val="92D050"/>
                         </a:solidFill>
@@ -9374,14 +13099,14 @@
                             </a:spcAft>
                           </a:pPr>
                           <a:r>
-                            <a:rPr lang="ru-RU" sz="1600">
+                            <a:rPr lang="ru-RU" sz="1600" dirty="0">
                               <a:effectLst/>
                               <a:latin typeface="Microsoft JhengHei UI Light" panose="020B0304030504040204" pitchFamily="34" charset="-120"/>
                               <a:ea typeface="Microsoft JhengHei UI Light" panose="020B0304030504040204" pitchFamily="34" charset="-120"/>
                             </a:rPr>
                             <a:t>36.46</a:t>
                           </a:r>
-                          <a:endParaRPr lang="en-US" sz="1600">
+                          <a:endParaRPr lang="en-US" sz="1600" dirty="0">
                             <a:effectLst/>
                             <a:latin typeface="Microsoft JhengHei UI Light" panose="020B0304030504040204" pitchFamily="34" charset="-120"/>
                             <a:ea typeface="Microsoft JhengHei UI Light" panose="020B0304030504040204" pitchFamily="34" charset="-120"/>
@@ -9389,7 +13114,44 @@
                           </a:endParaRPr>
                         </a:p>
                       </a:txBody>
-                      <a:tcPr marL="68580" marR="68580" marT="0" marB="0" anchor="ctr"/>
+                      <a:tcPr marL="68580" marR="68580" marT="0" marB="0" anchor="ctr">
+                        <a:lnL w="12700" cap="flat" cmpd="sng" algn="ctr">
+                          <a:solidFill>
+                            <a:schemeClr val="tx1"/>
+                          </a:solidFill>
+                          <a:prstDash val="solid"/>
+                          <a:round/>
+                          <a:headEnd type="none" w="med" len="med"/>
+                          <a:tailEnd type="none" w="med" len="med"/>
+                        </a:lnL>
+                        <a:lnR w="12700" cap="flat" cmpd="sng" algn="ctr">
+                          <a:solidFill>
+                            <a:schemeClr val="tx1"/>
+                          </a:solidFill>
+                          <a:prstDash val="solid"/>
+                          <a:round/>
+                          <a:headEnd type="none" w="med" len="med"/>
+                          <a:tailEnd type="none" w="med" len="med"/>
+                        </a:lnR>
+                        <a:lnT w="12700" cap="flat" cmpd="sng" algn="ctr">
+                          <a:solidFill>
+                            <a:schemeClr val="tx1"/>
+                          </a:solidFill>
+                          <a:prstDash val="solid"/>
+                          <a:round/>
+                          <a:headEnd type="none" w="med" len="med"/>
+                          <a:tailEnd type="none" w="med" len="med"/>
+                        </a:lnT>
+                        <a:lnB w="12700" cap="flat" cmpd="sng" algn="ctr">
+                          <a:solidFill>
+                            <a:schemeClr val="tx1"/>
+                          </a:solidFill>
+                          <a:prstDash val="solid"/>
+                          <a:round/>
+                          <a:headEnd type="none" w="med" len="med"/>
+                          <a:tailEnd type="none" w="med" len="med"/>
+                        </a:lnB>
+                      </a:tcPr>
                     </a:tc>
                     <a:tc>
                       <a:txBody>
@@ -9420,7 +13182,44 @@
                           </a:endParaRPr>
                         </a:p>
                       </a:txBody>
-                      <a:tcPr marL="68580" marR="68580" marT="0" marB="0" anchor="ctr"/>
+                      <a:tcPr marL="68580" marR="68580" marT="0" marB="0" anchor="ctr">
+                        <a:lnL w="12700" cap="flat" cmpd="sng" algn="ctr">
+                          <a:solidFill>
+                            <a:schemeClr val="tx1"/>
+                          </a:solidFill>
+                          <a:prstDash val="solid"/>
+                          <a:round/>
+                          <a:headEnd type="none" w="med" len="med"/>
+                          <a:tailEnd type="none" w="med" len="med"/>
+                        </a:lnL>
+                        <a:lnR w="12700" cap="flat" cmpd="sng" algn="ctr">
+                          <a:solidFill>
+                            <a:schemeClr val="tx1"/>
+                          </a:solidFill>
+                          <a:prstDash val="solid"/>
+                          <a:round/>
+                          <a:headEnd type="none" w="med" len="med"/>
+                          <a:tailEnd type="none" w="med" len="med"/>
+                        </a:lnR>
+                        <a:lnT w="12700" cap="flat" cmpd="sng" algn="ctr">
+                          <a:solidFill>
+                            <a:schemeClr val="tx1"/>
+                          </a:solidFill>
+                          <a:prstDash val="solid"/>
+                          <a:round/>
+                          <a:headEnd type="none" w="med" len="med"/>
+                          <a:tailEnd type="none" w="med" len="med"/>
+                        </a:lnT>
+                        <a:lnB w="12700" cap="flat" cmpd="sng" algn="ctr">
+                          <a:solidFill>
+                            <a:schemeClr val="tx1"/>
+                          </a:solidFill>
+                          <a:prstDash val="solid"/>
+                          <a:round/>
+                          <a:headEnd type="none" w="med" len="med"/>
+                          <a:tailEnd type="none" w="med" len="med"/>
+                        </a:lnB>
+                      </a:tcPr>
                     </a:tc>
                     <a:tc>
                       <a:txBody>
@@ -9451,7 +13250,44 @@
                           </a:endParaRPr>
                         </a:p>
                       </a:txBody>
-                      <a:tcPr marL="68580" marR="68580" marT="0" marB="0" anchor="ctr"/>
+                      <a:tcPr marL="68580" marR="68580" marT="0" marB="0" anchor="ctr">
+                        <a:lnL w="12700" cap="flat" cmpd="sng" algn="ctr">
+                          <a:solidFill>
+                            <a:schemeClr val="tx1"/>
+                          </a:solidFill>
+                          <a:prstDash val="solid"/>
+                          <a:round/>
+                          <a:headEnd type="none" w="med" len="med"/>
+                          <a:tailEnd type="none" w="med" len="med"/>
+                        </a:lnL>
+                        <a:lnR w="12700" cap="flat" cmpd="sng" algn="ctr">
+                          <a:solidFill>
+                            <a:schemeClr val="tx1"/>
+                          </a:solidFill>
+                          <a:prstDash val="solid"/>
+                          <a:round/>
+                          <a:headEnd type="none" w="med" len="med"/>
+                          <a:tailEnd type="none" w="med" len="med"/>
+                        </a:lnR>
+                        <a:lnT w="12700" cap="flat" cmpd="sng" algn="ctr">
+                          <a:solidFill>
+                            <a:schemeClr val="tx1"/>
+                          </a:solidFill>
+                          <a:prstDash val="solid"/>
+                          <a:round/>
+                          <a:headEnd type="none" w="med" len="med"/>
+                          <a:tailEnd type="none" w="med" len="med"/>
+                        </a:lnT>
+                        <a:lnB w="12700" cap="flat" cmpd="sng" algn="ctr">
+                          <a:solidFill>
+                            <a:schemeClr val="tx1"/>
+                          </a:solidFill>
+                          <a:prstDash val="solid"/>
+                          <a:round/>
+                          <a:headEnd type="none" w="med" len="med"/>
+                          <a:tailEnd type="none" w="med" len="med"/>
+                        </a:lnB>
+                      </a:tcPr>
                     </a:tc>
                     <a:tc>
                       <a:txBody>
@@ -9483,6 +13319,42 @@
                         </a:p>
                       </a:txBody>
                       <a:tcPr marL="68580" marR="68580" marT="0" marB="0" anchor="ctr">
+                        <a:lnL w="12700" cap="flat" cmpd="sng" algn="ctr">
+                          <a:solidFill>
+                            <a:schemeClr val="tx1"/>
+                          </a:solidFill>
+                          <a:prstDash val="solid"/>
+                          <a:round/>
+                          <a:headEnd type="none" w="med" len="med"/>
+                          <a:tailEnd type="none" w="med" len="med"/>
+                        </a:lnL>
+                        <a:lnR w="12700" cap="flat" cmpd="sng" algn="ctr">
+                          <a:solidFill>
+                            <a:schemeClr val="tx1"/>
+                          </a:solidFill>
+                          <a:prstDash val="solid"/>
+                          <a:round/>
+                          <a:headEnd type="none" w="med" len="med"/>
+                          <a:tailEnd type="none" w="med" len="med"/>
+                        </a:lnR>
+                        <a:lnT w="12700" cap="flat" cmpd="sng" algn="ctr">
+                          <a:solidFill>
+                            <a:schemeClr val="tx1"/>
+                          </a:solidFill>
+                          <a:prstDash val="solid"/>
+                          <a:round/>
+                          <a:headEnd type="none" w="med" len="med"/>
+                          <a:tailEnd type="none" w="med" len="med"/>
+                        </a:lnT>
+                        <a:lnB w="12700" cap="flat" cmpd="sng" algn="ctr">
+                          <a:solidFill>
+                            <a:schemeClr val="tx1"/>
+                          </a:solidFill>
+                          <a:prstDash val="solid"/>
+                          <a:round/>
+                          <a:headEnd type="none" w="med" len="med"/>
+                          <a:tailEnd type="none" w="med" len="med"/>
+                        </a:lnB>
                         <a:solidFill>
                           <a:srgbClr val="92D050"/>
                         </a:solidFill>
@@ -9524,7 +13396,44 @@
                           </a:endParaRPr>
                         </a:p>
                       </a:txBody>
-                      <a:tcPr marL="68580" marR="68580" marT="0" marB="0" anchor="ctr"/>
+                      <a:tcPr marL="68580" marR="68580" marT="0" marB="0" anchor="ctr">
+                        <a:lnL w="12700" cap="flat" cmpd="sng" algn="ctr">
+                          <a:solidFill>
+                            <a:schemeClr val="tx1"/>
+                          </a:solidFill>
+                          <a:prstDash val="solid"/>
+                          <a:round/>
+                          <a:headEnd type="none" w="med" len="med"/>
+                          <a:tailEnd type="none" w="med" len="med"/>
+                        </a:lnL>
+                        <a:lnR w="12700" cap="flat" cmpd="sng" algn="ctr">
+                          <a:solidFill>
+                            <a:schemeClr val="tx1"/>
+                          </a:solidFill>
+                          <a:prstDash val="solid"/>
+                          <a:round/>
+                          <a:headEnd type="none" w="med" len="med"/>
+                          <a:tailEnd type="none" w="med" len="med"/>
+                        </a:lnR>
+                        <a:lnT w="12700" cap="flat" cmpd="sng" algn="ctr">
+                          <a:solidFill>
+                            <a:schemeClr val="tx1"/>
+                          </a:solidFill>
+                          <a:prstDash val="solid"/>
+                          <a:round/>
+                          <a:headEnd type="none" w="med" len="med"/>
+                          <a:tailEnd type="none" w="med" len="med"/>
+                        </a:lnT>
+                        <a:lnB w="12700" cap="flat" cmpd="sng" algn="ctr">
+                          <a:solidFill>
+                            <a:schemeClr val="tx1"/>
+                          </a:solidFill>
+                          <a:prstDash val="solid"/>
+                          <a:round/>
+                          <a:headEnd type="none" w="med" len="med"/>
+                          <a:tailEnd type="none" w="med" len="med"/>
+                        </a:lnB>
+                      </a:tcPr>
                     </a:tc>
                     <a:tc>
                       <a:txBody>
@@ -9555,7 +13464,44 @@
                           </a:endParaRPr>
                         </a:p>
                       </a:txBody>
-                      <a:tcPr marL="68580" marR="68580" marT="0" marB="0" anchor="ctr"/>
+                      <a:tcPr marL="68580" marR="68580" marT="0" marB="0" anchor="ctr">
+                        <a:lnL w="12700" cap="flat" cmpd="sng" algn="ctr">
+                          <a:solidFill>
+                            <a:schemeClr val="tx1"/>
+                          </a:solidFill>
+                          <a:prstDash val="solid"/>
+                          <a:round/>
+                          <a:headEnd type="none" w="med" len="med"/>
+                          <a:tailEnd type="none" w="med" len="med"/>
+                        </a:lnL>
+                        <a:lnR w="12700" cap="flat" cmpd="sng" algn="ctr">
+                          <a:solidFill>
+                            <a:schemeClr val="tx1"/>
+                          </a:solidFill>
+                          <a:prstDash val="solid"/>
+                          <a:round/>
+                          <a:headEnd type="none" w="med" len="med"/>
+                          <a:tailEnd type="none" w="med" len="med"/>
+                        </a:lnR>
+                        <a:lnT w="12700" cap="flat" cmpd="sng" algn="ctr">
+                          <a:solidFill>
+                            <a:schemeClr val="tx1"/>
+                          </a:solidFill>
+                          <a:prstDash val="solid"/>
+                          <a:round/>
+                          <a:headEnd type="none" w="med" len="med"/>
+                          <a:tailEnd type="none" w="med" len="med"/>
+                        </a:lnT>
+                        <a:lnB w="12700" cap="flat" cmpd="sng" algn="ctr">
+                          <a:solidFill>
+                            <a:schemeClr val="tx1"/>
+                          </a:solidFill>
+                          <a:prstDash val="solid"/>
+                          <a:round/>
+                          <a:headEnd type="none" w="med" len="med"/>
+                          <a:tailEnd type="none" w="med" len="med"/>
+                        </a:lnB>
+                      </a:tcPr>
                     </a:tc>
                     <a:tc>
                       <a:txBody>
@@ -9587,6 +13533,42 @@
                         </a:p>
                       </a:txBody>
                       <a:tcPr marL="68580" marR="68580" marT="0" marB="0" anchor="ctr">
+                        <a:lnL w="12700" cap="flat" cmpd="sng" algn="ctr">
+                          <a:solidFill>
+                            <a:schemeClr val="tx1"/>
+                          </a:solidFill>
+                          <a:prstDash val="solid"/>
+                          <a:round/>
+                          <a:headEnd type="none" w="med" len="med"/>
+                          <a:tailEnd type="none" w="med" len="med"/>
+                        </a:lnL>
+                        <a:lnR w="12700" cap="flat" cmpd="sng" algn="ctr">
+                          <a:solidFill>
+                            <a:schemeClr val="tx1"/>
+                          </a:solidFill>
+                          <a:prstDash val="solid"/>
+                          <a:round/>
+                          <a:headEnd type="none" w="med" len="med"/>
+                          <a:tailEnd type="none" w="med" len="med"/>
+                        </a:lnR>
+                        <a:lnT w="12700" cap="flat" cmpd="sng" algn="ctr">
+                          <a:solidFill>
+                            <a:schemeClr val="tx1"/>
+                          </a:solidFill>
+                          <a:prstDash val="solid"/>
+                          <a:round/>
+                          <a:headEnd type="none" w="med" len="med"/>
+                          <a:tailEnd type="none" w="med" len="med"/>
+                        </a:lnT>
+                        <a:lnB w="12700" cap="flat" cmpd="sng" algn="ctr">
+                          <a:solidFill>
+                            <a:schemeClr val="tx1"/>
+                          </a:solidFill>
+                          <a:prstDash val="solid"/>
+                          <a:round/>
+                          <a:headEnd type="none" w="med" len="med"/>
+                          <a:tailEnd type="none" w="med" len="med"/>
+                        </a:lnB>
                         <a:solidFill>
                           <a:srgbClr val="92D050"/>
                         </a:solidFill>
@@ -9621,7 +13603,44 @@
                           </a:endParaRPr>
                         </a:p>
                       </a:txBody>
-                      <a:tcPr marL="68580" marR="68580" marT="0" marB="0" anchor="ctr"/>
+                      <a:tcPr marL="68580" marR="68580" marT="0" marB="0" anchor="ctr">
+                        <a:lnL w="12700" cap="flat" cmpd="sng" algn="ctr">
+                          <a:solidFill>
+                            <a:schemeClr val="tx1"/>
+                          </a:solidFill>
+                          <a:prstDash val="solid"/>
+                          <a:round/>
+                          <a:headEnd type="none" w="med" len="med"/>
+                          <a:tailEnd type="none" w="med" len="med"/>
+                        </a:lnL>
+                        <a:lnR w="12700" cap="flat" cmpd="sng" algn="ctr">
+                          <a:solidFill>
+                            <a:schemeClr val="tx1"/>
+                          </a:solidFill>
+                          <a:prstDash val="solid"/>
+                          <a:round/>
+                          <a:headEnd type="none" w="med" len="med"/>
+                          <a:tailEnd type="none" w="med" len="med"/>
+                        </a:lnR>
+                        <a:lnT w="12700" cap="flat" cmpd="sng" algn="ctr">
+                          <a:solidFill>
+                            <a:schemeClr val="tx1"/>
+                          </a:solidFill>
+                          <a:prstDash val="solid"/>
+                          <a:round/>
+                          <a:headEnd type="none" w="med" len="med"/>
+                          <a:tailEnd type="none" w="med" len="med"/>
+                        </a:lnT>
+                        <a:lnB w="12700" cap="flat" cmpd="sng" algn="ctr">
+                          <a:solidFill>
+                            <a:schemeClr val="tx1"/>
+                          </a:solidFill>
+                          <a:prstDash val="solid"/>
+                          <a:round/>
+                          <a:headEnd type="none" w="med" len="med"/>
+                          <a:tailEnd type="none" w="med" len="med"/>
+                        </a:lnB>
+                      </a:tcPr>
                     </a:tc>
                     <a:tc>
                       <a:txBody>
@@ -9652,7 +13671,44 @@
                           </a:endParaRPr>
                         </a:p>
                       </a:txBody>
-                      <a:tcPr marL="68580" marR="68580" marT="0" marB="0" anchor="ctr"/>
+                      <a:tcPr marL="68580" marR="68580" marT="0" marB="0" anchor="ctr">
+                        <a:lnL w="12700" cap="flat" cmpd="sng" algn="ctr">
+                          <a:solidFill>
+                            <a:schemeClr val="tx1"/>
+                          </a:solidFill>
+                          <a:prstDash val="solid"/>
+                          <a:round/>
+                          <a:headEnd type="none" w="med" len="med"/>
+                          <a:tailEnd type="none" w="med" len="med"/>
+                        </a:lnL>
+                        <a:lnR w="12700" cap="flat" cmpd="sng" algn="ctr">
+                          <a:solidFill>
+                            <a:schemeClr val="tx1"/>
+                          </a:solidFill>
+                          <a:prstDash val="solid"/>
+                          <a:round/>
+                          <a:headEnd type="none" w="med" len="med"/>
+                          <a:tailEnd type="none" w="med" len="med"/>
+                        </a:lnR>
+                        <a:lnT w="12700" cap="flat" cmpd="sng" algn="ctr">
+                          <a:solidFill>
+                            <a:schemeClr val="tx1"/>
+                          </a:solidFill>
+                          <a:prstDash val="solid"/>
+                          <a:round/>
+                          <a:headEnd type="none" w="med" len="med"/>
+                          <a:tailEnd type="none" w="med" len="med"/>
+                        </a:lnT>
+                        <a:lnB w="12700" cap="flat" cmpd="sng" algn="ctr">
+                          <a:solidFill>
+                            <a:schemeClr val="tx1"/>
+                          </a:solidFill>
+                          <a:prstDash val="solid"/>
+                          <a:round/>
+                          <a:headEnd type="none" w="med" len="med"/>
+                          <a:tailEnd type="none" w="med" len="med"/>
+                        </a:lnB>
+                      </a:tcPr>
                     </a:tc>
                     <a:tc>
                       <a:txBody>
@@ -9683,7 +13739,44 @@
                           </a:endParaRPr>
                         </a:p>
                       </a:txBody>
-                      <a:tcPr marL="68580" marR="68580" marT="0" marB="0" anchor="ctr"/>
+                      <a:tcPr marL="68580" marR="68580" marT="0" marB="0" anchor="ctr">
+                        <a:lnL w="12700" cap="flat" cmpd="sng" algn="ctr">
+                          <a:solidFill>
+                            <a:schemeClr val="tx1"/>
+                          </a:solidFill>
+                          <a:prstDash val="solid"/>
+                          <a:round/>
+                          <a:headEnd type="none" w="med" len="med"/>
+                          <a:tailEnd type="none" w="med" len="med"/>
+                        </a:lnL>
+                        <a:lnR w="12700" cap="flat" cmpd="sng" algn="ctr">
+                          <a:solidFill>
+                            <a:schemeClr val="tx1"/>
+                          </a:solidFill>
+                          <a:prstDash val="solid"/>
+                          <a:round/>
+                          <a:headEnd type="none" w="med" len="med"/>
+                          <a:tailEnd type="none" w="med" len="med"/>
+                        </a:lnR>
+                        <a:lnT w="12700" cap="flat" cmpd="sng" algn="ctr">
+                          <a:solidFill>
+                            <a:schemeClr val="tx1"/>
+                          </a:solidFill>
+                          <a:prstDash val="solid"/>
+                          <a:round/>
+                          <a:headEnd type="none" w="med" len="med"/>
+                          <a:tailEnd type="none" w="med" len="med"/>
+                        </a:lnT>
+                        <a:lnB w="12700" cap="flat" cmpd="sng" algn="ctr">
+                          <a:solidFill>
+                            <a:schemeClr val="tx1"/>
+                          </a:solidFill>
+                          <a:prstDash val="solid"/>
+                          <a:round/>
+                          <a:headEnd type="none" w="med" len="med"/>
+                          <a:tailEnd type="none" w="med" len="med"/>
+                        </a:lnB>
+                      </a:tcPr>
                     </a:tc>
                     <a:tc>
                       <a:txBody>
@@ -9715,6 +13808,42 @@
                         </a:p>
                       </a:txBody>
                       <a:tcPr marL="68580" marR="68580" marT="0" marB="0" anchor="ctr">
+                        <a:lnL w="12700" cap="flat" cmpd="sng" algn="ctr">
+                          <a:solidFill>
+                            <a:schemeClr val="tx1"/>
+                          </a:solidFill>
+                          <a:prstDash val="solid"/>
+                          <a:round/>
+                          <a:headEnd type="none" w="med" len="med"/>
+                          <a:tailEnd type="none" w="med" len="med"/>
+                        </a:lnL>
+                        <a:lnR w="12700" cap="flat" cmpd="sng" algn="ctr">
+                          <a:solidFill>
+                            <a:schemeClr val="tx1"/>
+                          </a:solidFill>
+                          <a:prstDash val="solid"/>
+                          <a:round/>
+                          <a:headEnd type="none" w="med" len="med"/>
+                          <a:tailEnd type="none" w="med" len="med"/>
+                        </a:lnR>
+                        <a:lnT w="12700" cap="flat" cmpd="sng" algn="ctr">
+                          <a:solidFill>
+                            <a:schemeClr val="tx1"/>
+                          </a:solidFill>
+                          <a:prstDash val="solid"/>
+                          <a:round/>
+                          <a:headEnd type="none" w="med" len="med"/>
+                          <a:tailEnd type="none" w="med" len="med"/>
+                        </a:lnT>
+                        <a:lnB w="12700" cap="flat" cmpd="sng" algn="ctr">
+                          <a:solidFill>
+                            <a:schemeClr val="tx1"/>
+                          </a:solidFill>
+                          <a:prstDash val="solid"/>
+                          <a:round/>
+                          <a:headEnd type="none" w="med" len="med"/>
+                          <a:tailEnd type="none" w="med" len="med"/>
+                        </a:lnB>
                         <a:solidFill>
                           <a:srgbClr val="92D050"/>
                         </a:solidFill>
@@ -9756,7 +13885,44 @@
                           </a:endParaRPr>
                         </a:p>
                       </a:txBody>
-                      <a:tcPr marL="68580" marR="68580" marT="0" marB="0" anchor="ctr"/>
+                      <a:tcPr marL="68580" marR="68580" marT="0" marB="0" anchor="ctr">
+                        <a:lnL w="12700" cap="flat" cmpd="sng" algn="ctr">
+                          <a:solidFill>
+                            <a:schemeClr val="tx1"/>
+                          </a:solidFill>
+                          <a:prstDash val="solid"/>
+                          <a:round/>
+                          <a:headEnd type="none" w="med" len="med"/>
+                          <a:tailEnd type="none" w="med" len="med"/>
+                        </a:lnL>
+                        <a:lnR w="12700" cap="flat" cmpd="sng" algn="ctr">
+                          <a:solidFill>
+                            <a:schemeClr val="tx1"/>
+                          </a:solidFill>
+                          <a:prstDash val="solid"/>
+                          <a:round/>
+                          <a:headEnd type="none" w="med" len="med"/>
+                          <a:tailEnd type="none" w="med" len="med"/>
+                        </a:lnR>
+                        <a:lnT w="12700" cap="flat" cmpd="sng" algn="ctr">
+                          <a:solidFill>
+                            <a:schemeClr val="tx1"/>
+                          </a:solidFill>
+                          <a:prstDash val="solid"/>
+                          <a:round/>
+                          <a:headEnd type="none" w="med" len="med"/>
+                          <a:tailEnd type="none" w="med" len="med"/>
+                        </a:lnT>
+                        <a:lnB w="12700" cap="flat" cmpd="sng" algn="ctr">
+                          <a:solidFill>
+                            <a:schemeClr val="tx1"/>
+                          </a:solidFill>
+                          <a:prstDash val="solid"/>
+                          <a:round/>
+                          <a:headEnd type="none" w="med" len="med"/>
+                          <a:tailEnd type="none" w="med" len="med"/>
+                        </a:lnB>
+                      </a:tcPr>
                     </a:tc>
                     <a:tc>
                       <a:txBody>
@@ -9787,7 +13953,44 @@
                           </a:endParaRPr>
                         </a:p>
                       </a:txBody>
-                      <a:tcPr marL="68580" marR="68580" marT="0" marB="0" anchor="ctr"/>
+                      <a:tcPr marL="68580" marR="68580" marT="0" marB="0" anchor="ctr">
+                        <a:lnL w="12700" cap="flat" cmpd="sng" algn="ctr">
+                          <a:solidFill>
+                            <a:schemeClr val="tx1"/>
+                          </a:solidFill>
+                          <a:prstDash val="solid"/>
+                          <a:round/>
+                          <a:headEnd type="none" w="med" len="med"/>
+                          <a:tailEnd type="none" w="med" len="med"/>
+                        </a:lnL>
+                        <a:lnR w="12700" cap="flat" cmpd="sng" algn="ctr">
+                          <a:solidFill>
+                            <a:schemeClr val="tx1"/>
+                          </a:solidFill>
+                          <a:prstDash val="solid"/>
+                          <a:round/>
+                          <a:headEnd type="none" w="med" len="med"/>
+                          <a:tailEnd type="none" w="med" len="med"/>
+                        </a:lnR>
+                        <a:lnT w="12700" cap="flat" cmpd="sng" algn="ctr">
+                          <a:solidFill>
+                            <a:schemeClr val="tx1"/>
+                          </a:solidFill>
+                          <a:prstDash val="solid"/>
+                          <a:round/>
+                          <a:headEnd type="none" w="med" len="med"/>
+                          <a:tailEnd type="none" w="med" len="med"/>
+                        </a:lnT>
+                        <a:lnB w="12700" cap="flat" cmpd="sng" algn="ctr">
+                          <a:solidFill>
+                            <a:schemeClr val="tx1"/>
+                          </a:solidFill>
+                          <a:prstDash val="solid"/>
+                          <a:round/>
+                          <a:headEnd type="none" w="med" len="med"/>
+                          <a:tailEnd type="none" w="med" len="med"/>
+                        </a:lnB>
+                      </a:tcPr>
                     </a:tc>
                     <a:tc>
                       <a:txBody>
@@ -9818,7 +14021,44 @@
                           </a:endParaRPr>
                         </a:p>
                       </a:txBody>
-                      <a:tcPr marL="68580" marR="68580" marT="0" marB="0" anchor="ctr"/>
+                      <a:tcPr marL="68580" marR="68580" marT="0" marB="0" anchor="ctr">
+                        <a:lnL w="12700" cap="flat" cmpd="sng" algn="ctr">
+                          <a:solidFill>
+                            <a:schemeClr val="tx1"/>
+                          </a:solidFill>
+                          <a:prstDash val="solid"/>
+                          <a:round/>
+                          <a:headEnd type="none" w="med" len="med"/>
+                          <a:tailEnd type="none" w="med" len="med"/>
+                        </a:lnL>
+                        <a:lnR w="12700" cap="flat" cmpd="sng" algn="ctr">
+                          <a:solidFill>
+                            <a:schemeClr val="tx1"/>
+                          </a:solidFill>
+                          <a:prstDash val="solid"/>
+                          <a:round/>
+                          <a:headEnd type="none" w="med" len="med"/>
+                          <a:tailEnd type="none" w="med" len="med"/>
+                        </a:lnR>
+                        <a:lnT w="12700" cap="flat" cmpd="sng" algn="ctr">
+                          <a:solidFill>
+                            <a:schemeClr val="tx1"/>
+                          </a:solidFill>
+                          <a:prstDash val="solid"/>
+                          <a:round/>
+                          <a:headEnd type="none" w="med" len="med"/>
+                          <a:tailEnd type="none" w="med" len="med"/>
+                        </a:lnT>
+                        <a:lnB w="12700" cap="flat" cmpd="sng" algn="ctr">
+                          <a:solidFill>
+                            <a:schemeClr val="tx1"/>
+                          </a:solidFill>
+                          <a:prstDash val="solid"/>
+                          <a:round/>
+                          <a:headEnd type="none" w="med" len="med"/>
+                          <a:tailEnd type="none" w="med" len="med"/>
+                        </a:lnB>
+                      </a:tcPr>
                     </a:tc>
                     <a:tc>
                       <a:txBody>
@@ -9849,7 +14089,44 @@
                           </a:endParaRPr>
                         </a:p>
                       </a:txBody>
-                      <a:tcPr marL="68580" marR="68580" marT="0" marB="0" anchor="ctr"/>
+                      <a:tcPr marL="68580" marR="68580" marT="0" marB="0" anchor="ctr">
+                        <a:lnL w="12700" cap="flat" cmpd="sng" algn="ctr">
+                          <a:solidFill>
+                            <a:schemeClr val="tx1"/>
+                          </a:solidFill>
+                          <a:prstDash val="solid"/>
+                          <a:round/>
+                          <a:headEnd type="none" w="med" len="med"/>
+                          <a:tailEnd type="none" w="med" len="med"/>
+                        </a:lnL>
+                        <a:lnR w="12700" cap="flat" cmpd="sng" algn="ctr">
+                          <a:solidFill>
+                            <a:schemeClr val="tx1"/>
+                          </a:solidFill>
+                          <a:prstDash val="solid"/>
+                          <a:round/>
+                          <a:headEnd type="none" w="med" len="med"/>
+                          <a:tailEnd type="none" w="med" len="med"/>
+                        </a:lnR>
+                        <a:lnT w="12700" cap="flat" cmpd="sng" algn="ctr">
+                          <a:solidFill>
+                            <a:schemeClr val="tx1"/>
+                          </a:solidFill>
+                          <a:prstDash val="solid"/>
+                          <a:round/>
+                          <a:headEnd type="none" w="med" len="med"/>
+                          <a:tailEnd type="none" w="med" len="med"/>
+                        </a:lnT>
+                        <a:lnB w="12700" cap="flat" cmpd="sng" algn="ctr">
+                          <a:solidFill>
+                            <a:schemeClr val="tx1"/>
+                          </a:solidFill>
+                          <a:prstDash val="solid"/>
+                          <a:round/>
+                          <a:headEnd type="none" w="med" len="med"/>
+                          <a:tailEnd type="none" w="med" len="med"/>
+                        </a:lnB>
+                      </a:tcPr>
                     </a:tc>
                     <a:tc>
                       <a:txBody>
@@ -9865,14 +14142,14 @@
                             </a:spcAft>
                           </a:pPr>
                           <a:r>
-                            <a:rPr lang="ru-RU" sz="2400">
+                            <a:rPr lang="ru-RU" sz="2400" dirty="0">
                               <a:effectLst/>
                               <a:latin typeface="Microsoft JhengHei UI Light" panose="020B0304030504040204" pitchFamily="34" charset="-120"/>
                               <a:ea typeface="Microsoft JhengHei UI Light" panose="020B0304030504040204" pitchFamily="34" charset="-120"/>
                             </a:rPr>
                             <a:t>Нет</a:t>
                           </a:r>
-                          <a:endParaRPr lang="en-US" sz="2400">
+                          <a:endParaRPr lang="en-US" sz="2400" dirty="0">
                             <a:effectLst/>
                             <a:latin typeface="Microsoft JhengHei UI Light" panose="020B0304030504040204" pitchFamily="34" charset="-120"/>
                             <a:ea typeface="Microsoft JhengHei UI Light" panose="020B0304030504040204" pitchFamily="34" charset="-120"/>
@@ -9880,7 +14157,44 @@
                           </a:endParaRPr>
                         </a:p>
                       </a:txBody>
-                      <a:tcPr marL="68580" marR="68580" marT="0" marB="0" anchor="ctr"/>
+                      <a:tcPr marL="68580" marR="68580" marT="0" marB="0" anchor="ctr">
+                        <a:lnL w="12700" cap="flat" cmpd="sng" algn="ctr">
+                          <a:solidFill>
+                            <a:schemeClr val="tx1"/>
+                          </a:solidFill>
+                          <a:prstDash val="solid"/>
+                          <a:round/>
+                          <a:headEnd type="none" w="med" len="med"/>
+                          <a:tailEnd type="none" w="med" len="med"/>
+                        </a:lnL>
+                        <a:lnR w="12700" cap="flat" cmpd="sng" algn="ctr">
+                          <a:solidFill>
+                            <a:schemeClr val="tx1"/>
+                          </a:solidFill>
+                          <a:prstDash val="solid"/>
+                          <a:round/>
+                          <a:headEnd type="none" w="med" len="med"/>
+                          <a:tailEnd type="none" w="med" len="med"/>
+                        </a:lnR>
+                        <a:lnT w="12700" cap="flat" cmpd="sng" algn="ctr">
+                          <a:solidFill>
+                            <a:schemeClr val="tx1"/>
+                          </a:solidFill>
+                          <a:prstDash val="solid"/>
+                          <a:round/>
+                          <a:headEnd type="none" w="med" len="med"/>
+                          <a:tailEnd type="none" w="med" len="med"/>
+                        </a:lnT>
+                        <a:lnB w="12700" cap="flat" cmpd="sng" algn="ctr">
+                          <a:solidFill>
+                            <a:schemeClr val="tx1"/>
+                          </a:solidFill>
+                          <a:prstDash val="solid"/>
+                          <a:round/>
+                          <a:headEnd type="none" w="med" len="med"/>
+                          <a:tailEnd type="none" w="med" len="med"/>
+                        </a:lnB>
+                      </a:tcPr>
                     </a:tc>
                     <a:tc>
                       <a:txBody>
@@ -9911,7 +14225,44 @@
                           </a:endParaRPr>
                         </a:p>
                       </a:txBody>
-                      <a:tcPr marL="68580" marR="68580" marT="0" marB="0" anchor="ctr"/>
+                      <a:tcPr marL="68580" marR="68580" marT="0" marB="0" anchor="ctr">
+                        <a:lnL w="12700" cap="flat" cmpd="sng" algn="ctr">
+                          <a:solidFill>
+                            <a:schemeClr val="tx1"/>
+                          </a:solidFill>
+                          <a:prstDash val="solid"/>
+                          <a:round/>
+                          <a:headEnd type="none" w="med" len="med"/>
+                          <a:tailEnd type="none" w="med" len="med"/>
+                        </a:lnL>
+                        <a:lnR w="12700" cap="flat" cmpd="sng" algn="ctr">
+                          <a:solidFill>
+                            <a:schemeClr val="tx1"/>
+                          </a:solidFill>
+                          <a:prstDash val="solid"/>
+                          <a:round/>
+                          <a:headEnd type="none" w="med" len="med"/>
+                          <a:tailEnd type="none" w="med" len="med"/>
+                        </a:lnR>
+                        <a:lnT w="12700" cap="flat" cmpd="sng" algn="ctr">
+                          <a:solidFill>
+                            <a:schemeClr val="tx1"/>
+                          </a:solidFill>
+                          <a:prstDash val="solid"/>
+                          <a:round/>
+                          <a:headEnd type="none" w="med" len="med"/>
+                          <a:tailEnd type="none" w="med" len="med"/>
+                        </a:lnT>
+                        <a:lnB w="12700" cap="flat" cmpd="sng" algn="ctr">
+                          <a:solidFill>
+                            <a:schemeClr val="tx1"/>
+                          </a:solidFill>
+                          <a:prstDash val="solid"/>
+                          <a:round/>
+                          <a:headEnd type="none" w="med" len="med"/>
+                          <a:tailEnd type="none" w="med" len="med"/>
+                        </a:lnB>
+                      </a:tcPr>
                     </a:tc>
                     <a:tc>
                       <a:txBody>
@@ -9942,7 +14293,44 @@
                           </a:endParaRPr>
                         </a:p>
                       </a:txBody>
-                      <a:tcPr marL="68580" marR="68580" marT="0" marB="0" anchor="ctr"/>
+                      <a:tcPr marL="68580" marR="68580" marT="0" marB="0" anchor="ctr">
+                        <a:lnL w="12700" cap="flat" cmpd="sng" algn="ctr">
+                          <a:solidFill>
+                            <a:schemeClr val="tx1"/>
+                          </a:solidFill>
+                          <a:prstDash val="solid"/>
+                          <a:round/>
+                          <a:headEnd type="none" w="med" len="med"/>
+                          <a:tailEnd type="none" w="med" len="med"/>
+                        </a:lnL>
+                        <a:lnR w="12700" cap="flat" cmpd="sng" algn="ctr">
+                          <a:solidFill>
+                            <a:schemeClr val="tx1"/>
+                          </a:solidFill>
+                          <a:prstDash val="solid"/>
+                          <a:round/>
+                          <a:headEnd type="none" w="med" len="med"/>
+                          <a:tailEnd type="none" w="med" len="med"/>
+                        </a:lnR>
+                        <a:lnT w="12700" cap="flat" cmpd="sng" algn="ctr">
+                          <a:solidFill>
+                            <a:schemeClr val="tx1"/>
+                          </a:solidFill>
+                          <a:prstDash val="solid"/>
+                          <a:round/>
+                          <a:headEnd type="none" w="med" len="med"/>
+                          <a:tailEnd type="none" w="med" len="med"/>
+                        </a:lnT>
+                        <a:lnB w="12700" cap="flat" cmpd="sng" algn="ctr">
+                          <a:solidFill>
+                            <a:schemeClr val="tx1"/>
+                          </a:solidFill>
+                          <a:prstDash val="solid"/>
+                          <a:round/>
+                          <a:headEnd type="none" w="med" len="med"/>
+                          <a:tailEnd type="none" w="med" len="med"/>
+                        </a:lnB>
+                      </a:tcPr>
                     </a:tc>
                     <a:extLst>
                       <a:ext uri="{0D108BD9-81ED-4DB2-BD59-A6C34878D82A}">
@@ -9980,7 +14368,44 @@
                           </a:endParaRPr>
                         </a:p>
                       </a:txBody>
-                      <a:tcPr marL="68580" marR="68580" marT="0" marB="0" anchor="ctr"/>
+                      <a:tcPr marL="68580" marR="68580" marT="0" marB="0" anchor="ctr">
+                        <a:lnL w="12700" cap="flat" cmpd="sng" algn="ctr">
+                          <a:solidFill>
+                            <a:schemeClr val="tx1"/>
+                          </a:solidFill>
+                          <a:prstDash val="solid"/>
+                          <a:round/>
+                          <a:headEnd type="none" w="med" len="med"/>
+                          <a:tailEnd type="none" w="med" len="med"/>
+                        </a:lnL>
+                        <a:lnR w="12700" cap="flat" cmpd="sng" algn="ctr">
+                          <a:solidFill>
+                            <a:schemeClr val="tx1"/>
+                          </a:solidFill>
+                          <a:prstDash val="solid"/>
+                          <a:round/>
+                          <a:headEnd type="none" w="med" len="med"/>
+                          <a:tailEnd type="none" w="med" len="med"/>
+                        </a:lnR>
+                        <a:lnT w="12700" cap="flat" cmpd="sng" algn="ctr">
+                          <a:solidFill>
+                            <a:schemeClr val="tx1"/>
+                          </a:solidFill>
+                          <a:prstDash val="solid"/>
+                          <a:round/>
+                          <a:headEnd type="none" w="med" len="med"/>
+                          <a:tailEnd type="none" w="med" len="med"/>
+                        </a:lnT>
+                        <a:lnB w="12700" cap="flat" cmpd="sng" algn="ctr">
+                          <a:solidFill>
+                            <a:schemeClr val="tx1"/>
+                          </a:solidFill>
+                          <a:prstDash val="solid"/>
+                          <a:round/>
+                          <a:headEnd type="none" w="med" len="med"/>
+                          <a:tailEnd type="none" w="med" len="med"/>
+                        </a:lnB>
+                      </a:tcPr>
                     </a:tc>
                     <a:tc>
                       <a:txBody>
@@ -10011,7 +14436,44 @@
                           </a:endParaRPr>
                         </a:p>
                       </a:txBody>
-                      <a:tcPr marL="68580" marR="68580" marT="0" marB="0" anchor="ctr"/>
+                      <a:tcPr marL="68580" marR="68580" marT="0" marB="0" anchor="ctr">
+                        <a:lnL w="12700" cap="flat" cmpd="sng" algn="ctr">
+                          <a:solidFill>
+                            <a:schemeClr val="tx1"/>
+                          </a:solidFill>
+                          <a:prstDash val="solid"/>
+                          <a:round/>
+                          <a:headEnd type="none" w="med" len="med"/>
+                          <a:tailEnd type="none" w="med" len="med"/>
+                        </a:lnL>
+                        <a:lnR w="12700" cap="flat" cmpd="sng" algn="ctr">
+                          <a:solidFill>
+                            <a:schemeClr val="tx1"/>
+                          </a:solidFill>
+                          <a:prstDash val="solid"/>
+                          <a:round/>
+                          <a:headEnd type="none" w="med" len="med"/>
+                          <a:tailEnd type="none" w="med" len="med"/>
+                        </a:lnR>
+                        <a:lnT w="12700" cap="flat" cmpd="sng" algn="ctr">
+                          <a:solidFill>
+                            <a:schemeClr val="tx1"/>
+                          </a:solidFill>
+                          <a:prstDash val="solid"/>
+                          <a:round/>
+                          <a:headEnd type="none" w="med" len="med"/>
+                          <a:tailEnd type="none" w="med" len="med"/>
+                        </a:lnT>
+                        <a:lnB w="12700" cap="flat" cmpd="sng" algn="ctr">
+                          <a:solidFill>
+                            <a:schemeClr val="tx1"/>
+                          </a:solidFill>
+                          <a:prstDash val="solid"/>
+                          <a:round/>
+                          <a:headEnd type="none" w="med" len="med"/>
+                          <a:tailEnd type="none" w="med" len="med"/>
+                        </a:lnB>
+                      </a:tcPr>
                     </a:tc>
                     <a:tc>
                       <a:txBody>
@@ -10043,6 +14505,42 @@
                         </a:p>
                       </a:txBody>
                       <a:tcPr marL="68580" marR="68580" marT="0" marB="0" anchor="ctr">
+                        <a:lnL w="12700" cap="flat" cmpd="sng" algn="ctr">
+                          <a:solidFill>
+                            <a:schemeClr val="tx1"/>
+                          </a:solidFill>
+                          <a:prstDash val="solid"/>
+                          <a:round/>
+                          <a:headEnd type="none" w="med" len="med"/>
+                          <a:tailEnd type="none" w="med" len="med"/>
+                        </a:lnL>
+                        <a:lnR w="12700" cap="flat" cmpd="sng" algn="ctr">
+                          <a:solidFill>
+                            <a:schemeClr val="tx1"/>
+                          </a:solidFill>
+                          <a:prstDash val="solid"/>
+                          <a:round/>
+                          <a:headEnd type="none" w="med" len="med"/>
+                          <a:tailEnd type="none" w="med" len="med"/>
+                        </a:lnR>
+                        <a:lnT w="12700" cap="flat" cmpd="sng" algn="ctr">
+                          <a:solidFill>
+                            <a:schemeClr val="tx1"/>
+                          </a:solidFill>
+                          <a:prstDash val="solid"/>
+                          <a:round/>
+                          <a:headEnd type="none" w="med" len="med"/>
+                          <a:tailEnd type="none" w="med" len="med"/>
+                        </a:lnT>
+                        <a:lnB w="12700" cap="flat" cmpd="sng" algn="ctr">
+                          <a:solidFill>
+                            <a:schemeClr val="tx1"/>
+                          </a:solidFill>
+                          <a:prstDash val="solid"/>
+                          <a:round/>
+                          <a:headEnd type="none" w="med" len="med"/>
+                          <a:tailEnd type="none" w="med" len="med"/>
+                        </a:lnB>
                         <a:solidFill>
                           <a:srgbClr val="92D050"/>
                         </a:solidFill>
@@ -10077,7 +14575,44 @@
                           </a:endParaRPr>
                         </a:p>
                       </a:txBody>
-                      <a:tcPr marL="68580" marR="68580" marT="0" marB="0" anchor="ctr"/>
+                      <a:tcPr marL="68580" marR="68580" marT="0" marB="0" anchor="ctr">
+                        <a:lnL w="12700" cap="flat" cmpd="sng" algn="ctr">
+                          <a:solidFill>
+                            <a:schemeClr val="tx1"/>
+                          </a:solidFill>
+                          <a:prstDash val="solid"/>
+                          <a:round/>
+                          <a:headEnd type="none" w="med" len="med"/>
+                          <a:tailEnd type="none" w="med" len="med"/>
+                        </a:lnL>
+                        <a:lnR w="12700" cap="flat" cmpd="sng" algn="ctr">
+                          <a:solidFill>
+                            <a:schemeClr val="tx1"/>
+                          </a:solidFill>
+                          <a:prstDash val="solid"/>
+                          <a:round/>
+                          <a:headEnd type="none" w="med" len="med"/>
+                          <a:tailEnd type="none" w="med" len="med"/>
+                        </a:lnR>
+                        <a:lnT w="12700" cap="flat" cmpd="sng" algn="ctr">
+                          <a:solidFill>
+                            <a:schemeClr val="tx1"/>
+                          </a:solidFill>
+                          <a:prstDash val="solid"/>
+                          <a:round/>
+                          <a:headEnd type="none" w="med" len="med"/>
+                          <a:tailEnd type="none" w="med" len="med"/>
+                        </a:lnT>
+                        <a:lnB w="12700" cap="flat" cmpd="sng" algn="ctr">
+                          <a:solidFill>
+                            <a:schemeClr val="tx1"/>
+                          </a:solidFill>
+                          <a:prstDash val="solid"/>
+                          <a:round/>
+                          <a:headEnd type="none" w="med" len="med"/>
+                          <a:tailEnd type="none" w="med" len="med"/>
+                        </a:lnB>
+                      </a:tcPr>
                     </a:tc>
                     <a:tc>
                       <a:txBody>
@@ -10108,7 +14643,44 @@
                           </a:endParaRPr>
                         </a:p>
                       </a:txBody>
-                      <a:tcPr marL="68580" marR="68580" marT="0" marB="0" anchor="ctr"/>
+                      <a:tcPr marL="68580" marR="68580" marT="0" marB="0" anchor="ctr">
+                        <a:lnL w="12700" cap="flat" cmpd="sng" algn="ctr">
+                          <a:solidFill>
+                            <a:schemeClr val="tx1"/>
+                          </a:solidFill>
+                          <a:prstDash val="solid"/>
+                          <a:round/>
+                          <a:headEnd type="none" w="med" len="med"/>
+                          <a:tailEnd type="none" w="med" len="med"/>
+                        </a:lnL>
+                        <a:lnR w="12700" cap="flat" cmpd="sng" algn="ctr">
+                          <a:solidFill>
+                            <a:schemeClr val="tx1"/>
+                          </a:solidFill>
+                          <a:prstDash val="solid"/>
+                          <a:round/>
+                          <a:headEnd type="none" w="med" len="med"/>
+                          <a:tailEnd type="none" w="med" len="med"/>
+                        </a:lnR>
+                        <a:lnT w="12700" cap="flat" cmpd="sng" algn="ctr">
+                          <a:solidFill>
+                            <a:schemeClr val="tx1"/>
+                          </a:solidFill>
+                          <a:prstDash val="solid"/>
+                          <a:round/>
+                          <a:headEnd type="none" w="med" len="med"/>
+                          <a:tailEnd type="none" w="med" len="med"/>
+                        </a:lnT>
+                        <a:lnB w="12700" cap="flat" cmpd="sng" algn="ctr">
+                          <a:solidFill>
+                            <a:schemeClr val="tx1"/>
+                          </a:solidFill>
+                          <a:prstDash val="solid"/>
+                          <a:round/>
+                          <a:headEnd type="none" w="med" len="med"/>
+                          <a:tailEnd type="none" w="med" len="med"/>
+                        </a:lnB>
+                      </a:tcPr>
                     </a:tc>
                     <a:tc>
                       <a:txBody>
@@ -10139,7 +14711,44 @@
                           </a:endParaRPr>
                         </a:p>
                       </a:txBody>
-                      <a:tcPr marL="68580" marR="68580" marT="0" marB="0" anchor="ctr"/>
+                      <a:tcPr marL="68580" marR="68580" marT="0" marB="0" anchor="ctr">
+                        <a:lnL w="12700" cap="flat" cmpd="sng" algn="ctr">
+                          <a:solidFill>
+                            <a:schemeClr val="tx1"/>
+                          </a:solidFill>
+                          <a:prstDash val="solid"/>
+                          <a:round/>
+                          <a:headEnd type="none" w="med" len="med"/>
+                          <a:tailEnd type="none" w="med" len="med"/>
+                        </a:lnL>
+                        <a:lnR w="12700" cap="flat" cmpd="sng" algn="ctr">
+                          <a:solidFill>
+                            <a:schemeClr val="tx1"/>
+                          </a:solidFill>
+                          <a:prstDash val="solid"/>
+                          <a:round/>
+                          <a:headEnd type="none" w="med" len="med"/>
+                          <a:tailEnd type="none" w="med" len="med"/>
+                        </a:lnR>
+                        <a:lnT w="12700" cap="flat" cmpd="sng" algn="ctr">
+                          <a:solidFill>
+                            <a:schemeClr val="tx1"/>
+                          </a:solidFill>
+                          <a:prstDash val="solid"/>
+                          <a:round/>
+                          <a:headEnd type="none" w="med" len="med"/>
+                          <a:tailEnd type="none" w="med" len="med"/>
+                        </a:lnT>
+                        <a:lnB w="12700" cap="flat" cmpd="sng" algn="ctr">
+                          <a:solidFill>
+                            <a:schemeClr val="tx1"/>
+                          </a:solidFill>
+                          <a:prstDash val="solid"/>
+                          <a:round/>
+                          <a:headEnd type="none" w="med" len="med"/>
+                          <a:tailEnd type="none" w="med" len="med"/>
+                        </a:lnB>
+                      </a:tcPr>
                     </a:tc>
                     <a:tc>
                       <a:txBody>
@@ -10170,7 +14779,44 @@
                           </a:endParaRPr>
                         </a:p>
                       </a:txBody>
-                      <a:tcPr marL="68580" marR="68580" marT="0" marB="0" anchor="ctr"/>
+                      <a:tcPr marL="68580" marR="68580" marT="0" marB="0" anchor="ctr">
+                        <a:lnL w="12700" cap="flat" cmpd="sng" algn="ctr">
+                          <a:solidFill>
+                            <a:schemeClr val="tx1"/>
+                          </a:solidFill>
+                          <a:prstDash val="solid"/>
+                          <a:round/>
+                          <a:headEnd type="none" w="med" len="med"/>
+                          <a:tailEnd type="none" w="med" len="med"/>
+                        </a:lnL>
+                        <a:lnR w="12700" cap="flat" cmpd="sng" algn="ctr">
+                          <a:solidFill>
+                            <a:schemeClr val="tx1"/>
+                          </a:solidFill>
+                          <a:prstDash val="solid"/>
+                          <a:round/>
+                          <a:headEnd type="none" w="med" len="med"/>
+                          <a:tailEnd type="none" w="med" len="med"/>
+                        </a:lnR>
+                        <a:lnT w="12700" cap="flat" cmpd="sng" algn="ctr">
+                          <a:solidFill>
+                            <a:schemeClr val="tx1"/>
+                          </a:solidFill>
+                          <a:prstDash val="solid"/>
+                          <a:round/>
+                          <a:headEnd type="none" w="med" len="med"/>
+                          <a:tailEnd type="none" w="med" len="med"/>
+                        </a:lnT>
+                        <a:lnB w="12700" cap="flat" cmpd="sng" algn="ctr">
+                          <a:solidFill>
+                            <a:schemeClr val="tx1"/>
+                          </a:solidFill>
+                          <a:prstDash val="solid"/>
+                          <a:round/>
+                          <a:headEnd type="none" w="med" len="med"/>
+                          <a:tailEnd type="none" w="med" len="med"/>
+                        </a:lnB>
+                      </a:tcPr>
                     </a:tc>
                     <a:extLst>
                       <a:ext uri="{0D108BD9-81ED-4DB2-BD59-A6C34878D82A}">
@@ -10208,7 +14854,44 @@
                           </a:endParaRPr>
                         </a:p>
                       </a:txBody>
-                      <a:tcPr marL="68580" marR="68580" marT="0" marB="0" anchor="ctr"/>
+                      <a:tcPr marL="68580" marR="68580" marT="0" marB="0" anchor="ctr">
+                        <a:lnL w="12700" cap="flat" cmpd="sng" algn="ctr">
+                          <a:solidFill>
+                            <a:schemeClr val="tx1"/>
+                          </a:solidFill>
+                          <a:prstDash val="solid"/>
+                          <a:round/>
+                          <a:headEnd type="none" w="med" len="med"/>
+                          <a:tailEnd type="none" w="med" len="med"/>
+                        </a:lnL>
+                        <a:lnR w="12700" cap="flat" cmpd="sng" algn="ctr">
+                          <a:solidFill>
+                            <a:schemeClr val="tx1"/>
+                          </a:solidFill>
+                          <a:prstDash val="solid"/>
+                          <a:round/>
+                          <a:headEnd type="none" w="med" len="med"/>
+                          <a:tailEnd type="none" w="med" len="med"/>
+                        </a:lnR>
+                        <a:lnT w="12700" cap="flat" cmpd="sng" algn="ctr">
+                          <a:solidFill>
+                            <a:schemeClr val="tx1"/>
+                          </a:solidFill>
+                          <a:prstDash val="solid"/>
+                          <a:round/>
+                          <a:headEnd type="none" w="med" len="med"/>
+                          <a:tailEnd type="none" w="med" len="med"/>
+                        </a:lnT>
+                        <a:lnB w="12700" cap="flat" cmpd="sng" algn="ctr">
+                          <a:solidFill>
+                            <a:schemeClr val="tx1"/>
+                          </a:solidFill>
+                          <a:prstDash val="solid"/>
+                          <a:round/>
+                          <a:headEnd type="none" w="med" len="med"/>
+                          <a:tailEnd type="none" w="med" len="med"/>
+                        </a:lnB>
+                      </a:tcPr>
                     </a:tc>
                     <a:tc>
                       <a:txBody>
@@ -10239,7 +14922,44 @@
                           </a:endParaRPr>
                         </a:p>
                       </a:txBody>
-                      <a:tcPr marL="68580" marR="68580" marT="0" marB="0" anchor="ctr"/>
+                      <a:tcPr marL="68580" marR="68580" marT="0" marB="0" anchor="ctr">
+                        <a:lnL w="12700" cap="flat" cmpd="sng" algn="ctr">
+                          <a:solidFill>
+                            <a:schemeClr val="tx1"/>
+                          </a:solidFill>
+                          <a:prstDash val="solid"/>
+                          <a:round/>
+                          <a:headEnd type="none" w="med" len="med"/>
+                          <a:tailEnd type="none" w="med" len="med"/>
+                        </a:lnL>
+                        <a:lnR w="12700" cap="flat" cmpd="sng" algn="ctr">
+                          <a:solidFill>
+                            <a:schemeClr val="tx1"/>
+                          </a:solidFill>
+                          <a:prstDash val="solid"/>
+                          <a:round/>
+                          <a:headEnd type="none" w="med" len="med"/>
+                          <a:tailEnd type="none" w="med" len="med"/>
+                        </a:lnR>
+                        <a:lnT w="12700" cap="flat" cmpd="sng" algn="ctr">
+                          <a:solidFill>
+                            <a:schemeClr val="tx1"/>
+                          </a:solidFill>
+                          <a:prstDash val="solid"/>
+                          <a:round/>
+                          <a:headEnd type="none" w="med" len="med"/>
+                          <a:tailEnd type="none" w="med" len="med"/>
+                        </a:lnT>
+                        <a:lnB w="12700" cap="flat" cmpd="sng" algn="ctr">
+                          <a:solidFill>
+                            <a:schemeClr val="tx1"/>
+                          </a:solidFill>
+                          <a:prstDash val="solid"/>
+                          <a:round/>
+                          <a:headEnd type="none" w="med" len="med"/>
+                          <a:tailEnd type="none" w="med" len="med"/>
+                        </a:lnB>
+                      </a:tcPr>
                     </a:tc>
                     <a:tc>
                       <a:txBody>
@@ -10271,6 +14991,42 @@
                         </a:p>
                       </a:txBody>
                       <a:tcPr marL="68580" marR="68580" marT="0" marB="0" anchor="ctr">
+                        <a:lnL w="12700" cap="flat" cmpd="sng" algn="ctr">
+                          <a:solidFill>
+                            <a:schemeClr val="tx1"/>
+                          </a:solidFill>
+                          <a:prstDash val="solid"/>
+                          <a:round/>
+                          <a:headEnd type="none" w="med" len="med"/>
+                          <a:tailEnd type="none" w="med" len="med"/>
+                        </a:lnL>
+                        <a:lnR w="12700" cap="flat" cmpd="sng" algn="ctr">
+                          <a:solidFill>
+                            <a:schemeClr val="tx1"/>
+                          </a:solidFill>
+                          <a:prstDash val="solid"/>
+                          <a:round/>
+                          <a:headEnd type="none" w="med" len="med"/>
+                          <a:tailEnd type="none" w="med" len="med"/>
+                        </a:lnR>
+                        <a:lnT w="12700" cap="flat" cmpd="sng" algn="ctr">
+                          <a:solidFill>
+                            <a:schemeClr val="tx1"/>
+                          </a:solidFill>
+                          <a:prstDash val="solid"/>
+                          <a:round/>
+                          <a:headEnd type="none" w="med" len="med"/>
+                          <a:tailEnd type="none" w="med" len="med"/>
+                        </a:lnT>
+                        <a:lnB w="12700" cap="flat" cmpd="sng" algn="ctr">
+                          <a:solidFill>
+                            <a:schemeClr val="tx1"/>
+                          </a:solidFill>
+                          <a:prstDash val="solid"/>
+                          <a:round/>
+                          <a:headEnd type="none" w="med" len="med"/>
+                          <a:tailEnd type="none" w="med" len="med"/>
+                        </a:lnB>
                         <a:solidFill>
                           <a:srgbClr val="92D050"/>
                         </a:solidFill>
@@ -10305,7 +15061,44 @@
                           </a:endParaRPr>
                         </a:p>
                       </a:txBody>
-                      <a:tcPr marL="68580" marR="68580" marT="0" marB="0" anchor="ctr"/>
+                      <a:tcPr marL="68580" marR="68580" marT="0" marB="0" anchor="ctr">
+                        <a:lnL w="12700" cap="flat" cmpd="sng" algn="ctr">
+                          <a:solidFill>
+                            <a:schemeClr val="tx1"/>
+                          </a:solidFill>
+                          <a:prstDash val="solid"/>
+                          <a:round/>
+                          <a:headEnd type="none" w="med" len="med"/>
+                          <a:tailEnd type="none" w="med" len="med"/>
+                        </a:lnL>
+                        <a:lnR w="12700" cap="flat" cmpd="sng" algn="ctr">
+                          <a:solidFill>
+                            <a:schemeClr val="tx1"/>
+                          </a:solidFill>
+                          <a:prstDash val="solid"/>
+                          <a:round/>
+                          <a:headEnd type="none" w="med" len="med"/>
+                          <a:tailEnd type="none" w="med" len="med"/>
+                        </a:lnR>
+                        <a:lnT w="12700" cap="flat" cmpd="sng" algn="ctr">
+                          <a:solidFill>
+                            <a:schemeClr val="tx1"/>
+                          </a:solidFill>
+                          <a:prstDash val="solid"/>
+                          <a:round/>
+                          <a:headEnd type="none" w="med" len="med"/>
+                          <a:tailEnd type="none" w="med" len="med"/>
+                        </a:lnT>
+                        <a:lnB w="12700" cap="flat" cmpd="sng" algn="ctr">
+                          <a:solidFill>
+                            <a:schemeClr val="tx1"/>
+                          </a:solidFill>
+                          <a:prstDash val="solid"/>
+                          <a:round/>
+                          <a:headEnd type="none" w="med" len="med"/>
+                          <a:tailEnd type="none" w="med" len="med"/>
+                        </a:lnB>
+                      </a:tcPr>
                     </a:tc>
                     <a:tc>
                       <a:txBody>
@@ -10336,7 +15129,44 @@
                           </a:endParaRPr>
                         </a:p>
                       </a:txBody>
-                      <a:tcPr marL="68580" marR="68580" marT="0" marB="0" anchor="ctr"/>
+                      <a:tcPr marL="68580" marR="68580" marT="0" marB="0" anchor="ctr">
+                        <a:lnL w="12700" cap="flat" cmpd="sng" algn="ctr">
+                          <a:solidFill>
+                            <a:schemeClr val="tx1"/>
+                          </a:solidFill>
+                          <a:prstDash val="solid"/>
+                          <a:round/>
+                          <a:headEnd type="none" w="med" len="med"/>
+                          <a:tailEnd type="none" w="med" len="med"/>
+                        </a:lnL>
+                        <a:lnR w="12700" cap="flat" cmpd="sng" algn="ctr">
+                          <a:solidFill>
+                            <a:schemeClr val="tx1"/>
+                          </a:solidFill>
+                          <a:prstDash val="solid"/>
+                          <a:round/>
+                          <a:headEnd type="none" w="med" len="med"/>
+                          <a:tailEnd type="none" w="med" len="med"/>
+                        </a:lnR>
+                        <a:lnT w="12700" cap="flat" cmpd="sng" algn="ctr">
+                          <a:solidFill>
+                            <a:schemeClr val="tx1"/>
+                          </a:solidFill>
+                          <a:prstDash val="solid"/>
+                          <a:round/>
+                          <a:headEnd type="none" w="med" len="med"/>
+                          <a:tailEnd type="none" w="med" len="med"/>
+                        </a:lnT>
+                        <a:lnB w="12700" cap="flat" cmpd="sng" algn="ctr">
+                          <a:solidFill>
+                            <a:schemeClr val="tx1"/>
+                          </a:solidFill>
+                          <a:prstDash val="solid"/>
+                          <a:round/>
+                          <a:headEnd type="none" w="med" len="med"/>
+                          <a:tailEnd type="none" w="med" len="med"/>
+                        </a:lnB>
+                      </a:tcPr>
                     </a:tc>
                     <a:tc>
                       <a:txBody>
@@ -10367,7 +15197,44 @@
                           </a:endParaRPr>
                         </a:p>
                       </a:txBody>
-                      <a:tcPr marL="68580" marR="68580" marT="0" marB="0" anchor="ctr"/>
+                      <a:tcPr marL="68580" marR="68580" marT="0" marB="0" anchor="ctr">
+                        <a:lnL w="12700" cap="flat" cmpd="sng" algn="ctr">
+                          <a:solidFill>
+                            <a:schemeClr val="tx1"/>
+                          </a:solidFill>
+                          <a:prstDash val="solid"/>
+                          <a:round/>
+                          <a:headEnd type="none" w="med" len="med"/>
+                          <a:tailEnd type="none" w="med" len="med"/>
+                        </a:lnL>
+                        <a:lnR w="12700" cap="flat" cmpd="sng" algn="ctr">
+                          <a:solidFill>
+                            <a:schemeClr val="tx1"/>
+                          </a:solidFill>
+                          <a:prstDash val="solid"/>
+                          <a:round/>
+                          <a:headEnd type="none" w="med" len="med"/>
+                          <a:tailEnd type="none" w="med" len="med"/>
+                        </a:lnR>
+                        <a:lnT w="12700" cap="flat" cmpd="sng" algn="ctr">
+                          <a:solidFill>
+                            <a:schemeClr val="tx1"/>
+                          </a:solidFill>
+                          <a:prstDash val="solid"/>
+                          <a:round/>
+                          <a:headEnd type="none" w="med" len="med"/>
+                          <a:tailEnd type="none" w="med" len="med"/>
+                        </a:lnT>
+                        <a:lnB w="12700" cap="flat" cmpd="sng" algn="ctr">
+                          <a:solidFill>
+                            <a:schemeClr val="tx1"/>
+                          </a:solidFill>
+                          <a:prstDash val="solid"/>
+                          <a:round/>
+                          <a:headEnd type="none" w="med" len="med"/>
+                          <a:tailEnd type="none" w="med" len="med"/>
+                        </a:lnB>
+                      </a:tcPr>
                     </a:tc>
                     <a:tc>
                       <a:txBody>
@@ -10398,7 +15265,44 @@
                           </a:endParaRPr>
                         </a:p>
                       </a:txBody>
-                      <a:tcPr marL="68580" marR="68580" marT="0" marB="0" anchor="ctr"/>
+                      <a:tcPr marL="68580" marR="68580" marT="0" marB="0" anchor="ctr">
+                        <a:lnL w="12700" cap="flat" cmpd="sng" algn="ctr">
+                          <a:solidFill>
+                            <a:schemeClr val="tx1"/>
+                          </a:solidFill>
+                          <a:prstDash val="solid"/>
+                          <a:round/>
+                          <a:headEnd type="none" w="med" len="med"/>
+                          <a:tailEnd type="none" w="med" len="med"/>
+                        </a:lnL>
+                        <a:lnR w="12700" cap="flat" cmpd="sng" algn="ctr">
+                          <a:solidFill>
+                            <a:schemeClr val="tx1"/>
+                          </a:solidFill>
+                          <a:prstDash val="solid"/>
+                          <a:round/>
+                          <a:headEnd type="none" w="med" len="med"/>
+                          <a:tailEnd type="none" w="med" len="med"/>
+                        </a:lnR>
+                        <a:lnT w="12700" cap="flat" cmpd="sng" algn="ctr">
+                          <a:solidFill>
+                            <a:schemeClr val="tx1"/>
+                          </a:solidFill>
+                          <a:prstDash val="solid"/>
+                          <a:round/>
+                          <a:headEnd type="none" w="med" len="med"/>
+                          <a:tailEnd type="none" w="med" len="med"/>
+                        </a:lnT>
+                        <a:lnB w="12700" cap="flat" cmpd="sng" algn="ctr">
+                          <a:solidFill>
+                            <a:schemeClr val="tx1"/>
+                          </a:solidFill>
+                          <a:prstDash val="solid"/>
+                          <a:round/>
+                          <a:headEnd type="none" w="med" len="med"/>
+                          <a:tailEnd type="none" w="med" len="med"/>
+                        </a:lnB>
+                      </a:tcPr>
                     </a:tc>
                     <a:extLst>
                       <a:ext uri="{0D108BD9-81ED-4DB2-BD59-A6C34878D82A}">
@@ -10436,7 +15340,44 @@
                           </a:endParaRPr>
                         </a:p>
                       </a:txBody>
-                      <a:tcPr marL="68580" marR="68580" marT="0" marB="0" anchor="ctr"/>
+                      <a:tcPr marL="68580" marR="68580" marT="0" marB="0" anchor="ctr">
+                        <a:lnL w="12700" cap="flat" cmpd="sng" algn="ctr">
+                          <a:solidFill>
+                            <a:schemeClr val="tx1"/>
+                          </a:solidFill>
+                          <a:prstDash val="solid"/>
+                          <a:round/>
+                          <a:headEnd type="none" w="med" len="med"/>
+                          <a:tailEnd type="none" w="med" len="med"/>
+                        </a:lnL>
+                        <a:lnR w="12700" cap="flat" cmpd="sng" algn="ctr">
+                          <a:solidFill>
+                            <a:schemeClr val="tx1"/>
+                          </a:solidFill>
+                          <a:prstDash val="solid"/>
+                          <a:round/>
+                          <a:headEnd type="none" w="med" len="med"/>
+                          <a:tailEnd type="none" w="med" len="med"/>
+                        </a:lnR>
+                        <a:lnT w="12700" cap="flat" cmpd="sng" algn="ctr">
+                          <a:solidFill>
+                            <a:schemeClr val="tx1"/>
+                          </a:solidFill>
+                          <a:prstDash val="solid"/>
+                          <a:round/>
+                          <a:headEnd type="none" w="med" len="med"/>
+                          <a:tailEnd type="none" w="med" len="med"/>
+                        </a:lnT>
+                        <a:lnB w="12700" cap="flat" cmpd="sng" algn="ctr">
+                          <a:solidFill>
+                            <a:schemeClr val="tx1"/>
+                          </a:solidFill>
+                          <a:prstDash val="solid"/>
+                          <a:round/>
+                          <a:headEnd type="none" w="med" len="med"/>
+                          <a:tailEnd type="none" w="med" len="med"/>
+                        </a:lnB>
+                      </a:tcPr>
                     </a:tc>
                     <a:tc>
                       <a:txBody>
@@ -10467,7 +15408,44 @@
                           </a:endParaRPr>
                         </a:p>
                       </a:txBody>
-                      <a:tcPr marL="68580" marR="68580" marT="0" marB="0" anchor="ctr"/>
+                      <a:tcPr marL="68580" marR="68580" marT="0" marB="0" anchor="ctr">
+                        <a:lnL w="12700" cap="flat" cmpd="sng" algn="ctr">
+                          <a:solidFill>
+                            <a:schemeClr val="tx1"/>
+                          </a:solidFill>
+                          <a:prstDash val="solid"/>
+                          <a:round/>
+                          <a:headEnd type="none" w="med" len="med"/>
+                          <a:tailEnd type="none" w="med" len="med"/>
+                        </a:lnL>
+                        <a:lnR w="12700" cap="flat" cmpd="sng" algn="ctr">
+                          <a:solidFill>
+                            <a:schemeClr val="tx1"/>
+                          </a:solidFill>
+                          <a:prstDash val="solid"/>
+                          <a:round/>
+                          <a:headEnd type="none" w="med" len="med"/>
+                          <a:tailEnd type="none" w="med" len="med"/>
+                        </a:lnR>
+                        <a:lnT w="12700" cap="flat" cmpd="sng" algn="ctr">
+                          <a:solidFill>
+                            <a:schemeClr val="tx1"/>
+                          </a:solidFill>
+                          <a:prstDash val="solid"/>
+                          <a:round/>
+                          <a:headEnd type="none" w="med" len="med"/>
+                          <a:tailEnd type="none" w="med" len="med"/>
+                        </a:lnT>
+                        <a:lnB w="12700" cap="flat" cmpd="sng" algn="ctr">
+                          <a:solidFill>
+                            <a:schemeClr val="tx1"/>
+                          </a:solidFill>
+                          <a:prstDash val="solid"/>
+                          <a:round/>
+                          <a:headEnd type="none" w="med" len="med"/>
+                          <a:tailEnd type="none" w="med" len="med"/>
+                        </a:lnB>
+                      </a:tcPr>
                     </a:tc>
                     <a:tc>
                       <a:txBody>
@@ -10498,7 +15476,44 @@
                           </a:endParaRPr>
                         </a:p>
                       </a:txBody>
-                      <a:tcPr marL="68580" marR="68580" marT="0" marB="0" anchor="ctr"/>
+                      <a:tcPr marL="68580" marR="68580" marT="0" marB="0" anchor="ctr">
+                        <a:lnL w="12700" cap="flat" cmpd="sng" algn="ctr">
+                          <a:solidFill>
+                            <a:schemeClr val="tx1"/>
+                          </a:solidFill>
+                          <a:prstDash val="solid"/>
+                          <a:round/>
+                          <a:headEnd type="none" w="med" len="med"/>
+                          <a:tailEnd type="none" w="med" len="med"/>
+                        </a:lnL>
+                        <a:lnR w="12700" cap="flat" cmpd="sng" algn="ctr">
+                          <a:solidFill>
+                            <a:schemeClr val="tx1"/>
+                          </a:solidFill>
+                          <a:prstDash val="solid"/>
+                          <a:round/>
+                          <a:headEnd type="none" w="med" len="med"/>
+                          <a:tailEnd type="none" w="med" len="med"/>
+                        </a:lnR>
+                        <a:lnT w="12700" cap="flat" cmpd="sng" algn="ctr">
+                          <a:solidFill>
+                            <a:schemeClr val="tx1"/>
+                          </a:solidFill>
+                          <a:prstDash val="solid"/>
+                          <a:round/>
+                          <a:headEnd type="none" w="med" len="med"/>
+                          <a:tailEnd type="none" w="med" len="med"/>
+                        </a:lnT>
+                        <a:lnB w="12700" cap="flat" cmpd="sng" algn="ctr">
+                          <a:solidFill>
+                            <a:schemeClr val="tx1"/>
+                          </a:solidFill>
+                          <a:prstDash val="solid"/>
+                          <a:round/>
+                          <a:headEnd type="none" w="med" len="med"/>
+                          <a:tailEnd type="none" w="med" len="med"/>
+                        </a:lnB>
+                      </a:tcPr>
                     </a:tc>
                     <a:tc>
                       <a:txBody>
@@ -10529,7 +15544,44 @@
                           </a:endParaRPr>
                         </a:p>
                       </a:txBody>
-                      <a:tcPr marL="68580" marR="68580" marT="0" marB="0" anchor="ctr"/>
+                      <a:tcPr marL="68580" marR="68580" marT="0" marB="0" anchor="ctr">
+                        <a:lnL w="12700" cap="flat" cmpd="sng" algn="ctr">
+                          <a:solidFill>
+                            <a:schemeClr val="tx1"/>
+                          </a:solidFill>
+                          <a:prstDash val="solid"/>
+                          <a:round/>
+                          <a:headEnd type="none" w="med" len="med"/>
+                          <a:tailEnd type="none" w="med" len="med"/>
+                        </a:lnL>
+                        <a:lnR w="12700" cap="flat" cmpd="sng" algn="ctr">
+                          <a:solidFill>
+                            <a:schemeClr val="tx1"/>
+                          </a:solidFill>
+                          <a:prstDash val="solid"/>
+                          <a:round/>
+                          <a:headEnd type="none" w="med" len="med"/>
+                          <a:tailEnd type="none" w="med" len="med"/>
+                        </a:lnR>
+                        <a:lnT w="12700" cap="flat" cmpd="sng" algn="ctr">
+                          <a:solidFill>
+                            <a:schemeClr val="tx1"/>
+                          </a:solidFill>
+                          <a:prstDash val="solid"/>
+                          <a:round/>
+                          <a:headEnd type="none" w="med" len="med"/>
+                          <a:tailEnd type="none" w="med" len="med"/>
+                        </a:lnT>
+                        <a:lnB w="12700" cap="flat" cmpd="sng" algn="ctr">
+                          <a:solidFill>
+                            <a:schemeClr val="tx1"/>
+                          </a:solidFill>
+                          <a:prstDash val="solid"/>
+                          <a:round/>
+                          <a:headEnd type="none" w="med" len="med"/>
+                          <a:tailEnd type="none" w="med" len="med"/>
+                        </a:lnB>
+                      </a:tcPr>
                     </a:tc>
                     <a:tc>
                       <a:txBody>
@@ -10560,7 +15612,44 @@
                           </a:endParaRPr>
                         </a:p>
                       </a:txBody>
-                      <a:tcPr marL="68580" marR="68580" marT="0" marB="0" anchor="ctr"/>
+                      <a:tcPr marL="68580" marR="68580" marT="0" marB="0" anchor="ctr">
+                        <a:lnL w="12700" cap="flat" cmpd="sng" algn="ctr">
+                          <a:solidFill>
+                            <a:schemeClr val="tx1"/>
+                          </a:solidFill>
+                          <a:prstDash val="solid"/>
+                          <a:round/>
+                          <a:headEnd type="none" w="med" len="med"/>
+                          <a:tailEnd type="none" w="med" len="med"/>
+                        </a:lnL>
+                        <a:lnR w="12700" cap="flat" cmpd="sng" algn="ctr">
+                          <a:solidFill>
+                            <a:schemeClr val="tx1"/>
+                          </a:solidFill>
+                          <a:prstDash val="solid"/>
+                          <a:round/>
+                          <a:headEnd type="none" w="med" len="med"/>
+                          <a:tailEnd type="none" w="med" len="med"/>
+                        </a:lnR>
+                        <a:lnT w="12700" cap="flat" cmpd="sng" algn="ctr">
+                          <a:solidFill>
+                            <a:schemeClr val="tx1"/>
+                          </a:solidFill>
+                          <a:prstDash val="solid"/>
+                          <a:round/>
+                          <a:headEnd type="none" w="med" len="med"/>
+                          <a:tailEnd type="none" w="med" len="med"/>
+                        </a:lnT>
+                        <a:lnB w="12700" cap="flat" cmpd="sng" algn="ctr">
+                          <a:solidFill>
+                            <a:schemeClr val="tx1"/>
+                          </a:solidFill>
+                          <a:prstDash val="solid"/>
+                          <a:round/>
+                          <a:headEnd type="none" w="med" len="med"/>
+                          <a:tailEnd type="none" w="med" len="med"/>
+                        </a:lnB>
+                      </a:tcPr>
                     </a:tc>
                     <a:tc>
                       <a:txBody>
@@ -10591,7 +15680,44 @@
                           </a:endParaRPr>
                         </a:p>
                       </a:txBody>
-                      <a:tcPr marL="68580" marR="68580" marT="0" marB="0" anchor="ctr"/>
+                      <a:tcPr marL="68580" marR="68580" marT="0" marB="0" anchor="ctr">
+                        <a:lnL w="12700" cap="flat" cmpd="sng" algn="ctr">
+                          <a:solidFill>
+                            <a:schemeClr val="tx1"/>
+                          </a:solidFill>
+                          <a:prstDash val="solid"/>
+                          <a:round/>
+                          <a:headEnd type="none" w="med" len="med"/>
+                          <a:tailEnd type="none" w="med" len="med"/>
+                        </a:lnL>
+                        <a:lnR w="12700" cap="flat" cmpd="sng" algn="ctr">
+                          <a:solidFill>
+                            <a:schemeClr val="tx1"/>
+                          </a:solidFill>
+                          <a:prstDash val="solid"/>
+                          <a:round/>
+                          <a:headEnd type="none" w="med" len="med"/>
+                          <a:tailEnd type="none" w="med" len="med"/>
+                        </a:lnR>
+                        <a:lnT w="12700" cap="flat" cmpd="sng" algn="ctr">
+                          <a:solidFill>
+                            <a:schemeClr val="tx1"/>
+                          </a:solidFill>
+                          <a:prstDash val="solid"/>
+                          <a:round/>
+                          <a:headEnd type="none" w="med" len="med"/>
+                          <a:tailEnd type="none" w="med" len="med"/>
+                        </a:lnT>
+                        <a:lnB w="12700" cap="flat" cmpd="sng" algn="ctr">
+                          <a:solidFill>
+                            <a:schemeClr val="tx1"/>
+                          </a:solidFill>
+                          <a:prstDash val="solid"/>
+                          <a:round/>
+                          <a:headEnd type="none" w="med" len="med"/>
+                          <a:tailEnd type="none" w="med" len="med"/>
+                        </a:lnB>
+                      </a:tcPr>
                     </a:tc>
                     <a:tc>
                       <a:txBody>
@@ -10622,7 +15748,44 @@
                           </a:endParaRPr>
                         </a:p>
                       </a:txBody>
-                      <a:tcPr marL="68580" marR="68580" marT="0" marB="0" anchor="ctr"/>
+                      <a:tcPr marL="68580" marR="68580" marT="0" marB="0" anchor="ctr">
+                        <a:lnL w="12700" cap="flat" cmpd="sng" algn="ctr">
+                          <a:solidFill>
+                            <a:schemeClr val="tx1"/>
+                          </a:solidFill>
+                          <a:prstDash val="solid"/>
+                          <a:round/>
+                          <a:headEnd type="none" w="med" len="med"/>
+                          <a:tailEnd type="none" w="med" len="med"/>
+                        </a:lnL>
+                        <a:lnR w="12700" cap="flat" cmpd="sng" algn="ctr">
+                          <a:solidFill>
+                            <a:schemeClr val="tx1"/>
+                          </a:solidFill>
+                          <a:prstDash val="solid"/>
+                          <a:round/>
+                          <a:headEnd type="none" w="med" len="med"/>
+                          <a:tailEnd type="none" w="med" len="med"/>
+                        </a:lnR>
+                        <a:lnT w="12700" cap="flat" cmpd="sng" algn="ctr">
+                          <a:solidFill>
+                            <a:schemeClr val="tx1"/>
+                          </a:solidFill>
+                          <a:prstDash val="solid"/>
+                          <a:round/>
+                          <a:headEnd type="none" w="med" len="med"/>
+                          <a:tailEnd type="none" w="med" len="med"/>
+                        </a:lnT>
+                        <a:lnB w="12700" cap="flat" cmpd="sng" algn="ctr">
+                          <a:solidFill>
+                            <a:schemeClr val="tx1"/>
+                          </a:solidFill>
+                          <a:prstDash val="solid"/>
+                          <a:round/>
+                          <a:headEnd type="none" w="med" len="med"/>
+                          <a:tailEnd type="none" w="med" len="med"/>
+                        </a:lnB>
+                      </a:tcPr>
                     </a:tc>
                     <a:extLst>
                       <a:ext uri="{0D108BD9-81ED-4DB2-BD59-A6C34878D82A}">
@@ -10818,25 +15981,25 @@
           <p:nvPr>
             <p:extLst>
               <p:ext uri="{D42A27DB-BD31-4B8C-83A1-F6EECF244321}">
-                <p14:modId xmlns:p14="http://schemas.microsoft.com/office/powerpoint/2010/main" val="2989010787"/>
+                <p14:modId xmlns:p14="http://schemas.microsoft.com/office/powerpoint/2010/main" val="3912502250"/>
               </p:ext>
             </p:extLst>
           </p:nvPr>
         </p:nvGraphicFramePr>
         <p:xfrm>
-          <a:off x="1075082" y="2897941"/>
-          <a:ext cx="10041835" cy="1062117"/>
+          <a:off x="505239" y="1769854"/>
+          <a:ext cx="11181522" cy="963429"/>
         </p:xfrm>
         <a:graphic>
           <a:graphicData uri="http://schemas.openxmlformats.org/presentationml/2006/ole">
             <mc:AlternateContent xmlns:mc="http://schemas.openxmlformats.org/markup-compatibility/2006">
               <mc:Choice xmlns:v="urn:schemas-microsoft-com:vml" Requires="v">
-                <p:oleObj spid="_x0000_s3082" name="Equation" r:id="rId3" imgW="2438400" imgH="254000" progId="Equation.DSMT4">
+                <p:oleObj spid="_x0000_s3100" name="Equation" r:id="rId3" imgW="2997000" imgH="253800" progId="Equation.DSMT4">
                   <p:embed/>
                 </p:oleObj>
               </mc:Choice>
               <mc:Fallback>
-                <p:oleObj name="Equation" r:id="rId3" imgW="2438400" imgH="254000" progId="Equation.DSMT4">
+                <p:oleObj name="Equation" r:id="rId3" imgW="2997000" imgH="253800" progId="Equation.DSMT4">
                   <p:embed/>
                   <p:pic>
                     <p:nvPicPr>
@@ -10847,13 +16010,7 @@
                       <p:nvPr/>
                     </p:nvPicPr>
                     <p:blipFill>
-                      <a:blip r:embed="rId4">
-                        <a:extLst>
-                          <a:ext uri="{28A0092B-C50C-407E-A947-70E740481C1C}">
-                            <a14:useLocalDpi xmlns:a14="http://schemas.microsoft.com/office/drawing/2010/main" val="0"/>
-                          </a:ext>
-                        </a:extLst>
-                      </a:blip>
+                      <a:blip r:embed="rId4"/>
                       <a:srcRect/>
                       <a:stretch>
                         <a:fillRect/>
@@ -10861,8 +16018,8 @@
                     </p:blipFill>
                     <p:spPr bwMode="auto">
                       <a:xfrm>
-                        <a:off x="1075082" y="2897941"/>
-                        <a:ext cx="10041835" cy="1062117"/>
+                        <a:off x="505239" y="1769854"/>
+                        <a:ext cx="11181522" cy="963429"/>
                       </a:xfrm>
                       <a:prstGeom prst="rect">
                         <a:avLst/>
@@ -10876,6 +16033,47 @@
           </a:graphicData>
         </a:graphic>
       </p:graphicFrame>
+      <p:sp>
+        <p:nvSpPr>
+          <p:cNvPr id="6" name="Объект 2">
+            <a:extLst>
+              <a:ext uri="{FF2B5EF4-FFF2-40B4-BE49-F238E27FC236}">
+                <a16:creationId xmlns:a16="http://schemas.microsoft.com/office/drawing/2014/main" id="{8104F23B-AA05-434D-A000-95273BE63DDD}"/>
+              </a:ext>
+            </a:extLst>
+          </p:cNvPr>
+          <p:cNvSpPr>
+            <a:spLocks noGrp="1"/>
+          </p:cNvSpPr>
+          <p:nvPr>
+            <p:ph idx="1"/>
+          </p:nvPr>
+        </p:nvSpPr>
+        <p:spPr>
+          <a:xfrm>
+            <a:off x="838200" y="3174583"/>
+            <a:ext cx="10515600" cy="3002380"/>
+          </a:xfrm>
+        </p:spPr>
+        <p:txBody>
+          <a:bodyPr>
+            <a:normAutofit/>
+          </a:bodyPr>
+          <a:lstStyle/>
+          <a:p>
+            <a:pPr marL="0" indent="0">
+              <a:buNone/>
+            </a:pPr>
+            <a:r>
+              <a:rPr lang="ru-RU" sz="3200" dirty="0">
+                <a:latin typeface="Microsoft JhengHei UI Light" panose="020B0304030504040204" pitchFamily="34" charset="-120"/>
+                <a:ea typeface="Microsoft JhengHei UI Light" panose="020B0304030504040204" pitchFamily="34" charset="-120"/>
+              </a:rPr>
+              <a:t>Стиль статьи можно считать научным, если по всем трём показателям, значения статьи попадают в заданные интервалы.</a:t>
+            </a:r>
+          </a:p>
+        </p:txBody>
+      </p:sp>
     </p:spTree>
     <p:extLst>
       <p:ext uri="{BB962C8B-B14F-4D97-AF65-F5344CB8AC3E}">
@@ -10962,6 +16160,9 @@
           </a:bodyPr>
           <a:lstStyle/>
           <a:p>
+            <a:pPr marL="0" indent="0">
+              <a:buNone/>
+            </a:pPr>
             <a:r>
               <a:rPr lang="ru-RU" sz="3200" dirty="0">
                 <a:latin typeface="Microsoft JhengHei UI Light" panose="020B0304030504040204" pitchFamily="34" charset="-120"/>
@@ -11123,8 +16324,8 @@
         </p:nvSpPr>
         <p:spPr>
           <a:xfrm>
-            <a:off x="328246" y="5380383"/>
-            <a:ext cx="11535508" cy="1353426"/>
+            <a:off x="328246" y="1908314"/>
+            <a:ext cx="11535508" cy="4825496"/>
           </a:xfrm>
           <a:prstGeom prst="rect">
             <a:avLst/>
@@ -11298,6 +16499,100 @@
               </a:defRPr>
             </a:lvl9pPr>
           </a:lstStyle>
+          <a:p>
+            <a:pPr marL="0" indent="0">
+              <a:buNone/>
+            </a:pPr>
+            <a:r>
+              <a:rPr lang="ru-RU" sz="2200" dirty="0">
+                <a:latin typeface="Microsoft JhengHei UI Light" panose="020B0304030504040204" pitchFamily="34" charset="-120"/>
+                <a:ea typeface="Microsoft JhengHei UI Light" panose="020B0304030504040204" pitchFamily="34" charset="-120"/>
+              </a:rPr>
+              <a:t>Репозиторий: </a:t>
+            </a:r>
+            <a:r>
+              <a:rPr lang="en-US" sz="2200" dirty="0">
+                <a:latin typeface="Microsoft JhengHei UI Light" panose="020B0304030504040204" pitchFamily="34" charset="-120"/>
+                <a:ea typeface="Microsoft JhengHei UI Light" panose="020B0304030504040204" pitchFamily="34" charset="-120"/>
+              </a:rPr>
+              <a:t>https://github.com/EduardBlees/Master-s-thesis</a:t>
+            </a:r>
+            <a:endParaRPr lang="ru-RU" sz="2200" dirty="0">
+              <a:latin typeface="Microsoft JhengHei UI Light" panose="020B0304030504040204" pitchFamily="34" charset="-120"/>
+              <a:ea typeface="Microsoft JhengHei UI Light" panose="020B0304030504040204" pitchFamily="34" charset="-120"/>
+            </a:endParaRPr>
+          </a:p>
+          <a:p>
+            <a:pPr marL="0" indent="0">
+              <a:buNone/>
+            </a:pPr>
+            <a:r>
+              <a:rPr lang="ru-RU" sz="2200" dirty="0">
+                <a:latin typeface="Microsoft JhengHei UI Light" panose="020B0304030504040204" pitchFamily="34" charset="-120"/>
+                <a:ea typeface="Microsoft JhengHei UI Light" panose="020B0304030504040204" pitchFamily="34" charset="-120"/>
+              </a:rPr>
+              <a:t>Предыдущая работа: </a:t>
+            </a:r>
+            <a:r>
+              <a:rPr lang="ru-RU" sz="2200" dirty="0" err="1">
+                <a:latin typeface="Microsoft JhengHei UI Light" panose="020B0304030504040204" pitchFamily="34" charset="-120"/>
+                <a:ea typeface="Microsoft JhengHei UI Light" panose="020B0304030504040204" pitchFamily="34" charset="-120"/>
+              </a:rPr>
+              <a:t>Блеес</a:t>
+            </a:r>
+            <a:r>
+              <a:rPr lang="ru-RU" sz="2200" dirty="0">
+                <a:latin typeface="Microsoft JhengHei UI Light" panose="020B0304030504040204" pitchFamily="34" charset="-120"/>
+                <a:ea typeface="Microsoft JhengHei UI Light" panose="020B0304030504040204" pitchFamily="34" charset="-120"/>
+              </a:rPr>
+              <a:t> Э.И., Заславский М.М., Андросов В.Ю. Автоматизация процесса проверки текста на соответствие научному стилю // Современные технологии в теории и практике программирования: материалы научно-практической конференции студентов, аспирантов и молодых ученых. 24 Апреля 2018 Научно-исследовательский корпус </a:t>
+            </a:r>
+            <a:r>
+              <a:rPr lang="ru-RU" sz="2200" dirty="0" err="1">
+                <a:latin typeface="Microsoft JhengHei UI Light" panose="020B0304030504040204" pitchFamily="34" charset="-120"/>
+                <a:ea typeface="Microsoft JhengHei UI Light" panose="020B0304030504040204" pitchFamily="34" charset="-120"/>
+              </a:rPr>
+              <a:t>СПбПУ</a:t>
+            </a:r>
+            <a:r>
+              <a:rPr lang="ru-RU" sz="2200" dirty="0">
+                <a:latin typeface="Microsoft JhengHei UI Light" panose="020B0304030504040204" pitchFamily="34" charset="-120"/>
+                <a:ea typeface="Microsoft JhengHei UI Light" panose="020B0304030504040204" pitchFamily="34" charset="-120"/>
+              </a:rPr>
+              <a:t>; 2 учебный корпус, Политехническая ул., д.29. 2018. - С. 118-121;</a:t>
+            </a:r>
+            <a:endParaRPr lang="en-US" sz="2200" dirty="0">
+              <a:latin typeface="Microsoft JhengHei UI Light" panose="020B0304030504040204" pitchFamily="34" charset="-120"/>
+              <a:ea typeface="Microsoft JhengHei UI Light" panose="020B0304030504040204" pitchFamily="34" charset="-120"/>
+            </a:endParaRPr>
+          </a:p>
+          <a:p>
+            <a:pPr marL="0" indent="0">
+              <a:buNone/>
+            </a:pPr>
+            <a:endParaRPr lang="en-US" sz="2400" dirty="0">
+              <a:latin typeface="Microsoft JhengHei UI Light" panose="020B0304030504040204" pitchFamily="34" charset="-120"/>
+              <a:ea typeface="Microsoft JhengHei UI Light" panose="020B0304030504040204" pitchFamily="34" charset="-120"/>
+            </a:endParaRPr>
+          </a:p>
+          <a:p>
+            <a:pPr marL="0" indent="0">
+              <a:buNone/>
+            </a:pPr>
+            <a:endParaRPr lang="en-US" sz="2400" dirty="0">
+              <a:latin typeface="Microsoft JhengHei UI Light" panose="020B0304030504040204" pitchFamily="34" charset="-120"/>
+              <a:ea typeface="Microsoft JhengHei UI Light" panose="020B0304030504040204" pitchFamily="34" charset="-120"/>
+            </a:endParaRPr>
+          </a:p>
+          <a:p>
+            <a:pPr marL="0" indent="0">
+              <a:buNone/>
+            </a:pPr>
+            <a:endParaRPr lang="ru-RU" sz="2400" dirty="0">
+              <a:latin typeface="Microsoft JhengHei UI Light" panose="020B0304030504040204" pitchFamily="34" charset="-120"/>
+              <a:ea typeface="Microsoft JhengHei UI Light" panose="020B0304030504040204" pitchFamily="34" charset="-120"/>
+            </a:endParaRPr>
+          </a:p>
           <a:p>
             <a:pPr marL="0" indent="0">
               <a:buNone/>
@@ -11483,7 +16778,21 @@
                 <a:latin typeface="Microsoft JhengHei UI Light" panose="020B0304030504040204" pitchFamily="34" charset="-120"/>
                 <a:ea typeface="Microsoft JhengHei UI Light" panose="020B0304030504040204" pitchFamily="34" charset="-120"/>
               </a:rPr>
-              <a:t>• Уровень ключевых слов в тексте –</a:t>
+              <a:t>• Уровень </a:t>
+            </a:r>
+            <a:r>
+              <a:rPr lang="ru-RU" sz="3200" u="sng" dirty="0">
+                <a:latin typeface="Microsoft JhengHei UI Light" panose="020B0304030504040204" pitchFamily="34" charset="-120"/>
+                <a:ea typeface="Microsoft JhengHei UI Light" panose="020B0304030504040204" pitchFamily="34" charset="-120"/>
+              </a:rPr>
+              <a:t>ключевых слов</a:t>
+            </a:r>
+            <a:r>
+              <a:rPr lang="ru-RU" sz="3200" dirty="0">
+                <a:latin typeface="Microsoft JhengHei UI Light" panose="020B0304030504040204" pitchFamily="34" charset="-120"/>
+                <a:ea typeface="Microsoft JhengHei UI Light" panose="020B0304030504040204" pitchFamily="34" charset="-120"/>
+              </a:rPr>
+              <a:t> в тексте –</a:t>
             </a:r>
             <a:r>
               <a:rPr lang="en-US" sz="3200" dirty="0">
@@ -11520,7 +16829,21 @@
                 <a:latin typeface="Microsoft JhengHei UI Light" panose="020B0304030504040204" pitchFamily="34" charset="-120"/>
                 <a:ea typeface="Microsoft JhengHei UI Light" panose="020B0304030504040204" pitchFamily="34" charset="-120"/>
               </a:rPr>
-              <a:t>• Процентное соотношение стоп-слов и общего количества слов в тексте –</a:t>
+              <a:t>• Процентное </a:t>
+            </a:r>
+            <a:r>
+              <a:rPr lang="ru-RU" sz="3200" u="sng" dirty="0">
+                <a:latin typeface="Microsoft JhengHei UI Light" panose="020B0304030504040204" pitchFamily="34" charset="-120"/>
+                <a:ea typeface="Microsoft JhengHei UI Light" panose="020B0304030504040204" pitchFamily="34" charset="-120"/>
+              </a:rPr>
+              <a:t>соотношение стоп-слов и общего количества слов</a:t>
+            </a:r>
+            <a:r>
+              <a:rPr lang="ru-RU" sz="3200" dirty="0">
+                <a:latin typeface="Microsoft JhengHei UI Light" panose="020B0304030504040204" pitchFamily="34" charset="-120"/>
+                <a:ea typeface="Microsoft JhengHei UI Light" panose="020B0304030504040204" pitchFamily="34" charset="-120"/>
+              </a:rPr>
+              <a:t> в тексте –</a:t>
             </a:r>
             <a:r>
               <a:rPr lang="en-US" sz="3200" dirty="0">
@@ -11920,7 +17243,7 @@
                 <a:latin typeface="Microsoft JhengHei UI Light" panose="020B0304030504040204" pitchFamily="34" charset="-120"/>
                 <a:ea typeface="Microsoft JhengHei UI Light" panose="020B0304030504040204" pitchFamily="34" charset="-120"/>
               </a:rPr>
-              <a:t>Задача – рассмотреть статистические свойства распределений значений критериев </a:t>
+              <a:t>Задачи – рассмотреть статистические свойства распределений значений критериев </a:t>
             </a:r>
             <a:r>
               <a:rPr lang="el-GR" sz="3200" dirty="0">
@@ -11962,7 +17285,7 @@
                 <a:latin typeface="Microsoft JhengHei UI Light" panose="020B0304030504040204" pitchFamily="34" charset="-120"/>
                 <a:ea typeface="Microsoft JhengHei UI Light" panose="020B0304030504040204" pitchFamily="34" charset="-120"/>
               </a:rPr>
-              <a:t> для научных статей и сформулировать необходимое, но не достаточное условие соответствия статьи научному стилю.</a:t>
+              <a:t> для научных статей и сформулировать необходимое, но не достаточное условие соответствия статьи научному стилю, проверить полученные условия на тестовой выборке.</a:t>
             </a:r>
           </a:p>
         </p:txBody>
